--- a/Slide Deck/Conversational AI Build NLU model using LUIS(MLSA).pptx
+++ b/Slide Deck/Conversational AI Build NLU model using LUIS(MLSA).pptx
@@ -14,14 +14,15 @@
     <p:sldId id="262" r:id="rId7"/>
     <p:sldId id="270" r:id="rId8"/>
     <p:sldId id="263" r:id="rId9"/>
-    <p:sldId id="264" r:id="rId10"/>
-    <p:sldId id="271" r:id="rId11"/>
-    <p:sldId id="272" r:id="rId12"/>
-    <p:sldId id="273" r:id="rId13"/>
-    <p:sldId id="274" r:id="rId14"/>
-    <p:sldId id="275" r:id="rId15"/>
-    <p:sldId id="276" r:id="rId16"/>
-    <p:sldId id="277" r:id="rId17"/>
+    <p:sldId id="271" r:id="rId10"/>
+    <p:sldId id="272" r:id="rId11"/>
+    <p:sldId id="273" r:id="rId12"/>
+    <p:sldId id="274" r:id="rId13"/>
+    <p:sldId id="275" r:id="rId14"/>
+    <p:sldId id="276" r:id="rId15"/>
+    <p:sldId id="277" r:id="rId16"/>
+    <p:sldId id="280" r:id="rId17"/>
+    <p:sldId id="281" r:id="rId18"/>
   </p:sldIdLst>
   <p:sldSz cx="12192000" cy="6858000"/>
   <p:notesSz cx="6858000" cy="9144000"/>
@@ -1473,6 +1474,179 @@
 </p:notes>
 </file>
 
+<file path=ppt/notesSlides/notesSlide14.xml><?xml version="1.0" encoding="utf-8"?>
+<p:notes xmlns:a="http://schemas.openxmlformats.org/drawingml/2006/main" xmlns:r="http://schemas.openxmlformats.org/officeDocument/2006/relationships" xmlns:p="http://schemas.openxmlformats.org/presentationml/2006/main">
+  <p:cSld>
+    <p:spTree>
+      <p:nvGrpSpPr>
+        <p:cNvPr id="1" name=""/>
+        <p:cNvGrpSpPr/>
+        <p:nvPr/>
+      </p:nvGrpSpPr>
+      <p:grpSpPr>
+        <a:xfrm>
+          <a:off x="0" y="0"/>
+          <a:ext cx="0" cy="0"/>
+          <a:chOff x="0" y="0"/>
+          <a:chExt cx="0" cy="0"/>
+        </a:xfrm>
+      </p:grpSpPr>
+      <p:sp>
+        <p:nvSpPr>
+          <p:cNvPr id="2" name="Slide Image Placeholder 1"/>
+          <p:cNvSpPr>
+            <a:spLocks noGrp="1" noRot="1" noChangeAspect="1"/>
+          </p:cNvSpPr>
+          <p:nvPr>
+            <p:ph type="sldImg"/>
+          </p:nvPr>
+        </p:nvSpPr>
+        <p:spPr/>
+      </p:sp>
+      <p:sp>
+        <p:nvSpPr>
+          <p:cNvPr id="3" name="Notes Placeholder 2"/>
+          <p:cNvSpPr>
+            <a:spLocks noGrp="1"/>
+          </p:cNvSpPr>
+          <p:nvPr>
+            <p:ph type="body" idx="1"/>
+          </p:nvPr>
+        </p:nvSpPr>
+        <p:spPr/>
+        <p:txBody>
+          <a:bodyPr/>
+          <a:lstStyle/>
+          <a:p>
+            <a:endParaRPr lang="en-US" dirty="0"/>
+          </a:p>
+        </p:txBody>
+      </p:sp>
+      <p:sp>
+        <p:nvSpPr>
+          <p:cNvPr id="4" name="Header Placeholder 3"/>
+          <p:cNvSpPr>
+            <a:spLocks noGrp="1"/>
+          </p:cNvSpPr>
+          <p:nvPr>
+            <p:ph type="hdr" sz="quarter" idx="10"/>
+          </p:nvPr>
+        </p:nvSpPr>
+        <p:spPr/>
+        <p:txBody>
+          <a:bodyPr/>
+          <a:lstStyle/>
+          <a:p>
+            <a:endParaRPr lang="en-US" dirty="0"/>
+          </a:p>
+        </p:txBody>
+      </p:sp>
+      <p:sp>
+        <p:nvSpPr>
+          <p:cNvPr id="5" name="Footer Placeholder 4"/>
+          <p:cNvSpPr>
+            <a:spLocks noGrp="1"/>
+          </p:cNvSpPr>
+          <p:nvPr>
+            <p:ph type="ftr" sz="quarter" idx="11"/>
+          </p:nvPr>
+        </p:nvSpPr>
+        <p:spPr/>
+        <p:txBody>
+          <a:bodyPr/>
+          <a:lstStyle/>
+          <a:p>
+            <a:pPr defTabSz="914400" eaLnBrk="0" hangingPunct="0"/>
+            <a:r>
+              <a:rPr lang="en-US" sz="400" dirty="0">
+                <a:gradFill>
+                  <a:gsLst>
+                    <a:gs pos="0">
+                      <a:prstClr val="black"/>
+                    </a:gs>
+                    <a:gs pos="100000">
+                      <a:prstClr val="black"/>
+                    </a:gs>
+                  </a:gsLst>
+                  <a:lin ang="5400000" scaled="0"/>
+                </a:gradFill>
+                <a:latin typeface="Segoe UI" panose="020B0502040204020203" pitchFamily="34" charset="0"/>
+                <a:ea typeface="Segoe UI" panose="020B0502040204020203" pitchFamily="34" charset="0"/>
+                <a:cs typeface="Segoe UI" panose="020B0502040204020203" pitchFamily="34" charset="0"/>
+              </a:rPr>
+              <a:t>© Microsoft Corporation. All rights reserved. MICROSOFT MAKES NO WARRANTIES, EXPRESS, IMPLIED OR STATUTORY, AS TO THE INFORMATION IN THIS PRESENTATION.</a:t>
+            </a:r>
+            <a:endParaRPr lang="en-US" sz="400" dirty="0">
+              <a:gradFill>
+                <a:gsLst>
+                  <a:gs pos="0">
+                    <a:prstClr val="black"/>
+                  </a:gs>
+                  <a:gs pos="100000">
+                    <a:prstClr val="black"/>
+                  </a:gs>
+                </a:gsLst>
+                <a:lin ang="5400000" scaled="0"/>
+              </a:gradFill>
+              <a:latin typeface="Segoe UI" panose="020B0502040204020203" pitchFamily="34" charset="0"/>
+              <a:ea typeface="Segoe UI" panose="020B0502040204020203" pitchFamily="34" charset="0"/>
+              <a:cs typeface="Segoe UI" panose="020B0502040204020203" pitchFamily="34" charset="0"/>
+            </a:endParaRPr>
+          </a:p>
+        </p:txBody>
+      </p:sp>
+      <p:sp>
+        <p:nvSpPr>
+          <p:cNvPr id="6" name="Date Placeholder 5"/>
+          <p:cNvSpPr>
+            <a:spLocks noGrp="1"/>
+          </p:cNvSpPr>
+          <p:nvPr>
+            <p:ph type="dt" idx="12"/>
+          </p:nvPr>
+        </p:nvSpPr>
+        <p:spPr/>
+        <p:txBody>
+          <a:bodyPr/>
+          <a:lstStyle/>
+          <a:p>
+            <a:fld id="{72E0C910-0166-48E0-B8EF-5071277A02A8}" type="datetime8">
+              <a:rPr lang="en-US" smtClean="0"/>
+            </a:fld>
+            <a:endParaRPr lang="en-US" dirty="0"/>
+          </a:p>
+        </p:txBody>
+      </p:sp>
+      <p:sp>
+        <p:nvSpPr>
+          <p:cNvPr id="7" name="Slide Number Placeholder 6"/>
+          <p:cNvSpPr>
+            <a:spLocks noGrp="1"/>
+          </p:cNvSpPr>
+          <p:nvPr>
+            <p:ph type="sldNum" sz="quarter" idx="13"/>
+          </p:nvPr>
+        </p:nvSpPr>
+        <p:spPr/>
+        <p:txBody>
+          <a:bodyPr/>
+          <a:lstStyle/>
+          <a:p>
+            <a:fld id="{B4008EB6-D09E-4580-8CD6-DDB14511944F}" type="slidenum">
+              <a:rPr lang="en-US" smtClean="0"/>
+            </a:fld>
+            <a:endParaRPr lang="en-US" dirty="0"/>
+          </a:p>
+        </p:txBody>
+      </p:sp>
+    </p:spTree>
+  </p:cSld>
+  <p:clrMapOvr>
+    <a:masterClrMapping/>
+  </p:clrMapOvr>
+</p:notes>
+</file>
+
 <file path=ppt/notesSlides/notesSlide2.xml><?xml version="1.0" encoding="utf-8"?>
 <p:notes xmlns:a="http://schemas.openxmlformats.org/drawingml/2006/main" xmlns:r="http://schemas.openxmlformats.org/officeDocument/2006/relationships" xmlns:p="http://schemas.openxmlformats.org/presentationml/2006/main">
   <p:cSld>
@@ -2209,6 +2383,17 @@
           <a:bodyPr/>
           <a:lstStyle/>
           <a:p>
+            <a:r>
+              <a:rPr lang="en-US" dirty="0"/>
+              <a:t>Utterances-Utterances are pure NLP training. As we discussed before, there are multiple ways to say one single thing.</a:t>
+            </a:r>
+            <a:endParaRPr lang="en-US" dirty="0"/>
+          </a:p>
+          <a:p>
+            <a:r>
+              <a:rPr lang="en-US" dirty="0"/>
+              <a:t>Our bot can tell user where the store is located, but for the NLP application to tell us what is the user’s intent, we first need to give it examples of how the user could ask for it. To do so, we will simply input a range of utterances (sentences) that mean the same thing, « I want to get the store’s location », and tell the NLP application that these utterances mean the user wants to know where is located the store.  After a proper NLP training process, based on your utterances, your NLP application will be able to tell you what the user wants to say.</a:t>
+            </a:r>
             <a:endParaRPr lang="en-US" dirty="0"/>
           </a:p>
         </p:txBody>
@@ -2382,17 +2567,6 @@
           <a:bodyPr/>
           <a:lstStyle/>
           <a:p>
-            <a:r>
-              <a:rPr lang="en-US" dirty="0"/>
-              <a:t>Utterances-Utterances are pure NLP training. As we discussed before, there are multiple ways to say one single thing.</a:t>
-            </a:r>
-            <a:endParaRPr lang="en-US" dirty="0"/>
-          </a:p>
-          <a:p>
-            <a:r>
-              <a:rPr lang="en-US" dirty="0"/>
-              <a:t>Our bot can tell user where the store is located, but for the NLP application to tell us what is the user’s intent, we first need to give it examples of how the user could ask for it. To do so, we will simply input a range of utterances (sentences) that mean the same thing, « I want to get the store’s location », and tell the NLP application that these utterances mean the user wants to know where is located the store.  After a proper NLP training process, based on your utterances, your NLP application will be able to tell you what the user wants to say.</a:t>
-            </a:r>
             <a:endParaRPr lang="en-US" dirty="0"/>
           </a:p>
         </p:txBody>
@@ -6435,7 +6609,7 @@
         <p:spPr>
           <a:xfrm>
             <a:off x="584200" y="2275840"/>
-            <a:ext cx="6979920" cy="996315"/>
+            <a:ext cx="8760460" cy="996315"/>
           </a:xfrm>
           <a:prstGeom prst="rect">
             <a:avLst/>
@@ -6470,14 +6644,14 @@
             </a:pPr>
             <a:r>
               <a:rPr lang="en-US" b="1" dirty="0"/>
-              <a:t>Conversational AI: Build NLU model </a:t>
+              <a:t>Introduction to Conversational AI: </a:t>
             </a:r>
             <a:br>
               <a:rPr lang="en-US" b="1" dirty="0"/>
             </a:br>
             <a:r>
               <a:rPr lang="en-US" b="1" dirty="0"/>
-              <a:t>using LUIS</a:t>
+              <a:t>Build NLU model using LUIS</a:t>
             </a:r>
             <a:endParaRPr b="1" dirty="0"/>
           </a:p>
@@ -6871,1106 +7045,6 @@
         </p:nvSpPr>
         <p:spPr>
           <a:xfrm>
-            <a:off x="588263" y="849630"/>
-            <a:ext cx="11018520" cy="553998"/>
-          </a:xfrm>
-        </p:spPr>
-        <p:txBody>
-          <a:bodyPr>
-            <a:noAutofit/>
-          </a:bodyPr>
-          <a:lstStyle/>
-          <a:p>
-            <a:r>
-              <a:rPr lang="en-US" sz="3200" b="1" dirty="0">
-                <a:latin typeface="Calibri" panose="020F0502020204030204" charset="0"/>
-                <a:cs typeface="Calibri" panose="020F0502020204030204" charset="0"/>
-                <a:sym typeface="+mn-ea"/>
-              </a:rPr>
-              <a:t>Entities: What information did the user give?</a:t>
-            </a:r>
-            <a:endParaRPr lang="en-US" sz="3200" b="1" dirty="0">
-              <a:latin typeface="Calibri" panose="020F0502020204030204" charset="0"/>
-              <a:cs typeface="Calibri" panose="020F0502020204030204" charset="0"/>
-              <a:sym typeface="+mn-ea"/>
-            </a:endParaRPr>
-          </a:p>
-        </p:txBody>
-      </p:sp>
-      <p:sp>
-        <p:nvSpPr>
-          <p:cNvPr id="2" name="Text Box 1"/>
-          <p:cNvSpPr txBox="1"/>
-          <p:nvPr/>
-        </p:nvSpPr>
-        <p:spPr>
-          <a:xfrm>
-            <a:off x="588010" y="1403350"/>
-            <a:ext cx="8342630" cy="922020"/>
-          </a:xfrm>
-          <a:prstGeom prst="rect">
-            <a:avLst/>
-          </a:prstGeom>
-          <a:noFill/>
-        </p:spPr>
-        <p:txBody>
-          <a:bodyPr wrap="square" rtlCol="0">
-            <a:spAutoFit/>
-          </a:bodyPr>
-          <a:p>
-            <a:pPr marL="285750" indent="-285750">
-              <a:buFont typeface="Arial" panose="020B0604020202020204" pitchFamily="34" charset="0"/>
-              <a:buChar char="•"/>
-            </a:pPr>
-            <a:r>
-              <a:rPr lang="en-US"/>
-              <a:t>The intent represents action the application should take for the user and is based on the entire utterance. An utterance can have only one top scoring intent but it can have many entities.</a:t>
-            </a:r>
-            <a:endParaRPr lang="en-US"/>
-          </a:p>
-        </p:txBody>
-      </p:sp>
-      <p:pic>
-        <p:nvPicPr>
-          <p:cNvPr id="5" name="Picture 4"/>
-          <p:cNvPicPr>
-            <a:picLocks noChangeAspect="1"/>
-          </p:cNvPicPr>
-          <p:nvPr/>
-        </p:nvPicPr>
-        <p:blipFill>
-          <a:blip r:embed="rId1"/>
-          <a:stretch>
-            <a:fillRect/>
-          </a:stretch>
-        </p:blipFill>
-        <p:spPr>
-          <a:xfrm>
-            <a:off x="952500" y="2510155"/>
-            <a:ext cx="6686550" cy="1838325"/>
-          </a:xfrm>
-          <a:prstGeom prst="rect">
-            <a:avLst/>
-          </a:prstGeom>
-        </p:spPr>
-      </p:pic>
-      <p:pic>
-        <p:nvPicPr>
-          <p:cNvPr id="6" name="Picture 5"/>
-          <p:cNvPicPr>
-            <a:picLocks noChangeAspect="1"/>
-          </p:cNvPicPr>
-          <p:nvPr/>
-        </p:nvPicPr>
-        <p:blipFill>
-          <a:blip r:embed="rId2"/>
-          <a:stretch>
-            <a:fillRect/>
-          </a:stretch>
-        </p:blipFill>
-        <p:spPr>
-          <a:xfrm>
-            <a:off x="8248015" y="2081530"/>
-            <a:ext cx="3667125" cy="2266950"/>
-          </a:xfrm>
-          <a:prstGeom prst="rect">
-            <a:avLst/>
-          </a:prstGeom>
-        </p:spPr>
-      </p:pic>
-      <p:sp>
-        <p:nvSpPr>
-          <p:cNvPr id="8" name="Text Box 7"/>
-          <p:cNvSpPr txBox="1"/>
-          <p:nvPr/>
-        </p:nvSpPr>
-        <p:spPr>
-          <a:xfrm>
-            <a:off x="588010" y="4629150"/>
-            <a:ext cx="6672580" cy="645160"/>
-          </a:xfrm>
-          <a:prstGeom prst="rect">
-            <a:avLst/>
-          </a:prstGeom>
-          <a:noFill/>
-        </p:spPr>
-        <p:txBody>
-          <a:bodyPr wrap="square" rtlCol="0">
-            <a:spAutoFit/>
-          </a:bodyPr>
-          <a:p>
-            <a:pPr marL="285750" indent="-285750">
-              <a:buFont typeface="Arial" panose="020B0604020202020204" pitchFamily="34" charset="0"/>
-              <a:buChar char="•"/>
-            </a:pPr>
-            <a:r>
-              <a:rPr lang="en-US">
-                <a:sym typeface="+mn-ea"/>
-              </a:rPr>
-              <a:t>Entities -&gt; Represent parameters required to execute the action.</a:t>
-            </a:r>
-            <a:endParaRPr lang="en-US"/>
-          </a:p>
-          <a:p>
-            <a:pPr marL="285750" indent="-285750"/>
-            <a:endParaRPr lang="en-US"/>
-          </a:p>
-        </p:txBody>
-      </p:sp>
-      <p:grpSp>
-        <p:nvGrpSpPr>
-          <p:cNvPr id="19" name="Group 18"/>
-          <p:cNvGrpSpPr/>
-          <p:nvPr/>
-        </p:nvGrpSpPr>
-        <p:grpSpPr>
-          <a:xfrm>
-            <a:off x="5391150" y="5005705"/>
-            <a:ext cx="6476365" cy="862965"/>
-            <a:chOff x="8490" y="7883"/>
-            <a:chExt cx="10199" cy="1359"/>
-          </a:xfrm>
-        </p:grpSpPr>
-        <p:sp>
-          <p:nvSpPr>
-            <p:cNvPr id="10" name="boy"/>
-            <p:cNvSpPr>
-              <a:spLocks noChangeAspect="1" noEditPoints="1"/>
-            </p:cNvSpPr>
-            <p:nvPr/>
-          </p:nvSpPr>
-          <p:spPr bwMode="auto">
-            <a:xfrm>
-              <a:off x="8490" y="8070"/>
-              <a:ext cx="362" cy="254"/>
-            </a:xfrm>
-            <a:custGeom>
-              <a:avLst/>
-              <a:gdLst>
-                <a:gd name="T0" fmla="*/ 27 w 261"/>
-                <a:gd name="T1" fmla="*/ 104 h 339"/>
-                <a:gd name="T2" fmla="*/ 131 w 261"/>
-                <a:gd name="T3" fmla="*/ 0 h 339"/>
-                <a:gd name="T4" fmla="*/ 235 w 261"/>
-                <a:gd name="T5" fmla="*/ 104 h 339"/>
-                <a:gd name="T6" fmla="*/ 131 w 261"/>
-                <a:gd name="T7" fmla="*/ 208 h 339"/>
-                <a:gd name="T8" fmla="*/ 27 w 261"/>
-                <a:gd name="T9" fmla="*/ 104 h 339"/>
-                <a:gd name="T10" fmla="*/ 261 w 261"/>
-                <a:gd name="T11" fmla="*/ 339 h 339"/>
-                <a:gd name="T12" fmla="*/ 131 w 261"/>
-                <a:gd name="T13" fmla="*/ 208 h 339"/>
-                <a:gd name="T14" fmla="*/ 0 w 261"/>
-                <a:gd name="T15" fmla="*/ 339 h 339"/>
-                <a:gd name="T16" fmla="*/ 74 w 261"/>
-                <a:gd name="T17" fmla="*/ 221 h 339"/>
-                <a:gd name="T18" fmla="*/ 131 w 261"/>
-                <a:gd name="T19" fmla="*/ 274 h 339"/>
-                <a:gd name="T20" fmla="*/ 187 w 261"/>
-                <a:gd name="T21" fmla="*/ 221 h 339"/>
-              </a:gdLst>
-              <a:ahLst/>
-              <a:cxnLst>
-                <a:cxn ang="0">
-                  <a:pos x="T0" y="T1"/>
-                </a:cxn>
-                <a:cxn ang="0">
-                  <a:pos x="T2" y="T3"/>
-                </a:cxn>
-                <a:cxn ang="0">
-                  <a:pos x="T4" y="T5"/>
-                </a:cxn>
-                <a:cxn ang="0">
-                  <a:pos x="T6" y="T7"/>
-                </a:cxn>
-                <a:cxn ang="0">
-                  <a:pos x="T8" y="T9"/>
-                </a:cxn>
-                <a:cxn ang="0">
-                  <a:pos x="T10" y="T11"/>
-                </a:cxn>
-                <a:cxn ang="0">
-                  <a:pos x="T12" y="T13"/>
-                </a:cxn>
-                <a:cxn ang="0">
-                  <a:pos x="T14" y="T15"/>
-                </a:cxn>
-                <a:cxn ang="0">
-                  <a:pos x="T16" y="T17"/>
-                </a:cxn>
-                <a:cxn ang="0">
-                  <a:pos x="T18" y="T19"/>
-                </a:cxn>
-                <a:cxn ang="0">
-                  <a:pos x="T20" y="T21"/>
-                </a:cxn>
-              </a:cxnLst>
-              <a:rect l="0" t="0" r="r" b="b"/>
-              <a:pathLst>
-                <a:path w="261" h="339">
-                  <a:moveTo>
-                    <a:pt x="27" y="104"/>
-                  </a:moveTo>
-                  <a:cubicBezTo>
-                    <a:pt x="27" y="47"/>
-                    <a:pt x="73" y="0"/>
-                    <a:pt x="131" y="0"/>
-                  </a:cubicBezTo>
-                  <a:cubicBezTo>
-                    <a:pt x="188" y="0"/>
-                    <a:pt x="235" y="47"/>
-                    <a:pt x="235" y="104"/>
-                  </a:cubicBezTo>
-                  <a:cubicBezTo>
-                    <a:pt x="235" y="162"/>
-                    <a:pt x="188" y="208"/>
-                    <a:pt x="131" y="208"/>
-                  </a:cubicBezTo>
-                  <a:cubicBezTo>
-                    <a:pt x="73" y="208"/>
-                    <a:pt x="27" y="162"/>
-                    <a:pt x="27" y="104"/>
-                  </a:cubicBezTo>
-                  <a:close/>
-                  <a:moveTo>
-                    <a:pt x="261" y="339"/>
-                  </a:moveTo>
-                  <a:cubicBezTo>
-                    <a:pt x="261" y="267"/>
-                    <a:pt x="203" y="208"/>
-                    <a:pt x="131" y="208"/>
-                  </a:cubicBezTo>
-                  <a:cubicBezTo>
-                    <a:pt x="59" y="208"/>
-                    <a:pt x="0" y="267"/>
-                    <a:pt x="0" y="339"/>
-                  </a:cubicBezTo>
-                  <a:moveTo>
-                    <a:pt x="74" y="221"/>
-                  </a:moveTo>
-                  <a:cubicBezTo>
-                    <a:pt x="131" y="274"/>
-                    <a:pt x="131" y="274"/>
-                    <a:pt x="131" y="274"/>
-                  </a:cubicBezTo>
-                  <a:cubicBezTo>
-                    <a:pt x="187" y="221"/>
-                    <a:pt x="187" y="221"/>
-                    <a:pt x="187" y="221"/>
-                  </a:cubicBezTo>
-                </a:path>
-              </a:pathLst>
-            </a:custGeom>
-            <a:noFill/>
-            <a:ln w="15875" cap="sq">
-              <a:solidFill>
-                <a:schemeClr val="tx1"/>
-              </a:solidFill>
-              <a:prstDash val="solid"/>
-              <a:miter lim="800000"/>
-            </a:ln>
-            <a:extLst>
-              <a:ext uri="{909E8E84-426E-40DD-AFC4-6F175D3DCCD1}">
-                <a14:hiddenFill xmlns:a14="http://schemas.microsoft.com/office/drawing/2010/main">
-                  <a:solidFill>
-                    <a:srgbClr val="FFFFFF"/>
-                  </a:solidFill>
-                </a14:hiddenFill>
-              </a:ext>
-            </a:extLst>
-          </p:spPr>
-          <p:txBody>
-            <a:bodyPr vert="horz" wrap="square" lIns="91440" tIns="45720" rIns="91440" bIns="45720" numCol="1" anchor="t" anchorCtr="0" compatLnSpc="1"/>
-            <a:lstStyle>
-              <a:defPPr>
-                <a:defRPr lang="en-US"/>
-              </a:defPPr>
-              <a:lvl1pPr marL="0" algn="l" defTabSz="914400" rtl="0" eaLnBrk="1" latinLnBrk="0" hangingPunct="1">
-                <a:defRPr sz="1800" kern="1200">
-                  <a:solidFill>
-                    <a:schemeClr val="tx1"/>
-                  </a:solidFill>
-                  <a:latin typeface="+mn-lt"/>
-                  <a:ea typeface="+mn-ea"/>
-                  <a:cs typeface="+mn-cs"/>
-                </a:defRPr>
-              </a:lvl1pPr>
-              <a:lvl2pPr marL="457200" algn="l" defTabSz="914400" rtl="0" eaLnBrk="1" latinLnBrk="0" hangingPunct="1">
-                <a:defRPr sz="1800" kern="1200">
-                  <a:solidFill>
-                    <a:schemeClr val="tx1"/>
-                  </a:solidFill>
-                  <a:latin typeface="+mn-lt"/>
-                  <a:ea typeface="+mn-ea"/>
-                  <a:cs typeface="+mn-cs"/>
-                </a:defRPr>
-              </a:lvl2pPr>
-              <a:lvl3pPr marL="914400" algn="l" defTabSz="914400" rtl="0" eaLnBrk="1" latinLnBrk="0" hangingPunct="1">
-                <a:defRPr sz="1800" kern="1200">
-                  <a:solidFill>
-                    <a:schemeClr val="tx1"/>
-                  </a:solidFill>
-                  <a:latin typeface="+mn-lt"/>
-                  <a:ea typeface="+mn-ea"/>
-                  <a:cs typeface="+mn-cs"/>
-                </a:defRPr>
-              </a:lvl3pPr>
-              <a:lvl4pPr marL="1371600" algn="l" defTabSz="914400" rtl="0" eaLnBrk="1" latinLnBrk="0" hangingPunct="1">
-                <a:defRPr sz="1800" kern="1200">
-                  <a:solidFill>
-                    <a:schemeClr val="tx1"/>
-                  </a:solidFill>
-                  <a:latin typeface="+mn-lt"/>
-                  <a:ea typeface="+mn-ea"/>
-                  <a:cs typeface="+mn-cs"/>
-                </a:defRPr>
-              </a:lvl4pPr>
-              <a:lvl5pPr marL="1828800" algn="l" defTabSz="914400" rtl="0" eaLnBrk="1" latinLnBrk="0" hangingPunct="1">
-                <a:defRPr sz="1800" kern="1200">
-                  <a:solidFill>
-                    <a:schemeClr val="tx1"/>
-                  </a:solidFill>
-                  <a:latin typeface="+mn-lt"/>
-                  <a:ea typeface="+mn-ea"/>
-                  <a:cs typeface="+mn-cs"/>
-                </a:defRPr>
-              </a:lvl5pPr>
-              <a:lvl6pPr marL="2286000" algn="l" defTabSz="914400" rtl="0" eaLnBrk="1" latinLnBrk="0" hangingPunct="1">
-                <a:defRPr sz="1800" kern="1200">
-                  <a:solidFill>
-                    <a:schemeClr val="tx1"/>
-                  </a:solidFill>
-                  <a:latin typeface="+mn-lt"/>
-                  <a:ea typeface="+mn-ea"/>
-                  <a:cs typeface="+mn-cs"/>
-                </a:defRPr>
-              </a:lvl6pPr>
-              <a:lvl7pPr marL="2743200" algn="l" defTabSz="914400" rtl="0" eaLnBrk="1" latinLnBrk="0" hangingPunct="1">
-                <a:defRPr sz="1800" kern="1200">
-                  <a:solidFill>
-                    <a:schemeClr val="tx1"/>
-                  </a:solidFill>
-                  <a:latin typeface="+mn-lt"/>
-                  <a:ea typeface="+mn-ea"/>
-                  <a:cs typeface="+mn-cs"/>
-                </a:defRPr>
-              </a:lvl7pPr>
-              <a:lvl8pPr marL="3200400" algn="l" defTabSz="914400" rtl="0" eaLnBrk="1" latinLnBrk="0" hangingPunct="1">
-                <a:defRPr sz="1800" kern="1200">
-                  <a:solidFill>
-                    <a:schemeClr val="tx1"/>
-                  </a:solidFill>
-                  <a:latin typeface="+mn-lt"/>
-                  <a:ea typeface="+mn-ea"/>
-                  <a:cs typeface="+mn-cs"/>
-                </a:defRPr>
-              </a:lvl8pPr>
-              <a:lvl9pPr marL="3657600" algn="l" defTabSz="914400" rtl="0" eaLnBrk="1" latinLnBrk="0" hangingPunct="1">
-                <a:defRPr sz="1800" kern="1200">
-                  <a:solidFill>
-                    <a:schemeClr val="tx1"/>
-                  </a:solidFill>
-                  <a:latin typeface="+mn-lt"/>
-                  <a:ea typeface="+mn-ea"/>
-                  <a:cs typeface="+mn-cs"/>
-                </a:defRPr>
-              </a:lvl9pPr>
-            </a:lstStyle>
-            <a:p>
-              <a:endParaRPr lang="en-US" sz="900" dirty="0">
-                <a:gradFill>
-                  <a:gsLst>
-                    <a:gs pos="0">
-                      <a:srgbClr val="505050"/>
-                    </a:gs>
-                    <a:gs pos="100000">
-                      <a:srgbClr val="505050"/>
-                    </a:gs>
-                  </a:gsLst>
-                </a:gradFill>
-              </a:endParaRPr>
-            </a:p>
-          </p:txBody>
-        </p:sp>
-        <p:sp>
-          <p:nvSpPr>
-            <p:cNvPr id="11" name="Speech Bubble: Rectangle with Corners Rounded 7"/>
-            <p:cNvSpPr/>
-            <p:nvPr/>
-          </p:nvSpPr>
-          <p:spPr>
-            <a:xfrm>
-              <a:off x="9277" y="7883"/>
-              <a:ext cx="9413" cy="575"/>
-            </a:xfrm>
-            <a:prstGeom prst="wedgeRoundRectCallout">
-              <a:avLst>
-                <a:gd name="adj1" fmla="val -52736"/>
-                <a:gd name="adj2" fmla="val -6666"/>
-                <a:gd name="adj3" fmla="val 16667"/>
-              </a:avLst>
-            </a:prstGeom>
-            <a:noFill/>
-          </p:spPr>
-          <p:style>
-            <a:lnRef idx="2">
-              <a:schemeClr val="accent1">
-                <a:shade val="50000"/>
-              </a:schemeClr>
-            </a:lnRef>
-            <a:fillRef idx="1">
-              <a:schemeClr val="accent1"/>
-            </a:fillRef>
-            <a:effectRef idx="0">
-              <a:schemeClr val="accent1"/>
-            </a:effectRef>
-            <a:fontRef idx="minor">
-              <a:schemeClr val="lt1"/>
-            </a:fontRef>
-          </p:style>
-          <p:txBody>
-            <a:bodyPr rtlCol="0" anchor="ctr"/>
-            <a:lstStyle>
-              <a:defPPr>
-                <a:defRPr lang="en-US"/>
-              </a:defPPr>
-              <a:lvl1pPr marL="0" algn="l" defTabSz="914400" rtl="0" eaLnBrk="1" latinLnBrk="0" hangingPunct="1">
-                <a:defRPr sz="1800" kern="1200">
-                  <a:solidFill>
-                    <a:schemeClr val="lt1"/>
-                  </a:solidFill>
-                  <a:latin typeface="+mn-lt"/>
-                  <a:ea typeface="+mn-ea"/>
-                  <a:cs typeface="+mn-cs"/>
-                </a:defRPr>
-              </a:lvl1pPr>
-              <a:lvl2pPr marL="457200" algn="l" defTabSz="914400" rtl="0" eaLnBrk="1" latinLnBrk="0" hangingPunct="1">
-                <a:defRPr sz="1800" kern="1200">
-                  <a:solidFill>
-                    <a:schemeClr val="lt1"/>
-                  </a:solidFill>
-                  <a:latin typeface="+mn-lt"/>
-                  <a:ea typeface="+mn-ea"/>
-                  <a:cs typeface="+mn-cs"/>
-                </a:defRPr>
-              </a:lvl2pPr>
-              <a:lvl3pPr marL="914400" algn="l" defTabSz="914400" rtl="0" eaLnBrk="1" latinLnBrk="0" hangingPunct="1">
-                <a:defRPr sz="1800" kern="1200">
-                  <a:solidFill>
-                    <a:schemeClr val="lt1"/>
-                  </a:solidFill>
-                  <a:latin typeface="+mn-lt"/>
-                  <a:ea typeface="+mn-ea"/>
-                  <a:cs typeface="+mn-cs"/>
-                </a:defRPr>
-              </a:lvl3pPr>
-              <a:lvl4pPr marL="1371600" algn="l" defTabSz="914400" rtl="0" eaLnBrk="1" latinLnBrk="0" hangingPunct="1">
-                <a:defRPr sz="1800" kern="1200">
-                  <a:solidFill>
-                    <a:schemeClr val="lt1"/>
-                  </a:solidFill>
-                  <a:latin typeface="+mn-lt"/>
-                  <a:ea typeface="+mn-ea"/>
-                  <a:cs typeface="+mn-cs"/>
-                </a:defRPr>
-              </a:lvl4pPr>
-              <a:lvl5pPr marL="1828800" algn="l" defTabSz="914400" rtl="0" eaLnBrk="1" latinLnBrk="0" hangingPunct="1">
-                <a:defRPr sz="1800" kern="1200">
-                  <a:solidFill>
-                    <a:schemeClr val="lt1"/>
-                  </a:solidFill>
-                  <a:latin typeface="+mn-lt"/>
-                  <a:ea typeface="+mn-ea"/>
-                  <a:cs typeface="+mn-cs"/>
-                </a:defRPr>
-              </a:lvl5pPr>
-              <a:lvl6pPr marL="2286000" algn="l" defTabSz="914400" rtl="0" eaLnBrk="1" latinLnBrk="0" hangingPunct="1">
-                <a:defRPr sz="1800" kern="1200">
-                  <a:solidFill>
-                    <a:schemeClr val="lt1"/>
-                  </a:solidFill>
-                  <a:latin typeface="+mn-lt"/>
-                  <a:ea typeface="+mn-ea"/>
-                  <a:cs typeface="+mn-cs"/>
-                </a:defRPr>
-              </a:lvl6pPr>
-              <a:lvl7pPr marL="2743200" algn="l" defTabSz="914400" rtl="0" eaLnBrk="1" latinLnBrk="0" hangingPunct="1">
-                <a:defRPr sz="1800" kern="1200">
-                  <a:solidFill>
-                    <a:schemeClr val="lt1"/>
-                  </a:solidFill>
-                  <a:latin typeface="+mn-lt"/>
-                  <a:ea typeface="+mn-ea"/>
-                  <a:cs typeface="+mn-cs"/>
-                </a:defRPr>
-              </a:lvl7pPr>
-              <a:lvl8pPr marL="3200400" algn="l" defTabSz="914400" rtl="0" eaLnBrk="1" latinLnBrk="0" hangingPunct="1">
-                <a:defRPr sz="1800" kern="1200">
-                  <a:solidFill>
-                    <a:schemeClr val="lt1"/>
-                  </a:solidFill>
-                  <a:latin typeface="+mn-lt"/>
-                  <a:ea typeface="+mn-ea"/>
-                  <a:cs typeface="+mn-cs"/>
-                </a:defRPr>
-              </a:lvl8pPr>
-              <a:lvl9pPr marL="3657600" algn="l" defTabSz="914400" rtl="0" eaLnBrk="1" latinLnBrk="0" hangingPunct="1">
-                <a:defRPr sz="1800" kern="1200">
-                  <a:solidFill>
-                    <a:schemeClr val="lt1"/>
-                  </a:solidFill>
-                  <a:latin typeface="+mn-lt"/>
-                  <a:ea typeface="+mn-ea"/>
-                  <a:cs typeface="+mn-cs"/>
-                </a:defRPr>
-              </a:lvl9pPr>
-            </a:lstStyle>
-            <a:p>
-              <a:pPr algn="ctr"/>
-              <a:r>
-                <a:rPr lang="en-US" sz="2400" dirty="0">
-                  <a:solidFill>
-                    <a:schemeClr val="tx1"/>
-                  </a:solidFill>
-                </a:rPr>
-                <a:t>Flights from Cairo to Seattle Today</a:t>
-              </a:r>
-              <a:endParaRPr lang="en-US" sz="2400" dirty="0">
-                <a:solidFill>
-                  <a:schemeClr val="tx1"/>
-                </a:solidFill>
-              </a:endParaRPr>
-            </a:p>
-          </p:txBody>
-        </p:sp>
-        <p:sp>
-          <p:nvSpPr>
-            <p:cNvPr id="12" name="TextBox 8"/>
-            <p:cNvSpPr txBox="1"/>
-            <p:nvPr/>
-          </p:nvSpPr>
-          <p:spPr>
-            <a:xfrm>
-              <a:off x="11434" y="8795"/>
-              <a:ext cx="1430" cy="434"/>
-            </a:xfrm>
-            <a:prstGeom prst="rect">
-              <a:avLst/>
-            </a:prstGeom>
-            <a:noFill/>
-          </p:spPr>
-          <p:txBody>
-            <a:bodyPr wrap="square" rtlCol="0">
-              <a:spAutoFit/>
-            </a:bodyPr>
-            <a:lstStyle>
-              <a:defPPr>
-                <a:defRPr lang="en-US"/>
-              </a:defPPr>
-              <a:lvl1pPr marL="0" algn="l" defTabSz="914400" rtl="0" eaLnBrk="1" latinLnBrk="0" hangingPunct="1">
-                <a:defRPr sz="1800" kern="1200">
-                  <a:solidFill>
-                    <a:schemeClr val="tx1"/>
-                  </a:solidFill>
-                  <a:latin typeface="+mn-lt"/>
-                  <a:ea typeface="+mn-ea"/>
-                  <a:cs typeface="+mn-cs"/>
-                </a:defRPr>
-              </a:lvl1pPr>
-              <a:lvl2pPr marL="457200" algn="l" defTabSz="914400" rtl="0" eaLnBrk="1" latinLnBrk="0" hangingPunct="1">
-                <a:defRPr sz="1800" kern="1200">
-                  <a:solidFill>
-                    <a:schemeClr val="tx1"/>
-                  </a:solidFill>
-                  <a:latin typeface="+mn-lt"/>
-                  <a:ea typeface="+mn-ea"/>
-                  <a:cs typeface="+mn-cs"/>
-                </a:defRPr>
-              </a:lvl2pPr>
-              <a:lvl3pPr marL="914400" algn="l" defTabSz="914400" rtl="0" eaLnBrk="1" latinLnBrk="0" hangingPunct="1">
-                <a:defRPr sz="1800" kern="1200">
-                  <a:solidFill>
-                    <a:schemeClr val="tx1"/>
-                  </a:solidFill>
-                  <a:latin typeface="+mn-lt"/>
-                  <a:ea typeface="+mn-ea"/>
-                  <a:cs typeface="+mn-cs"/>
-                </a:defRPr>
-              </a:lvl3pPr>
-              <a:lvl4pPr marL="1371600" algn="l" defTabSz="914400" rtl="0" eaLnBrk="1" latinLnBrk="0" hangingPunct="1">
-                <a:defRPr sz="1800" kern="1200">
-                  <a:solidFill>
-                    <a:schemeClr val="tx1"/>
-                  </a:solidFill>
-                  <a:latin typeface="+mn-lt"/>
-                  <a:ea typeface="+mn-ea"/>
-                  <a:cs typeface="+mn-cs"/>
-                </a:defRPr>
-              </a:lvl4pPr>
-              <a:lvl5pPr marL="1828800" algn="l" defTabSz="914400" rtl="0" eaLnBrk="1" latinLnBrk="0" hangingPunct="1">
-                <a:defRPr sz="1800" kern="1200">
-                  <a:solidFill>
-                    <a:schemeClr val="tx1"/>
-                  </a:solidFill>
-                  <a:latin typeface="+mn-lt"/>
-                  <a:ea typeface="+mn-ea"/>
-                  <a:cs typeface="+mn-cs"/>
-                </a:defRPr>
-              </a:lvl5pPr>
-              <a:lvl6pPr marL="2286000" algn="l" defTabSz="914400" rtl="0" eaLnBrk="1" latinLnBrk="0" hangingPunct="1">
-                <a:defRPr sz="1800" kern="1200">
-                  <a:solidFill>
-                    <a:schemeClr val="tx1"/>
-                  </a:solidFill>
-                  <a:latin typeface="+mn-lt"/>
-                  <a:ea typeface="+mn-ea"/>
-                  <a:cs typeface="+mn-cs"/>
-                </a:defRPr>
-              </a:lvl6pPr>
-              <a:lvl7pPr marL="2743200" algn="l" defTabSz="914400" rtl="0" eaLnBrk="1" latinLnBrk="0" hangingPunct="1">
-                <a:defRPr sz="1800" kern="1200">
-                  <a:solidFill>
-                    <a:schemeClr val="tx1"/>
-                  </a:solidFill>
-                  <a:latin typeface="+mn-lt"/>
-                  <a:ea typeface="+mn-ea"/>
-                  <a:cs typeface="+mn-cs"/>
-                </a:defRPr>
-              </a:lvl7pPr>
-              <a:lvl8pPr marL="3200400" algn="l" defTabSz="914400" rtl="0" eaLnBrk="1" latinLnBrk="0" hangingPunct="1">
-                <a:defRPr sz="1800" kern="1200">
-                  <a:solidFill>
-                    <a:schemeClr val="tx1"/>
-                  </a:solidFill>
-                  <a:latin typeface="+mn-lt"/>
-                  <a:ea typeface="+mn-ea"/>
-                  <a:cs typeface="+mn-cs"/>
-                </a:defRPr>
-              </a:lvl8pPr>
-              <a:lvl9pPr marL="3657600" algn="l" defTabSz="914400" rtl="0" eaLnBrk="1" latinLnBrk="0" hangingPunct="1">
-                <a:defRPr sz="1800" kern="1200">
-                  <a:solidFill>
-                    <a:schemeClr val="tx1"/>
-                  </a:solidFill>
-                  <a:latin typeface="+mn-lt"/>
-                  <a:ea typeface="+mn-ea"/>
-                  <a:cs typeface="+mn-cs"/>
-                </a:defRPr>
-              </a:lvl9pPr>
-            </a:lstStyle>
-            <a:p>
-              <a:r>
-                <a:rPr lang="en-US" sz="1200" dirty="0" err="1"/>
-                <a:t>OriginCity</a:t>
-              </a:r>
-              <a:endParaRPr lang="en-US" dirty="0"/>
-            </a:p>
-          </p:txBody>
-        </p:sp>
-        <p:sp>
-          <p:nvSpPr>
-            <p:cNvPr id="13" name="TextBox 9"/>
-            <p:cNvSpPr txBox="1"/>
-            <p:nvPr/>
-          </p:nvSpPr>
-          <p:spPr>
-            <a:xfrm>
-              <a:off x="14031" y="8808"/>
-              <a:ext cx="2086" cy="434"/>
-            </a:xfrm>
-            <a:prstGeom prst="rect">
-              <a:avLst/>
-            </a:prstGeom>
-            <a:noFill/>
-          </p:spPr>
-          <p:txBody>
-            <a:bodyPr wrap="square" rtlCol="0">
-              <a:spAutoFit/>
-            </a:bodyPr>
-            <a:lstStyle>
-              <a:defPPr>
-                <a:defRPr lang="en-US"/>
-              </a:defPPr>
-              <a:lvl1pPr marL="0" algn="l" defTabSz="914400" rtl="0" eaLnBrk="1" latinLnBrk="0" hangingPunct="1">
-                <a:defRPr sz="1800" kern="1200">
-                  <a:solidFill>
-                    <a:schemeClr val="tx1"/>
-                  </a:solidFill>
-                  <a:latin typeface="+mn-lt"/>
-                  <a:ea typeface="+mn-ea"/>
-                  <a:cs typeface="+mn-cs"/>
-                </a:defRPr>
-              </a:lvl1pPr>
-              <a:lvl2pPr marL="457200" algn="l" defTabSz="914400" rtl="0" eaLnBrk="1" latinLnBrk="0" hangingPunct="1">
-                <a:defRPr sz="1800" kern="1200">
-                  <a:solidFill>
-                    <a:schemeClr val="tx1"/>
-                  </a:solidFill>
-                  <a:latin typeface="+mn-lt"/>
-                  <a:ea typeface="+mn-ea"/>
-                  <a:cs typeface="+mn-cs"/>
-                </a:defRPr>
-              </a:lvl2pPr>
-              <a:lvl3pPr marL="914400" algn="l" defTabSz="914400" rtl="0" eaLnBrk="1" latinLnBrk="0" hangingPunct="1">
-                <a:defRPr sz="1800" kern="1200">
-                  <a:solidFill>
-                    <a:schemeClr val="tx1"/>
-                  </a:solidFill>
-                  <a:latin typeface="+mn-lt"/>
-                  <a:ea typeface="+mn-ea"/>
-                  <a:cs typeface="+mn-cs"/>
-                </a:defRPr>
-              </a:lvl3pPr>
-              <a:lvl4pPr marL="1371600" algn="l" defTabSz="914400" rtl="0" eaLnBrk="1" latinLnBrk="0" hangingPunct="1">
-                <a:defRPr sz="1800" kern="1200">
-                  <a:solidFill>
-                    <a:schemeClr val="tx1"/>
-                  </a:solidFill>
-                  <a:latin typeface="+mn-lt"/>
-                  <a:ea typeface="+mn-ea"/>
-                  <a:cs typeface="+mn-cs"/>
-                </a:defRPr>
-              </a:lvl4pPr>
-              <a:lvl5pPr marL="1828800" algn="l" defTabSz="914400" rtl="0" eaLnBrk="1" latinLnBrk="0" hangingPunct="1">
-                <a:defRPr sz="1800" kern="1200">
-                  <a:solidFill>
-                    <a:schemeClr val="tx1"/>
-                  </a:solidFill>
-                  <a:latin typeface="+mn-lt"/>
-                  <a:ea typeface="+mn-ea"/>
-                  <a:cs typeface="+mn-cs"/>
-                </a:defRPr>
-              </a:lvl5pPr>
-              <a:lvl6pPr marL="2286000" algn="l" defTabSz="914400" rtl="0" eaLnBrk="1" latinLnBrk="0" hangingPunct="1">
-                <a:defRPr sz="1800" kern="1200">
-                  <a:solidFill>
-                    <a:schemeClr val="tx1"/>
-                  </a:solidFill>
-                  <a:latin typeface="+mn-lt"/>
-                  <a:ea typeface="+mn-ea"/>
-                  <a:cs typeface="+mn-cs"/>
-                </a:defRPr>
-              </a:lvl6pPr>
-              <a:lvl7pPr marL="2743200" algn="l" defTabSz="914400" rtl="0" eaLnBrk="1" latinLnBrk="0" hangingPunct="1">
-                <a:defRPr sz="1800" kern="1200">
-                  <a:solidFill>
-                    <a:schemeClr val="tx1"/>
-                  </a:solidFill>
-                  <a:latin typeface="+mn-lt"/>
-                  <a:ea typeface="+mn-ea"/>
-                  <a:cs typeface="+mn-cs"/>
-                </a:defRPr>
-              </a:lvl7pPr>
-              <a:lvl8pPr marL="3200400" algn="l" defTabSz="914400" rtl="0" eaLnBrk="1" latinLnBrk="0" hangingPunct="1">
-                <a:defRPr sz="1800" kern="1200">
-                  <a:solidFill>
-                    <a:schemeClr val="tx1"/>
-                  </a:solidFill>
-                  <a:latin typeface="+mn-lt"/>
-                  <a:ea typeface="+mn-ea"/>
-                  <a:cs typeface="+mn-cs"/>
-                </a:defRPr>
-              </a:lvl8pPr>
-              <a:lvl9pPr marL="3657600" algn="l" defTabSz="914400" rtl="0" eaLnBrk="1" latinLnBrk="0" hangingPunct="1">
-                <a:defRPr sz="1800" kern="1200">
-                  <a:solidFill>
-                    <a:schemeClr val="tx1"/>
-                  </a:solidFill>
-                  <a:latin typeface="+mn-lt"/>
-                  <a:ea typeface="+mn-ea"/>
-                  <a:cs typeface="+mn-cs"/>
-                </a:defRPr>
-              </a:lvl9pPr>
-            </a:lstStyle>
-            <a:p>
-              <a:r>
-                <a:rPr lang="en-US" sz="1200" dirty="0" err="1"/>
-                <a:t>DestinationCity</a:t>
-              </a:r>
-              <a:endParaRPr lang="en-US" dirty="0"/>
-            </a:p>
-          </p:txBody>
-        </p:sp>
-        <p:sp>
-          <p:nvSpPr>
-            <p:cNvPr id="14" name="TextBox 10"/>
-            <p:cNvSpPr txBox="1"/>
-            <p:nvPr/>
-          </p:nvSpPr>
-          <p:spPr>
-            <a:xfrm>
-              <a:off x="17292" y="8808"/>
-              <a:ext cx="836" cy="434"/>
-            </a:xfrm>
-            <a:prstGeom prst="rect">
-              <a:avLst/>
-            </a:prstGeom>
-            <a:noFill/>
-          </p:spPr>
-          <p:txBody>
-            <a:bodyPr wrap="square" rtlCol="0">
-              <a:spAutoFit/>
-            </a:bodyPr>
-            <a:lstStyle>
-              <a:defPPr>
-                <a:defRPr lang="en-US"/>
-              </a:defPPr>
-              <a:lvl1pPr marL="0" algn="l" defTabSz="914400" rtl="0" eaLnBrk="1" latinLnBrk="0" hangingPunct="1">
-                <a:defRPr sz="1800" kern="1200">
-                  <a:solidFill>
-                    <a:schemeClr val="tx1"/>
-                  </a:solidFill>
-                  <a:latin typeface="+mn-lt"/>
-                  <a:ea typeface="+mn-ea"/>
-                  <a:cs typeface="+mn-cs"/>
-                </a:defRPr>
-              </a:lvl1pPr>
-              <a:lvl2pPr marL="457200" algn="l" defTabSz="914400" rtl="0" eaLnBrk="1" latinLnBrk="0" hangingPunct="1">
-                <a:defRPr sz="1800" kern="1200">
-                  <a:solidFill>
-                    <a:schemeClr val="tx1"/>
-                  </a:solidFill>
-                  <a:latin typeface="+mn-lt"/>
-                  <a:ea typeface="+mn-ea"/>
-                  <a:cs typeface="+mn-cs"/>
-                </a:defRPr>
-              </a:lvl2pPr>
-              <a:lvl3pPr marL="914400" algn="l" defTabSz="914400" rtl="0" eaLnBrk="1" latinLnBrk="0" hangingPunct="1">
-                <a:defRPr sz="1800" kern="1200">
-                  <a:solidFill>
-                    <a:schemeClr val="tx1"/>
-                  </a:solidFill>
-                  <a:latin typeface="+mn-lt"/>
-                  <a:ea typeface="+mn-ea"/>
-                  <a:cs typeface="+mn-cs"/>
-                </a:defRPr>
-              </a:lvl3pPr>
-              <a:lvl4pPr marL="1371600" algn="l" defTabSz="914400" rtl="0" eaLnBrk="1" latinLnBrk="0" hangingPunct="1">
-                <a:defRPr sz="1800" kern="1200">
-                  <a:solidFill>
-                    <a:schemeClr val="tx1"/>
-                  </a:solidFill>
-                  <a:latin typeface="+mn-lt"/>
-                  <a:ea typeface="+mn-ea"/>
-                  <a:cs typeface="+mn-cs"/>
-                </a:defRPr>
-              </a:lvl4pPr>
-              <a:lvl5pPr marL="1828800" algn="l" defTabSz="914400" rtl="0" eaLnBrk="1" latinLnBrk="0" hangingPunct="1">
-                <a:defRPr sz="1800" kern="1200">
-                  <a:solidFill>
-                    <a:schemeClr val="tx1"/>
-                  </a:solidFill>
-                  <a:latin typeface="+mn-lt"/>
-                  <a:ea typeface="+mn-ea"/>
-                  <a:cs typeface="+mn-cs"/>
-                </a:defRPr>
-              </a:lvl5pPr>
-              <a:lvl6pPr marL="2286000" algn="l" defTabSz="914400" rtl="0" eaLnBrk="1" latinLnBrk="0" hangingPunct="1">
-                <a:defRPr sz="1800" kern="1200">
-                  <a:solidFill>
-                    <a:schemeClr val="tx1"/>
-                  </a:solidFill>
-                  <a:latin typeface="+mn-lt"/>
-                  <a:ea typeface="+mn-ea"/>
-                  <a:cs typeface="+mn-cs"/>
-                </a:defRPr>
-              </a:lvl6pPr>
-              <a:lvl7pPr marL="2743200" algn="l" defTabSz="914400" rtl="0" eaLnBrk="1" latinLnBrk="0" hangingPunct="1">
-                <a:defRPr sz="1800" kern="1200">
-                  <a:solidFill>
-                    <a:schemeClr val="tx1"/>
-                  </a:solidFill>
-                  <a:latin typeface="+mn-lt"/>
-                  <a:ea typeface="+mn-ea"/>
-                  <a:cs typeface="+mn-cs"/>
-                </a:defRPr>
-              </a:lvl7pPr>
-              <a:lvl8pPr marL="3200400" algn="l" defTabSz="914400" rtl="0" eaLnBrk="1" latinLnBrk="0" hangingPunct="1">
-                <a:defRPr sz="1800" kern="1200">
-                  <a:solidFill>
-                    <a:schemeClr val="tx1"/>
-                  </a:solidFill>
-                  <a:latin typeface="+mn-lt"/>
-                  <a:ea typeface="+mn-ea"/>
-                  <a:cs typeface="+mn-cs"/>
-                </a:defRPr>
-              </a:lvl8pPr>
-              <a:lvl9pPr marL="3657600" algn="l" defTabSz="914400" rtl="0" eaLnBrk="1" latinLnBrk="0" hangingPunct="1">
-                <a:defRPr sz="1800" kern="1200">
-                  <a:solidFill>
-                    <a:schemeClr val="tx1"/>
-                  </a:solidFill>
-                  <a:latin typeface="+mn-lt"/>
-                  <a:ea typeface="+mn-ea"/>
-                  <a:cs typeface="+mn-cs"/>
-                </a:defRPr>
-              </a:lvl9pPr>
-            </a:lstStyle>
-            <a:p>
-              <a:r>
-                <a:rPr lang="en-US" sz="1200" dirty="0"/>
-                <a:t>Date</a:t>
-              </a:r>
-              <a:endParaRPr lang="en-US" dirty="0"/>
-            </a:p>
-          </p:txBody>
-        </p:sp>
-        <p:cxnSp>
-          <p:nvCxnSpPr>
-            <p:cNvPr id="15" name="Straight Arrow Connector 14"/>
-            <p:cNvCxnSpPr>
-              <a:stCxn id="12" idx="0"/>
-            </p:cNvCxnSpPr>
-            <p:nvPr/>
-          </p:nvCxnSpPr>
-          <p:spPr>
-            <a:xfrm flipV="1">
-              <a:off x="12149" y="8313"/>
-              <a:ext cx="1540" cy="482"/>
-            </a:xfrm>
-            <a:prstGeom prst="straightConnector1">
-              <a:avLst/>
-            </a:prstGeom>
-            <a:ln>
-              <a:tailEnd type="triangle"/>
-            </a:ln>
-          </p:spPr>
-          <p:style>
-            <a:lnRef idx="1">
-              <a:schemeClr val="accent1"/>
-            </a:lnRef>
-            <a:fillRef idx="0">
-              <a:schemeClr val="accent1"/>
-            </a:fillRef>
-            <a:effectRef idx="0">
-              <a:schemeClr val="accent1"/>
-            </a:effectRef>
-            <a:fontRef idx="minor">
-              <a:schemeClr val="tx1"/>
-            </a:fontRef>
-          </p:style>
-        </p:cxnSp>
-        <p:cxnSp>
-          <p:nvCxnSpPr>
-            <p:cNvPr id="16" name="Straight Arrow Connector 15"/>
-            <p:cNvCxnSpPr>
-              <a:stCxn id="13" idx="0"/>
-            </p:cNvCxnSpPr>
-            <p:nvPr/>
-          </p:nvCxnSpPr>
-          <p:spPr>
-            <a:xfrm flipV="1">
-              <a:off x="15074" y="8279"/>
-              <a:ext cx="0" cy="529"/>
-            </a:xfrm>
-            <a:prstGeom prst="straightConnector1">
-              <a:avLst/>
-            </a:prstGeom>
-            <a:ln>
-              <a:tailEnd type="triangle"/>
-            </a:ln>
-          </p:spPr>
-          <p:style>
-            <a:lnRef idx="1">
-              <a:schemeClr val="accent1"/>
-            </a:lnRef>
-            <a:fillRef idx="0">
-              <a:schemeClr val="accent1"/>
-            </a:fillRef>
-            <a:effectRef idx="0">
-              <a:schemeClr val="accent1"/>
-            </a:effectRef>
-            <a:fontRef idx="minor">
-              <a:schemeClr val="tx1"/>
-            </a:fontRef>
-          </p:style>
-        </p:cxnSp>
-        <p:cxnSp>
-          <p:nvCxnSpPr>
-            <p:cNvPr id="18" name="Straight Arrow Connector 17"/>
-            <p:cNvCxnSpPr>
-              <a:stCxn id="14" idx="0"/>
-            </p:cNvCxnSpPr>
-            <p:nvPr/>
-          </p:nvCxnSpPr>
-          <p:spPr>
-            <a:xfrm flipH="1" flipV="1">
-              <a:off x="16266" y="8312"/>
-              <a:ext cx="1444" cy="496"/>
-            </a:xfrm>
-            <a:prstGeom prst="straightConnector1">
-              <a:avLst/>
-            </a:prstGeom>
-            <a:ln>
-              <a:tailEnd type="triangle"/>
-            </a:ln>
-          </p:spPr>
-          <p:style>
-            <a:lnRef idx="1">
-              <a:schemeClr val="accent1"/>
-            </a:lnRef>
-            <a:fillRef idx="0">
-              <a:schemeClr val="accent1"/>
-            </a:fillRef>
-            <a:effectRef idx="0">
-              <a:schemeClr val="accent1"/>
-            </a:effectRef>
-            <a:fontRef idx="minor">
-              <a:schemeClr val="tx1"/>
-            </a:fontRef>
-          </p:style>
-        </p:cxnSp>
-      </p:grpSp>
-    </p:spTree>
-  </p:cSld>
-  <p:clrMapOvr>
-    <a:masterClrMapping/>
-  </p:clrMapOvr>
-  <mc:AlternateContent xmlns:mc="http://schemas.openxmlformats.org/markup-compatibility/2006">
-    <mc:Choice xmlns:p14="http://schemas.microsoft.com/office/powerpoint/2010/main" Requires="p14">
-      <p:transition spd="med" p14:dur="700">
-        <p:fade/>
-      </p:transition>
-    </mc:Choice>
-    <mc:Fallback>
-      <p:transition spd="med">
-        <p:fade/>
-      </p:transition>
-    </mc:Fallback>
-  </mc:AlternateContent>
-</p:sld>
-</file>
-
-<file path=ppt/slides/slide11.xml><?xml version="1.0" encoding="utf-8"?>
-<p:sld xmlns:a="http://schemas.openxmlformats.org/drawingml/2006/main" xmlns:r="http://schemas.openxmlformats.org/officeDocument/2006/relationships" xmlns:p="http://schemas.openxmlformats.org/presentationml/2006/main">
-  <p:cSld>
-    <p:spTree>
-      <p:nvGrpSpPr>
-        <p:cNvPr id="1" name=""/>
-        <p:cNvGrpSpPr/>
-        <p:nvPr/>
-      </p:nvGrpSpPr>
-      <p:grpSpPr>
-        <a:xfrm>
-          <a:off x="0" y="0"/>
-          <a:ext cx="0" cy="0"/>
-          <a:chOff x="0" y="0"/>
-          <a:chExt cx="0" cy="0"/>
-        </a:xfrm>
-      </p:grpSpPr>
-      <p:sp>
-        <p:nvSpPr>
-          <p:cNvPr id="17" name="Title 16"/>
-          <p:cNvSpPr>
-            <a:spLocks noGrp="1"/>
-          </p:cNvSpPr>
-          <p:nvPr>
-            <p:ph type="title"/>
-          </p:nvPr>
-        </p:nvSpPr>
-        <p:spPr>
-          <a:xfrm>
             <a:off x="588010" y="1697990"/>
             <a:ext cx="5003800" cy="553720"/>
           </a:xfrm>
@@ -8285,7 +7359,7 @@
 </p:sld>
 </file>
 
-<file path=ppt/slides/slide12.xml><?xml version="1.0" encoding="utf-8"?>
+<file path=ppt/slides/slide11.xml><?xml version="1.0" encoding="utf-8"?>
 <p:sld xmlns:a="http://schemas.openxmlformats.org/drawingml/2006/main" xmlns:r="http://schemas.openxmlformats.org/officeDocument/2006/relationships" xmlns:p="http://schemas.openxmlformats.org/presentationml/2006/main">
   <p:cSld>
     <p:spTree>
@@ -8349,7 +7423,7 @@
         <p:spPr>
           <a:xfrm>
             <a:off x="588010" y="1574800"/>
-            <a:ext cx="8342630" cy="3415030"/>
+            <a:ext cx="8342630" cy="3138170"/>
           </a:xfrm>
           <a:prstGeom prst="rect">
             <a:avLst/>
@@ -8393,7 +7467,7 @@
             </a:r>
             <a:r>
               <a:rPr lang="en-US"/>
-              <a:t> Backed by Azure infrastructure, LUIS offers enterprise-grade security, privacy, and compliance. Your data remains yours; you can delete your data at any time. Your data is encrypted while it’s in storage. Learn more about this here.</a:t>
+              <a:t> Backed by Azure infrastructure, LUIS offers enterprise-grade security, privacy, and compliance. Your data remains yours; you can delete your data at any time. Your data is encrypted while it’s in storage. </a:t>
             </a:r>
             <a:endParaRPr lang="en-US"/>
           </a:p>
@@ -8415,7 +7489,7 @@
             </a:r>
             <a:r>
               <a:rPr lang="en-US"/>
-              <a:t> easily integrate your LUIS app with other Microsoft services like Microsoft Bot framework, QnA Maker, and Speech service.</a:t>
+              <a:t> Easily integrate your LUIS app with other Microsoft services like Microsoft Bot framework, QnA Maker, and Speech service.</a:t>
             </a:r>
             <a:endParaRPr lang="en-US"/>
           </a:p>
@@ -8441,7 +7515,7 @@
 </p:sld>
 </file>
 
-<file path=ppt/slides/slide13.xml><?xml version="1.0" encoding="utf-8"?>
+<file path=ppt/slides/slide12.xml><?xml version="1.0" encoding="utf-8"?>
 <p:sld xmlns:a="http://schemas.openxmlformats.org/drawingml/2006/main" xmlns:r="http://schemas.openxmlformats.org/officeDocument/2006/relationships" xmlns:p="http://schemas.openxmlformats.org/presentationml/2006/main">
   <p:cSld>
     <p:spTree>
@@ -8657,7 +7731,7 @@
 </p:sld>
 </file>
 
-<file path=ppt/slides/slide14.xml><?xml version="1.0" encoding="utf-8"?>
+<file path=ppt/slides/slide13.xml><?xml version="1.0" encoding="utf-8"?>
 <p:sld xmlns:a="http://schemas.openxmlformats.org/drawingml/2006/main" xmlns:r="http://schemas.openxmlformats.org/officeDocument/2006/relationships" xmlns:p="http://schemas.openxmlformats.org/presentationml/2006/main">
   <p:cSld>
     <p:spTree>
@@ -8702,7 +7776,7 @@
                 <a:cs typeface="Calibri" panose="020F0502020204030204" charset="0"/>
                 <a:sym typeface="+mn-ea"/>
               </a:rPr>
-              <a:t>Application Development life cycle</a:t>
+              <a:t>Application Development Life Cycle</a:t>
             </a:r>
             <a:endParaRPr lang="en-US" sz="3200" b="1" dirty="0">
               <a:latin typeface="Calibri" panose="020F0502020204030204" charset="0"/>
@@ -9732,7 +8806,7 @@
         </p:nvSpPr>
         <p:spPr>
           <a:xfrm>
-            <a:off x="4449456" y="4469408"/>
+            <a:off x="4530101" y="4469408"/>
             <a:ext cx="3134338" cy="829945"/>
           </a:xfrm>
           <a:prstGeom prst="rect">
@@ -9899,6 +8973,158 @@
 </p:sld>
 </file>
 
+<file path=ppt/slides/slide14.xml><?xml version="1.0" encoding="utf-8"?>
+<p:sld xmlns:a="http://schemas.openxmlformats.org/drawingml/2006/main" xmlns:r="http://schemas.openxmlformats.org/officeDocument/2006/relationships" xmlns:p="http://schemas.openxmlformats.org/presentationml/2006/main">
+  <p:cSld>
+    <p:spTree>
+      <p:nvGrpSpPr>
+        <p:cNvPr id="1" name=""/>
+        <p:cNvGrpSpPr/>
+        <p:nvPr/>
+      </p:nvGrpSpPr>
+      <p:grpSpPr>
+        <a:xfrm>
+          <a:off x="0" y="0"/>
+          <a:ext cx="0" cy="0"/>
+          <a:chOff x="0" y="0"/>
+          <a:chExt cx="0" cy="0"/>
+        </a:xfrm>
+      </p:grpSpPr>
+      <p:sp>
+        <p:nvSpPr>
+          <p:cNvPr id="17" name="Title 16"/>
+          <p:cNvSpPr>
+            <a:spLocks noGrp="1"/>
+          </p:cNvSpPr>
+          <p:nvPr>
+            <p:ph type="title"/>
+          </p:nvPr>
+        </p:nvSpPr>
+        <p:spPr>
+          <a:xfrm>
+            <a:off x="586993" y="3041650"/>
+            <a:ext cx="11018520" cy="553998"/>
+          </a:xfrm>
+        </p:spPr>
+        <p:txBody>
+          <a:bodyPr>
+            <a:noAutofit/>
+          </a:bodyPr>
+          <a:lstStyle/>
+          <a:p>
+            <a:pPr algn="ctr"/>
+            <a:r>
+              <a:rPr lang="en-US" sz="2800" b="1">
+                <a:latin typeface="Calibri" panose="020F0502020204030204" charset="0"/>
+                <a:cs typeface="Calibri" panose="020F0502020204030204" charset="0"/>
+                <a:sym typeface="+mn-ea"/>
+              </a:rPr>
+              <a:t>Now We’re ready to build a NLU model using LUIS!!</a:t>
+            </a:r>
+            <a:endParaRPr lang="en-US" sz="2800" b="1" dirty="0">
+              <a:latin typeface="Calibri" panose="020F0502020204030204" charset="0"/>
+              <a:cs typeface="Calibri" panose="020F0502020204030204" charset="0"/>
+              <a:sym typeface="+mn-ea"/>
+            </a:endParaRPr>
+          </a:p>
+        </p:txBody>
+      </p:sp>
+    </p:spTree>
+  </p:cSld>
+  <p:clrMapOvr>
+    <a:masterClrMapping/>
+  </p:clrMapOvr>
+  <mc:AlternateContent xmlns:mc="http://schemas.openxmlformats.org/markup-compatibility/2006">
+    <mc:Choice xmlns:p14="http://schemas.microsoft.com/office/powerpoint/2010/main" Requires="p14">
+      <p:transition spd="med" p14:dur="700">
+        <p:fade/>
+      </p:transition>
+    </mc:Choice>
+    <mc:Fallback>
+      <p:transition spd="med">
+        <p:fade/>
+      </p:transition>
+    </mc:Fallback>
+  </mc:AlternateContent>
+</p:sld>
+</file>
+
+<file path=ppt/slides/slide15.xml><?xml version="1.0" encoding="utf-8"?>
+<p:sld xmlns:a="http://schemas.openxmlformats.org/drawingml/2006/main" xmlns:r="http://schemas.openxmlformats.org/officeDocument/2006/relationships" xmlns:p="http://schemas.openxmlformats.org/presentationml/2006/main">
+  <p:cSld>
+    <p:spTree>
+      <p:nvGrpSpPr>
+        <p:cNvPr id="1" name=""/>
+        <p:cNvGrpSpPr/>
+        <p:nvPr/>
+      </p:nvGrpSpPr>
+      <p:grpSpPr>
+        <a:xfrm>
+          <a:off x="0" y="0"/>
+          <a:ext cx="0" cy="0"/>
+          <a:chOff x="0" y="0"/>
+          <a:chExt cx="0" cy="0"/>
+        </a:xfrm>
+      </p:grpSpPr>
+      <p:sp>
+        <p:nvSpPr>
+          <p:cNvPr id="17" name="Title 16"/>
+          <p:cNvSpPr>
+            <a:spLocks noGrp="1"/>
+          </p:cNvSpPr>
+          <p:nvPr>
+            <p:ph type="title"/>
+          </p:nvPr>
+        </p:nvSpPr>
+        <p:spPr>
+          <a:xfrm>
+            <a:off x="586993" y="3041650"/>
+            <a:ext cx="11018520" cy="553998"/>
+          </a:xfrm>
+        </p:spPr>
+        <p:txBody>
+          <a:bodyPr>
+            <a:noAutofit/>
+          </a:bodyPr>
+          <a:lstStyle/>
+          <a:p>
+            <a:pPr algn="ctr"/>
+            <a:r>
+              <a:rPr lang="en-US" sz="2800" b="1">
+                <a:latin typeface="Calibri" panose="020F0502020204030204" charset="0"/>
+                <a:cs typeface="Calibri" panose="020F0502020204030204" charset="0"/>
+                <a:sym typeface="+mn-ea"/>
+              </a:rPr>
+              <a:t>Thank You :)</a:t>
+            </a:r>
+            <a:endParaRPr lang="en-US" sz="2800" b="1" dirty="0">
+              <a:latin typeface="Calibri" panose="020F0502020204030204" charset="0"/>
+              <a:cs typeface="Calibri" panose="020F0502020204030204" charset="0"/>
+              <a:sym typeface="+mn-ea"/>
+            </a:endParaRPr>
+          </a:p>
+        </p:txBody>
+      </p:sp>
+    </p:spTree>
+  </p:cSld>
+  <p:clrMapOvr>
+    <a:masterClrMapping/>
+  </p:clrMapOvr>
+  <mc:AlternateContent xmlns:mc="http://schemas.openxmlformats.org/markup-compatibility/2006">
+    <mc:Choice xmlns:p14="http://schemas.microsoft.com/office/powerpoint/2010/main" Requires="p14">
+      <p:transition spd="med" p14:dur="700">
+        <p:fade/>
+      </p:transition>
+    </mc:Choice>
+    <mc:Fallback>
+      <p:transition spd="med">
+        <p:fade/>
+      </p:transition>
+    </mc:Fallback>
+  </mc:AlternateContent>
+</p:sld>
+</file>
+
 <file path=ppt/slides/slide2.xml><?xml version="1.0" encoding="utf-8"?>
 <p:sld xmlns:a="http://schemas.openxmlformats.org/drawingml/2006/main" xmlns:r="http://schemas.openxmlformats.org/officeDocument/2006/relationships" xmlns:p="http://schemas.openxmlformats.org/presentationml/2006/main">
   <p:cSld>
@@ -9924,8 +9150,8 @@
         </p:nvSpPr>
         <p:spPr>
           <a:xfrm>
-            <a:off x="945320" y="358904"/>
-            <a:ext cx="8005666" cy="521970"/>
+            <a:off x="680525" y="722124"/>
+            <a:ext cx="8005666" cy="645160"/>
           </a:xfrm>
           <a:prstGeom prst="rect">
             <a:avLst/>
@@ -9939,10 +9165,10 @@
           <a:lstStyle/>
           <a:p>
             <a:r>
-              <a:rPr lang="en-US" sz="2800" b="1" dirty="0"/>
-              <a:t>  Speaker for today’s session</a:t>
-            </a:r>
-            <a:endParaRPr lang="en-IN" sz="2800" b="1" dirty="0"/>
+              <a:rPr lang="en-US" sz="3600" b="1" dirty="0"/>
+              <a:t>Speaker for today’s session</a:t>
+            </a:r>
+            <a:endParaRPr lang="en-US" sz="3600" b="1" dirty="0"/>
           </a:p>
         </p:txBody>
       </p:sp>
@@ -9954,8 +9180,8 @@
         </p:nvSpPr>
         <p:spPr>
           <a:xfrm>
-            <a:off x="1096397" y="3969842"/>
-            <a:ext cx="3844211" cy="614045"/>
+            <a:off x="680472" y="4257497"/>
+            <a:ext cx="3844211" cy="1168400"/>
           </a:xfrm>
           <a:prstGeom prst="rect">
             <a:avLst/>
@@ -9968,6 +9194,7 @@
           </a:bodyPr>
           <a:lstStyle/>
           <a:p>
+            <a:pPr algn="ctr"/>
             <a:r>
               <a:rPr lang="en-US" b="1" dirty="0"/>
               <a:t>Mansi Jain</a:t>
@@ -9975,7 +9202,36 @@
             <a:endParaRPr lang="en-US" b="1" dirty="0"/>
           </a:p>
           <a:p>
-            <a:endParaRPr lang="en-US" sz="1600" dirty="0"/>
+            <a:pPr algn="ctr"/>
+            <a:r>
+              <a:rPr lang="en-US" b="1" dirty="0">
+                <a:solidFill>
+                  <a:schemeClr val="tx1">
+                    <a:lumMod val="65000"/>
+                    <a:lumOff val="35000"/>
+                  </a:schemeClr>
+                </a:solidFill>
+              </a:rPr>
+              <a:t>Microsoft Learn Student Ambassador (Alpha)</a:t>
+            </a:r>
+            <a:endParaRPr lang="en-US" b="1" dirty="0">
+              <a:solidFill>
+                <a:schemeClr val="tx1">
+                  <a:lumMod val="65000"/>
+                  <a:lumOff val="35000"/>
+                </a:schemeClr>
+              </a:solidFill>
+            </a:endParaRPr>
+          </a:p>
+          <a:p>
+            <a:endParaRPr lang="en-US" sz="1600" b="1" dirty="0">
+              <a:solidFill>
+                <a:schemeClr val="tx1">
+                  <a:lumMod val="65000"/>
+                  <a:lumOff val="35000"/>
+                </a:schemeClr>
+              </a:solidFill>
+            </a:endParaRPr>
           </a:p>
         </p:txBody>
       </p:sp>
@@ -9995,10 +9251,10 @@
         </p:blipFill>
         <p:spPr>
           <a:xfrm>
-            <a:off x="1209675" y="1261110"/>
+            <a:off x="1355725" y="1643380"/>
             <a:ext cx="2494280" cy="2482850"/>
           </a:xfrm>
-          <a:prstGeom prst="rect">
+          <a:prstGeom prst="ellipse">
             <a:avLst/>
           </a:prstGeom>
         </p:spPr>
@@ -10011,8 +9267,8 @@
         </p:nvSpPr>
         <p:spPr>
           <a:xfrm>
-            <a:off x="5303520" y="1257935"/>
-            <a:ext cx="4270375" cy="1753235"/>
+            <a:off x="4940300" y="1950720"/>
+            <a:ext cx="4270375" cy="2306955"/>
           </a:xfrm>
           <a:prstGeom prst="rect">
             <a:avLst/>
@@ -10050,6 +9306,21 @@
                 <a:sym typeface="+mn-ea"/>
               </a:rPr>
               <a:t>Microsoft Learn Student Ambassador.</a:t>
+            </a:r>
+            <a:endParaRPr lang="en-US" dirty="0">
+              <a:sym typeface="+mn-ea"/>
+            </a:endParaRPr>
+          </a:p>
+          <a:p>
+            <a:pPr marL="285750" indent="-285750">
+              <a:buFont typeface="Arial" panose="020B0604020202020204" pitchFamily="34" charset="0"/>
+              <a:buChar char="•"/>
+            </a:pPr>
+            <a:r>
+              <a:rPr lang="en-US" dirty="0">
+                <a:sym typeface="+mn-ea"/>
+              </a:rPr>
+              <a:t>Data Science &amp; Machine Learning enthusiast.</a:t>
             </a:r>
             <a:endParaRPr lang="en-US" dirty="0">
               <a:sym typeface="+mn-ea"/>
@@ -10153,7 +9424,7 @@
         <p:spPr>
           <a:xfrm>
             <a:off x="764540" y="1671320"/>
-            <a:ext cx="9233535" cy="2553335"/>
+            <a:ext cx="9233535" cy="2861310"/>
           </a:xfrm>
           <a:prstGeom prst="rect">
             <a:avLst/>
@@ -10192,19 +9463,6 @@
               <a:buNone/>
             </a:pPr>
             <a:r>
-              <a:rPr lang="en-US" sz="2000" dirty="0">
-                <a:sym typeface="+mn-ea"/>
-              </a:rPr>
-              <a:t>      - Dialogues</a:t>
-            </a:r>
-            <a:endParaRPr lang="en-US" sz="2000"/>
-          </a:p>
-          <a:p>
-            <a:pPr indent="0">
-              <a:buFont typeface="Arial" panose="020B0604020202020204" pitchFamily="34" charset="0"/>
-              <a:buNone/>
-            </a:pPr>
-            <a:r>
               <a:rPr lang="en-US" sz="2000"/>
               <a:t>      - Utterances</a:t>
             </a:r>
@@ -10258,6 +9516,28 @@
             <a:r>
               <a:rPr lang="en-US" sz="2000"/>
               <a:t>)?</a:t>
+            </a:r>
+            <a:endParaRPr lang="en-US" sz="2000"/>
+          </a:p>
+          <a:p>
+            <a:pPr marL="285750" indent="-285750">
+              <a:buFont typeface="Arial" panose="020B0604020202020204" pitchFamily="34" charset="0"/>
+              <a:buChar char="•"/>
+            </a:pPr>
+            <a:r>
+              <a:rPr lang="en-US" sz="2000"/>
+              <a:t>What does LUIS offer?</a:t>
+            </a:r>
+            <a:endParaRPr lang="en-US" sz="2000"/>
+          </a:p>
+          <a:p>
+            <a:pPr marL="285750" indent="-285750">
+              <a:buFont typeface="Arial" panose="020B0604020202020204" pitchFamily="34" charset="0"/>
+              <a:buChar char="•"/>
+            </a:pPr>
+            <a:r>
+              <a:rPr lang="en-US" sz="2000"/>
+              <a:t>Application development life cycle</a:t>
             </a:r>
             <a:endParaRPr lang="en-US" sz="2000"/>
           </a:p>
@@ -10979,25 +10259,34 @@
                 <a:cs typeface="Calibri" panose="020F0502020204030204" charset="0"/>
                 <a:sym typeface="+mn-ea"/>
               </a:rPr>
-              <a:t>Dialogues</a:t>
-            </a:r>
-            <a:endParaRPr lang="en-US" sz="3600" b="1" dirty="0">
+              <a:t>Utterances: How will users </a:t>
+            </a:r>
+            <a:r>
+              <a:rPr lang="en-US" sz="3200" b="1" dirty="0">
+                <a:latin typeface="Calibri" panose="020F0502020204030204" charset="0"/>
+                <a:cs typeface="Calibri" panose="020F0502020204030204" charset="0"/>
+                <a:sym typeface="+mn-ea"/>
+              </a:rPr>
+              <a:t>ask for something?</a:t>
+            </a:r>
+            <a:endParaRPr lang="en-US" sz="3200" b="1" dirty="0">
               <a:latin typeface="Calibri" panose="020F0502020204030204" charset="0"/>
               <a:cs typeface="Calibri" panose="020F0502020204030204" charset="0"/>
+              <a:sym typeface="+mn-ea"/>
             </a:endParaRPr>
           </a:p>
         </p:txBody>
       </p:sp>
       <p:sp>
         <p:nvSpPr>
-          <p:cNvPr id="3" name="Text Box 2"/>
+          <p:cNvPr id="2" name="Text Box 1"/>
           <p:cNvSpPr txBox="1"/>
           <p:nvPr/>
         </p:nvSpPr>
         <p:spPr>
           <a:xfrm>
-            <a:off x="588010" y="1617980"/>
-            <a:ext cx="11353800" cy="3846195"/>
+            <a:off x="708025" y="1859915"/>
+            <a:ext cx="8342630" cy="3138170"/>
           </a:xfrm>
           <a:prstGeom prst="rect">
             <a:avLst/>
@@ -11009,204 +10298,103 @@
             <a:spAutoFit/>
           </a:bodyPr>
           <a:p>
-            <a:pPr marL="342900" indent="-342900" defTabSz="914400">
-              <a:buClr>
-                <a:srgbClr val="02B6F1"/>
-              </a:buClr>
-              <a:buSzPct val="75000"/>
+            <a:pPr marL="285750" indent="-285750">
               <a:buFont typeface="Arial" panose="020B0604020202020204" pitchFamily="34" charset="0"/>
               <a:buChar char="•"/>
-              <a:defRPr/>
             </a:pPr>
             <a:r>
-              <a:rPr lang="en-US" sz="2400" b="1"/>
-              <a:t>Task-Oriented Dialogue</a:t>
-            </a:r>
-            <a:endParaRPr lang="en-US" sz="2400" b="1"/>
-          </a:p>
-          <a:p>
-            <a:pPr lvl="1" fontAlgn="base"/>
-            <a:r>
-              <a:rPr lang="en-US" sz="2000" b="1" dirty="0">
-                <a:sym typeface="+mn-ea"/>
-              </a:rPr>
-              <a:t>        “User has a question”: </a:t>
-            </a:r>
-            <a:r>
-              <a:rPr lang="en-US" sz="2000" dirty="0">
-                <a:sym typeface="+mn-ea"/>
-              </a:rPr>
-              <a:t> User needs to consume Information</a:t>
-            </a:r>
-            <a:endParaRPr lang="en-US" sz="2000" dirty="0">
-              <a:sym typeface="+mn-ea"/>
-            </a:endParaRPr>
-          </a:p>
-          <a:p>
-            <a:pPr lvl="2" fontAlgn="base"/>
-            <a:r>
-              <a:rPr lang="en-US" sz="2000" dirty="0">
-                <a:sym typeface="+mn-ea"/>
-              </a:rPr>
-              <a:t>	</a:t>
-            </a:r>
-            <a:r>
-              <a:rPr lang="en-US" dirty="0">
-                <a:sym typeface="+mn-ea"/>
-              </a:rPr>
-              <a:t>What is today’s agenda?</a:t>
-            </a:r>
-            <a:endParaRPr lang="en-US" dirty="0">
-              <a:sym typeface="+mn-ea"/>
-            </a:endParaRPr>
-          </a:p>
-          <a:p>
-            <a:pPr lvl="2" fontAlgn="base"/>
-            <a:r>
-              <a:rPr lang="en-US" dirty="0">
-                <a:sym typeface="+mn-ea"/>
-              </a:rPr>
-              <a:t>	What does MSFT stand for?</a:t>
-            </a:r>
-            <a:endParaRPr lang="en-US" dirty="0">
-              <a:sym typeface="+mn-ea"/>
-            </a:endParaRPr>
-          </a:p>
-          <a:p>
-            <a:pPr lvl="1" fontAlgn="base"/>
-            <a:r>
-              <a:rPr lang="en-US" sz="2000" b="1" dirty="0">
-                <a:sym typeface="+mn-ea"/>
-              </a:rPr>
-              <a:t>        “User needs to get something done”: </a:t>
-            </a:r>
-            <a:r>
-              <a:rPr lang="en-US" sz="2000" dirty="0">
-                <a:sym typeface="+mn-ea"/>
-              </a:rPr>
-              <a:t> User needs to complete some task</a:t>
-            </a:r>
-            <a:endParaRPr lang="en-US" sz="2000" dirty="0">
-              <a:sym typeface="+mn-ea"/>
-            </a:endParaRPr>
-          </a:p>
-          <a:p>
-            <a:pPr lvl="2" fontAlgn="base"/>
-            <a:r>
-              <a:rPr lang="en-US" sz="2000" dirty="0">
-                <a:sym typeface="+mn-ea"/>
-              </a:rPr>
-              <a:t>	</a:t>
-            </a:r>
-            <a:r>
-              <a:rPr lang="en-US" dirty="0">
-                <a:sym typeface="+mn-ea"/>
-              </a:rPr>
-              <a:t>Book me a flight from Cairo to Seattle</a:t>
-            </a:r>
-            <a:endParaRPr lang="en-US" dirty="0">
-              <a:sym typeface="+mn-ea"/>
-            </a:endParaRPr>
-          </a:p>
-          <a:p>
-            <a:pPr lvl="2" fontAlgn="base"/>
-            <a:r>
-              <a:rPr lang="en-US" dirty="0">
-                <a:sym typeface="+mn-ea"/>
-              </a:rPr>
-              <a:t>	Reserve me a table at The Kitchen for 5 people at 7 pm</a:t>
-            </a:r>
-            <a:endParaRPr lang="en-US" dirty="0">
-              <a:sym typeface="+mn-ea"/>
-            </a:endParaRPr>
-          </a:p>
-          <a:p>
-            <a:pPr lvl="1" fontAlgn="base"/>
-            <a:r>
-              <a:rPr lang="en-US" sz="2000" b="1" dirty="0">
-                <a:sym typeface="+mn-ea"/>
-              </a:rPr>
-              <a:t>        “User need to know what to do”</a:t>
-            </a:r>
-            <a:r>
-              <a:rPr lang="en-US" sz="2000" dirty="0">
-                <a:sym typeface="+mn-ea"/>
-              </a:rPr>
-              <a:t>: User needs decision support</a:t>
-            </a:r>
-            <a:endParaRPr lang="en-US" sz="2000" dirty="0">
-              <a:sym typeface="+mn-ea"/>
-            </a:endParaRPr>
-          </a:p>
-          <a:p>
-            <a:pPr lvl="2" fontAlgn="base"/>
-            <a:r>
-              <a:rPr lang="en-US" sz="2000" dirty="0">
-                <a:sym typeface="+mn-ea"/>
-              </a:rPr>
-              <a:t>	</a:t>
-            </a:r>
-            <a:r>
-              <a:rPr lang="en-US" dirty="0">
-                <a:sym typeface="+mn-ea"/>
-              </a:rPr>
-              <a:t>Is the Build conference good to attend?</a:t>
-            </a:r>
-            <a:endParaRPr lang="en-US" b="1"/>
-          </a:p>
-          <a:p>
-            <a:pPr marL="342900" indent="-342900" defTabSz="914400">
-              <a:buClr>
-                <a:srgbClr val="02B6F1"/>
-              </a:buClr>
-              <a:buSzPct val="75000"/>
+              <a:rPr lang="en-US"/>
+              <a:t>Utterances are input from the user that your app needs to interpret. </a:t>
+            </a:r>
+            <a:endParaRPr lang="en-US"/>
+          </a:p>
+          <a:p>
+            <a:pPr marL="285750" indent="-285750">
               <a:buFont typeface="Arial" panose="020B0604020202020204" pitchFamily="34" charset="0"/>
               <a:buChar char="•"/>
-              <a:defRPr/>
             </a:pPr>
             <a:r>
-              <a:rPr lang="en-US" sz="2400" b="1"/>
-              <a:t>Open-Domain Dialogue</a:t>
-            </a:r>
-            <a:endParaRPr lang="en-US" sz="2400" b="1"/>
-          </a:p>
-          <a:p>
-            <a:pPr marL="0" lvl="1" indent="0" defTabSz="914400">
-              <a:buClr>
-                <a:srgbClr val="02B6F1"/>
-              </a:buClr>
-              <a:buSzPct val="75000"/>
+              <a:rPr lang="en-US"/>
+              <a:t>To train LUIS to extract intents and entities from them, it's important to capture a variety of different example utterances for each intent. </a:t>
+            </a:r>
+            <a:endParaRPr lang="en-US"/>
+          </a:p>
+          <a:p>
+            <a:pPr marL="285750" indent="-285750">
+              <a:buFont typeface="Arial" panose="020B0604020202020204" pitchFamily="34" charset="0"/>
+              <a:buChar char="•"/>
+            </a:pPr>
+            <a:r>
+              <a:rPr lang="en-US"/>
+              <a:t>Active learning, or the process of continuing to train on new utterances, is essential to machine-learning intelligence that LUIS provides.</a:t>
+            </a:r>
+            <a:endParaRPr lang="en-US"/>
+          </a:p>
+          <a:p>
+            <a:pPr marL="285750" indent="-285750">
+              <a:buFont typeface="Arial" panose="020B0604020202020204" pitchFamily="34" charset="0"/>
+              <a:buChar char="•"/>
+            </a:pPr>
+            <a:r>
+              <a:rPr lang="en-US"/>
+              <a:t>Example utterances</a:t>
+            </a:r>
+            <a:endParaRPr lang="en-US"/>
+          </a:p>
+          <a:p>
+            <a:pPr indent="0">
               <a:buFont typeface="Arial" panose="020B0604020202020204" pitchFamily="34" charset="0"/>
               <a:buNone/>
-              <a:defRPr/>
             </a:pPr>
             <a:r>
-              <a:rPr lang="en-US" sz="2000" b="1" dirty="0">
-                <a:sym typeface="+mn-ea"/>
-              </a:rPr>
-              <a:t>	“User wants to chit-chat”: </a:t>
-            </a:r>
-            <a:r>
-              <a:rPr lang="en-US" sz="2000" dirty="0">
-                <a:sym typeface="+mn-ea"/>
-              </a:rPr>
-              <a:t> User wants to talk like a human</a:t>
-            </a:r>
-            <a:endParaRPr lang="en-US" sz="2000" dirty="0">
-              <a:sym typeface="+mn-ea"/>
-            </a:endParaRPr>
-          </a:p>
-          <a:p>
-            <a:pPr marL="342900" indent="-342900" defTabSz="914400">
-              <a:buClr>
-                <a:srgbClr val="02B6F1"/>
-              </a:buClr>
-              <a:buSzPct val="75000"/>
+              <a:rPr lang="en-US"/>
+              <a:t>      - How do I get a computer?</a:t>
+            </a:r>
+            <a:endParaRPr lang="en-US"/>
+          </a:p>
+          <a:p>
+            <a:pPr indent="0">
+              <a:buFont typeface="Arial" panose="020B0604020202020204" pitchFamily="34" charset="0"/>
+              <a:buNone/>
+            </a:pPr>
+            <a:r>
+              <a:rPr lang="en-US"/>
+              <a:t>      - Where do I get a computer?</a:t>
+            </a:r>
+            <a:endParaRPr lang="en-US"/>
+          </a:p>
+          <a:p>
+            <a:pPr indent="0">
+              <a:buFont typeface="Arial" panose="020B0604020202020204" pitchFamily="34" charset="0"/>
+              <a:buNone/>
+            </a:pPr>
+            <a:r>
+              <a:rPr lang="en-US"/>
+              <a:t>      - I want to get a computer, how do I go about it?</a:t>
+            </a:r>
+            <a:endParaRPr lang="en-US"/>
+          </a:p>
+          <a:p>
+            <a:pPr indent="0">
+              <a:buFont typeface="Arial" panose="020B0604020202020204" pitchFamily="34" charset="0"/>
+              <a:buNone/>
+            </a:pPr>
+            <a:r>
+              <a:rPr lang="en-US"/>
+              <a:t>      - When can I have a computer?</a:t>
+            </a:r>
+            <a:endParaRPr lang="en-US"/>
+          </a:p>
+          <a:p>
+            <a:pPr marL="285750" indent="-285750">
               <a:buFont typeface="Arial" panose="020B0604020202020204" pitchFamily="34" charset="0"/>
               <a:buChar char="•"/>
-              <a:defRPr/>
             </a:pPr>
-            <a:endParaRPr lang="en-US" sz="2000" b="1"/>
+            <a:r>
+              <a:rPr lang="en-US"/>
+              <a:t>What good utterances are - http://bit.ly/utterances</a:t>
+            </a:r>
+            <a:endParaRPr lang="en-US"/>
           </a:p>
         </p:txBody>
       </p:sp>
@@ -11275,15 +10463,7 @@
                 <a:cs typeface="Calibri" panose="020F0502020204030204" charset="0"/>
                 <a:sym typeface="+mn-ea"/>
               </a:rPr>
-              <a:t>Utterances: How will users </a:t>
-            </a:r>
-            <a:r>
-              <a:rPr lang="en-US" sz="3200" b="1" dirty="0">
-                <a:latin typeface="Calibri" panose="020F0502020204030204" charset="0"/>
-                <a:cs typeface="Calibri" panose="020F0502020204030204" charset="0"/>
-                <a:sym typeface="+mn-ea"/>
-              </a:rPr>
-              <a:t>ask for something?</a:t>
+              <a:t>Intents: What does the user want to say?</a:t>
             </a:r>
             <a:endParaRPr lang="en-US" sz="3200" b="1" dirty="0">
               <a:latin typeface="Calibri" panose="020F0502020204030204" charset="0"/>
@@ -11301,8 +10481,8 @@
         </p:nvSpPr>
         <p:spPr>
           <a:xfrm>
-            <a:off x="708025" y="1998345"/>
-            <a:ext cx="8342630" cy="3138170"/>
+            <a:off x="588010" y="1403350"/>
+            <a:ext cx="8342630" cy="922020"/>
           </a:xfrm>
           <a:prstGeom prst="rect">
             <a:avLst/>
@@ -11320,7 +10500,7 @@
             </a:pPr>
             <a:r>
               <a:rPr lang="en-US"/>
-              <a:t>Utterances are input from the user that your app needs to interpret. </a:t>
+              <a:t>An intent represents a task or action the user wants to perform. It is a purpose or goal expressed in a user's utterance. </a:t>
             </a:r>
             <a:endParaRPr lang="en-US"/>
           </a:p>
@@ -11330,87 +10510,65 @@
               <a:buChar char="•"/>
             </a:pPr>
             <a:r>
-              <a:rPr lang="en-US"/>
-              <a:t>To train LUIS to extract intents and entities from them, it's important to capture a variety of different example utterances for each intent. </a:t>
+              <a:rPr lang="en-US" dirty="0">
+                <a:sym typeface="+mn-ea"/>
+              </a:rPr>
+              <a:t>E.g. greeting, confirmation, request a vacation, place an order, delete an email etc.</a:t>
             </a:r>
             <a:endParaRPr lang="en-US"/>
           </a:p>
-          <a:p>
-            <a:pPr marL="285750" indent="-285750">
-              <a:buFont typeface="Arial" panose="020B0604020202020204" pitchFamily="34" charset="0"/>
-              <a:buChar char="•"/>
-            </a:pPr>
-            <a:r>
-              <a:rPr lang="en-US"/>
-              <a:t>Active learning, or the process of continuing to train on new utterances, is essential to machine-learning intelligence that LUIS provides.</a:t>
-            </a:r>
-            <a:endParaRPr lang="en-US"/>
-          </a:p>
-          <a:p>
-            <a:pPr marL="285750" indent="-285750">
-              <a:buFont typeface="Arial" panose="020B0604020202020204" pitchFamily="34" charset="0"/>
-              <a:buChar char="•"/>
-            </a:pPr>
-            <a:r>
-              <a:rPr lang="en-US"/>
-              <a:t>Example utterances</a:t>
-            </a:r>
-            <a:endParaRPr lang="en-US"/>
-          </a:p>
-          <a:p>
-            <a:pPr indent="0">
-              <a:buFont typeface="Arial" panose="020B0604020202020204" pitchFamily="34" charset="0"/>
-              <a:buNone/>
-            </a:pPr>
-            <a:r>
-              <a:rPr lang="en-US"/>
-              <a:t>      - How do I get a computer?</a:t>
-            </a:r>
-            <a:endParaRPr lang="en-US"/>
-          </a:p>
-          <a:p>
-            <a:pPr indent="0">
-              <a:buFont typeface="Arial" panose="020B0604020202020204" pitchFamily="34" charset="0"/>
-              <a:buNone/>
-            </a:pPr>
-            <a:r>
-              <a:rPr lang="en-US"/>
-              <a:t>      - Where do I get a computer?</a:t>
-            </a:r>
-            <a:endParaRPr lang="en-US"/>
-          </a:p>
-          <a:p>
-            <a:pPr indent="0">
-              <a:buFont typeface="Arial" panose="020B0604020202020204" pitchFamily="34" charset="0"/>
-              <a:buNone/>
-            </a:pPr>
-            <a:r>
-              <a:rPr lang="en-US"/>
-              <a:t>      - I want to get a computer, how do I go about it?</a:t>
-            </a:r>
-            <a:endParaRPr lang="en-US"/>
-          </a:p>
-          <a:p>
-            <a:pPr indent="0">
-              <a:buFont typeface="Arial" panose="020B0604020202020204" pitchFamily="34" charset="0"/>
-              <a:buNone/>
-            </a:pPr>
-            <a:r>
-              <a:rPr lang="en-US"/>
-              <a:t>      - When can I have a computer?</a:t>
-            </a:r>
-            <a:endParaRPr lang="en-US"/>
-          </a:p>
-          <a:p>
-            <a:pPr marL="285750" indent="-285750">
-              <a:buFont typeface="Arial" panose="020B0604020202020204" pitchFamily="34" charset="0"/>
-              <a:buChar char="•"/>
-            </a:pPr>
-            <a:r>
-              <a:rPr lang="en-US"/>
-              <a:t>What good utterances are - http://bit.ly/utterances</a:t>
-            </a:r>
-            <a:endParaRPr lang="en-US"/>
+        </p:txBody>
+      </p:sp>
+      <p:pic>
+        <p:nvPicPr>
+          <p:cNvPr id="3" name="Picture 2"/>
+          <p:cNvPicPr>
+            <a:picLocks noChangeAspect="1"/>
+          </p:cNvPicPr>
+          <p:nvPr/>
+        </p:nvPicPr>
+        <p:blipFill>
+          <a:blip r:embed="rId1"/>
+          <a:stretch>
+            <a:fillRect/>
+          </a:stretch>
+        </p:blipFill>
+        <p:spPr>
+          <a:xfrm>
+            <a:off x="937895" y="2540000"/>
+            <a:ext cx="6772275" cy="3257550"/>
+          </a:xfrm>
+          <a:prstGeom prst="rect">
+            <a:avLst/>
+          </a:prstGeom>
+        </p:spPr>
+      </p:pic>
+      <p:sp>
+        <p:nvSpPr>
+          <p:cNvPr id="4" name="Text Box 3"/>
+          <p:cNvSpPr txBox="1"/>
+          <p:nvPr/>
+        </p:nvSpPr>
+        <p:spPr>
+          <a:xfrm>
+            <a:off x="8437880" y="3520440"/>
+            <a:ext cx="2971800" cy="645160"/>
+          </a:xfrm>
+          <a:prstGeom prst="rect">
+            <a:avLst/>
+          </a:prstGeom>
+          <a:noFill/>
+        </p:spPr>
+        <p:txBody>
+          <a:bodyPr wrap="square" rtlCol="0">
+            <a:spAutoFit/>
+          </a:bodyPr>
+          <a:p>
+            <a:r>
+              <a:rPr lang="en-US" b="1" i="1"/>
+              <a:t>Intents -&gt; Actions users want to take in your application</a:t>
+            </a:r>
+            <a:endParaRPr lang="en-US" b="1" i="1"/>
           </a:p>
         </p:txBody>
       </p:sp>
@@ -11479,7 +10637,7 @@
                 <a:cs typeface="Calibri" panose="020F0502020204030204" charset="0"/>
                 <a:sym typeface="+mn-ea"/>
               </a:rPr>
-              <a:t>Intents: What does the user want to say?</a:t>
+              <a:t>Entities: What information did the user give?</a:t>
             </a:r>
             <a:endParaRPr lang="en-US" sz="3200" b="1" dirty="0">
               <a:latin typeface="Calibri" panose="020F0502020204030204" charset="0"/>
@@ -11516,20 +10674,7 @@
             </a:pPr>
             <a:r>
               <a:rPr lang="en-US"/>
-              <a:t>An intent represents a task or action the user wants to perform. It is a purpose or goal expressed in a user's utterance. </a:t>
-            </a:r>
-            <a:endParaRPr lang="en-US"/>
-          </a:p>
-          <a:p>
-            <a:pPr marL="285750" indent="-285750">
-              <a:buFont typeface="Arial" panose="020B0604020202020204" pitchFamily="34" charset="0"/>
-              <a:buChar char="•"/>
-            </a:pPr>
-            <a:r>
-              <a:rPr lang="en-US" dirty="0">
-                <a:sym typeface="+mn-ea"/>
-              </a:rPr>
-              <a:t>E.g. greeting, confirmation, request a vacation, place an order, delete an email etc.</a:t>
+              <a:t>The intent represents action the application should take for the user and is based on the entire utterance. An utterance can have only one top scoring intent but it can have many entities.</a:t>
             </a:r>
             <a:endParaRPr lang="en-US"/>
           </a:p>
@@ -11537,7 +10682,7 @@
       </p:sp>
       <p:pic>
         <p:nvPicPr>
-          <p:cNvPr id="3" name="Picture 2"/>
+          <p:cNvPr id="5" name="Picture 4"/>
           <p:cNvPicPr>
             <a:picLocks noChangeAspect="1"/>
           </p:cNvPicPr>
@@ -11551,24 +10696,48 @@
         </p:blipFill>
         <p:spPr>
           <a:xfrm>
-            <a:off x="937895" y="2540000"/>
-            <a:ext cx="6772275" cy="3257550"/>
+            <a:off x="952500" y="2510155"/>
+            <a:ext cx="6686550" cy="1838325"/>
           </a:xfrm>
           <a:prstGeom prst="rect">
             <a:avLst/>
           </a:prstGeom>
         </p:spPr>
       </p:pic>
-      <p:sp>
-        <p:nvSpPr>
-          <p:cNvPr id="4" name="Text Box 3"/>
+      <p:pic>
+        <p:nvPicPr>
+          <p:cNvPr id="6" name="Picture 5"/>
+          <p:cNvPicPr>
+            <a:picLocks noChangeAspect="1"/>
+          </p:cNvPicPr>
+          <p:nvPr/>
+        </p:nvPicPr>
+        <p:blipFill>
+          <a:blip r:embed="rId2"/>
+          <a:stretch>
+            <a:fillRect/>
+          </a:stretch>
+        </p:blipFill>
+        <p:spPr>
+          <a:xfrm>
+            <a:off x="8248015" y="2081530"/>
+            <a:ext cx="3667125" cy="2266950"/>
+          </a:xfrm>
+          <a:prstGeom prst="rect">
+            <a:avLst/>
+          </a:prstGeom>
+        </p:spPr>
+      </p:pic>
+      <p:sp>
+        <p:nvSpPr>
+          <p:cNvPr id="8" name="Text Box 7"/>
           <p:cNvSpPr txBox="1"/>
           <p:nvPr/>
         </p:nvSpPr>
         <p:spPr>
           <a:xfrm>
-            <a:off x="8437880" y="3520440"/>
-            <a:ext cx="2971800" cy="645160"/>
+            <a:off x="588010" y="4629150"/>
+            <a:ext cx="6672580" cy="645160"/>
           </a:xfrm>
           <a:prstGeom prst="rect">
             <a:avLst/>
@@ -11580,14 +10749,927 @@
             <a:spAutoFit/>
           </a:bodyPr>
           <a:p>
-            <a:r>
-              <a:rPr lang="en-US" b="1" i="1"/>
-              <a:t>Intents -&gt; Actions users want to take in your application</a:t>
-            </a:r>
-            <a:endParaRPr lang="en-US" b="1" i="1"/>
-          </a:p>
-        </p:txBody>
-      </p:sp>
+            <a:pPr marL="285750" indent="-285750">
+              <a:buFont typeface="Arial" panose="020B0604020202020204" pitchFamily="34" charset="0"/>
+              <a:buChar char="•"/>
+            </a:pPr>
+            <a:r>
+              <a:rPr lang="en-US">
+                <a:sym typeface="+mn-ea"/>
+              </a:rPr>
+              <a:t>Entities -&gt; Represent parameters required to execute the action.</a:t>
+            </a:r>
+            <a:endParaRPr lang="en-US"/>
+          </a:p>
+          <a:p>
+            <a:pPr marL="285750" indent="-285750"/>
+            <a:endParaRPr lang="en-US"/>
+          </a:p>
+        </p:txBody>
+      </p:sp>
+      <p:grpSp>
+        <p:nvGrpSpPr>
+          <p:cNvPr id="19" name="Group 18"/>
+          <p:cNvGrpSpPr/>
+          <p:nvPr/>
+        </p:nvGrpSpPr>
+        <p:grpSpPr>
+          <a:xfrm>
+            <a:off x="5391150" y="5005705"/>
+            <a:ext cx="6477000" cy="989965"/>
+            <a:chOff x="8490" y="7883"/>
+            <a:chExt cx="10200" cy="1559"/>
+          </a:xfrm>
+        </p:grpSpPr>
+        <p:sp>
+          <p:nvSpPr>
+            <p:cNvPr id="10" name="boy"/>
+            <p:cNvSpPr>
+              <a:spLocks noChangeAspect="1" noEditPoints="1"/>
+            </p:cNvSpPr>
+            <p:nvPr/>
+          </p:nvSpPr>
+          <p:spPr bwMode="auto">
+            <a:xfrm>
+              <a:off x="8490" y="8070"/>
+              <a:ext cx="362" cy="254"/>
+            </a:xfrm>
+            <a:custGeom>
+              <a:avLst/>
+              <a:gdLst>
+                <a:gd name="T0" fmla="*/ 27 w 261"/>
+                <a:gd name="T1" fmla="*/ 104 h 339"/>
+                <a:gd name="T2" fmla="*/ 131 w 261"/>
+                <a:gd name="T3" fmla="*/ 0 h 339"/>
+                <a:gd name="T4" fmla="*/ 235 w 261"/>
+                <a:gd name="T5" fmla="*/ 104 h 339"/>
+                <a:gd name="T6" fmla="*/ 131 w 261"/>
+                <a:gd name="T7" fmla="*/ 208 h 339"/>
+                <a:gd name="T8" fmla="*/ 27 w 261"/>
+                <a:gd name="T9" fmla="*/ 104 h 339"/>
+                <a:gd name="T10" fmla="*/ 261 w 261"/>
+                <a:gd name="T11" fmla="*/ 339 h 339"/>
+                <a:gd name="T12" fmla="*/ 131 w 261"/>
+                <a:gd name="T13" fmla="*/ 208 h 339"/>
+                <a:gd name="T14" fmla="*/ 0 w 261"/>
+                <a:gd name="T15" fmla="*/ 339 h 339"/>
+                <a:gd name="T16" fmla="*/ 74 w 261"/>
+                <a:gd name="T17" fmla="*/ 221 h 339"/>
+                <a:gd name="T18" fmla="*/ 131 w 261"/>
+                <a:gd name="T19" fmla="*/ 274 h 339"/>
+                <a:gd name="T20" fmla="*/ 187 w 261"/>
+                <a:gd name="T21" fmla="*/ 221 h 339"/>
+              </a:gdLst>
+              <a:ahLst/>
+              <a:cxnLst>
+                <a:cxn ang="0">
+                  <a:pos x="T0" y="T1"/>
+                </a:cxn>
+                <a:cxn ang="0">
+                  <a:pos x="T2" y="T3"/>
+                </a:cxn>
+                <a:cxn ang="0">
+                  <a:pos x="T4" y="T5"/>
+                </a:cxn>
+                <a:cxn ang="0">
+                  <a:pos x="T6" y="T7"/>
+                </a:cxn>
+                <a:cxn ang="0">
+                  <a:pos x="T8" y="T9"/>
+                </a:cxn>
+                <a:cxn ang="0">
+                  <a:pos x="T10" y="T11"/>
+                </a:cxn>
+                <a:cxn ang="0">
+                  <a:pos x="T12" y="T13"/>
+                </a:cxn>
+                <a:cxn ang="0">
+                  <a:pos x="T14" y="T15"/>
+                </a:cxn>
+                <a:cxn ang="0">
+                  <a:pos x="T16" y="T17"/>
+                </a:cxn>
+                <a:cxn ang="0">
+                  <a:pos x="T18" y="T19"/>
+                </a:cxn>
+                <a:cxn ang="0">
+                  <a:pos x="T20" y="T21"/>
+                </a:cxn>
+              </a:cxnLst>
+              <a:rect l="0" t="0" r="r" b="b"/>
+              <a:pathLst>
+                <a:path w="261" h="339">
+                  <a:moveTo>
+                    <a:pt x="27" y="104"/>
+                  </a:moveTo>
+                  <a:cubicBezTo>
+                    <a:pt x="27" y="47"/>
+                    <a:pt x="73" y="0"/>
+                    <a:pt x="131" y="0"/>
+                  </a:cubicBezTo>
+                  <a:cubicBezTo>
+                    <a:pt x="188" y="0"/>
+                    <a:pt x="235" y="47"/>
+                    <a:pt x="235" y="104"/>
+                  </a:cubicBezTo>
+                  <a:cubicBezTo>
+                    <a:pt x="235" y="162"/>
+                    <a:pt x="188" y="208"/>
+                    <a:pt x="131" y="208"/>
+                  </a:cubicBezTo>
+                  <a:cubicBezTo>
+                    <a:pt x="73" y="208"/>
+                    <a:pt x="27" y="162"/>
+                    <a:pt x="27" y="104"/>
+                  </a:cubicBezTo>
+                  <a:close/>
+                  <a:moveTo>
+                    <a:pt x="261" y="339"/>
+                  </a:moveTo>
+                  <a:cubicBezTo>
+                    <a:pt x="261" y="267"/>
+                    <a:pt x="203" y="208"/>
+                    <a:pt x="131" y="208"/>
+                  </a:cubicBezTo>
+                  <a:cubicBezTo>
+                    <a:pt x="59" y="208"/>
+                    <a:pt x="0" y="267"/>
+                    <a:pt x="0" y="339"/>
+                  </a:cubicBezTo>
+                  <a:moveTo>
+                    <a:pt x="74" y="221"/>
+                  </a:moveTo>
+                  <a:cubicBezTo>
+                    <a:pt x="131" y="274"/>
+                    <a:pt x="131" y="274"/>
+                    <a:pt x="131" y="274"/>
+                  </a:cubicBezTo>
+                  <a:cubicBezTo>
+                    <a:pt x="187" y="221"/>
+                    <a:pt x="187" y="221"/>
+                    <a:pt x="187" y="221"/>
+                  </a:cubicBezTo>
+                </a:path>
+              </a:pathLst>
+            </a:custGeom>
+            <a:noFill/>
+            <a:ln w="15875" cap="sq">
+              <a:solidFill>
+                <a:schemeClr val="tx1"/>
+              </a:solidFill>
+              <a:prstDash val="solid"/>
+              <a:miter lim="800000"/>
+            </a:ln>
+            <a:extLst>
+              <a:ext uri="{909E8E84-426E-40DD-AFC4-6F175D3DCCD1}">
+                <a14:hiddenFill xmlns:a14="http://schemas.microsoft.com/office/drawing/2010/main">
+                  <a:solidFill>
+                    <a:srgbClr val="FFFFFF"/>
+                  </a:solidFill>
+                </a14:hiddenFill>
+              </a:ext>
+            </a:extLst>
+          </p:spPr>
+          <p:txBody>
+            <a:bodyPr vert="horz" wrap="square" lIns="91440" tIns="45720" rIns="91440" bIns="45720" numCol="1" anchor="t" anchorCtr="0" compatLnSpc="1"/>
+            <a:lstStyle>
+              <a:defPPr>
+                <a:defRPr lang="en-US"/>
+              </a:defPPr>
+              <a:lvl1pPr marL="0" algn="l" defTabSz="914400" rtl="0" eaLnBrk="1" latinLnBrk="0" hangingPunct="1">
+                <a:defRPr sz="1800" kern="1200">
+                  <a:solidFill>
+                    <a:schemeClr val="tx1"/>
+                  </a:solidFill>
+                  <a:latin typeface="+mn-lt"/>
+                  <a:ea typeface="+mn-ea"/>
+                  <a:cs typeface="+mn-cs"/>
+                </a:defRPr>
+              </a:lvl1pPr>
+              <a:lvl2pPr marL="457200" algn="l" defTabSz="914400" rtl="0" eaLnBrk="1" latinLnBrk="0" hangingPunct="1">
+                <a:defRPr sz="1800" kern="1200">
+                  <a:solidFill>
+                    <a:schemeClr val="tx1"/>
+                  </a:solidFill>
+                  <a:latin typeface="+mn-lt"/>
+                  <a:ea typeface="+mn-ea"/>
+                  <a:cs typeface="+mn-cs"/>
+                </a:defRPr>
+              </a:lvl2pPr>
+              <a:lvl3pPr marL="914400" algn="l" defTabSz="914400" rtl="0" eaLnBrk="1" latinLnBrk="0" hangingPunct="1">
+                <a:defRPr sz="1800" kern="1200">
+                  <a:solidFill>
+                    <a:schemeClr val="tx1"/>
+                  </a:solidFill>
+                  <a:latin typeface="+mn-lt"/>
+                  <a:ea typeface="+mn-ea"/>
+                  <a:cs typeface="+mn-cs"/>
+                </a:defRPr>
+              </a:lvl3pPr>
+              <a:lvl4pPr marL="1371600" algn="l" defTabSz="914400" rtl="0" eaLnBrk="1" latinLnBrk="0" hangingPunct="1">
+                <a:defRPr sz="1800" kern="1200">
+                  <a:solidFill>
+                    <a:schemeClr val="tx1"/>
+                  </a:solidFill>
+                  <a:latin typeface="+mn-lt"/>
+                  <a:ea typeface="+mn-ea"/>
+                  <a:cs typeface="+mn-cs"/>
+                </a:defRPr>
+              </a:lvl4pPr>
+              <a:lvl5pPr marL="1828800" algn="l" defTabSz="914400" rtl="0" eaLnBrk="1" latinLnBrk="0" hangingPunct="1">
+                <a:defRPr sz="1800" kern="1200">
+                  <a:solidFill>
+                    <a:schemeClr val="tx1"/>
+                  </a:solidFill>
+                  <a:latin typeface="+mn-lt"/>
+                  <a:ea typeface="+mn-ea"/>
+                  <a:cs typeface="+mn-cs"/>
+                </a:defRPr>
+              </a:lvl5pPr>
+              <a:lvl6pPr marL="2286000" algn="l" defTabSz="914400" rtl="0" eaLnBrk="1" latinLnBrk="0" hangingPunct="1">
+                <a:defRPr sz="1800" kern="1200">
+                  <a:solidFill>
+                    <a:schemeClr val="tx1"/>
+                  </a:solidFill>
+                  <a:latin typeface="+mn-lt"/>
+                  <a:ea typeface="+mn-ea"/>
+                  <a:cs typeface="+mn-cs"/>
+                </a:defRPr>
+              </a:lvl6pPr>
+              <a:lvl7pPr marL="2743200" algn="l" defTabSz="914400" rtl="0" eaLnBrk="1" latinLnBrk="0" hangingPunct="1">
+                <a:defRPr sz="1800" kern="1200">
+                  <a:solidFill>
+                    <a:schemeClr val="tx1"/>
+                  </a:solidFill>
+                  <a:latin typeface="+mn-lt"/>
+                  <a:ea typeface="+mn-ea"/>
+                  <a:cs typeface="+mn-cs"/>
+                </a:defRPr>
+              </a:lvl7pPr>
+              <a:lvl8pPr marL="3200400" algn="l" defTabSz="914400" rtl="0" eaLnBrk="1" latinLnBrk="0" hangingPunct="1">
+                <a:defRPr sz="1800" kern="1200">
+                  <a:solidFill>
+                    <a:schemeClr val="tx1"/>
+                  </a:solidFill>
+                  <a:latin typeface="+mn-lt"/>
+                  <a:ea typeface="+mn-ea"/>
+                  <a:cs typeface="+mn-cs"/>
+                </a:defRPr>
+              </a:lvl8pPr>
+              <a:lvl9pPr marL="3657600" algn="l" defTabSz="914400" rtl="0" eaLnBrk="1" latinLnBrk="0" hangingPunct="1">
+                <a:defRPr sz="1800" kern="1200">
+                  <a:solidFill>
+                    <a:schemeClr val="tx1"/>
+                  </a:solidFill>
+                  <a:latin typeface="+mn-lt"/>
+                  <a:ea typeface="+mn-ea"/>
+                  <a:cs typeface="+mn-cs"/>
+                </a:defRPr>
+              </a:lvl9pPr>
+            </a:lstStyle>
+            <a:p>
+              <a:endParaRPr lang="en-US" sz="900" dirty="0">
+                <a:gradFill>
+                  <a:gsLst>
+                    <a:gs pos="0">
+                      <a:srgbClr val="505050"/>
+                    </a:gs>
+                    <a:gs pos="100000">
+                      <a:srgbClr val="505050"/>
+                    </a:gs>
+                  </a:gsLst>
+                </a:gradFill>
+              </a:endParaRPr>
+            </a:p>
+          </p:txBody>
+        </p:sp>
+        <p:sp>
+          <p:nvSpPr>
+            <p:cNvPr id="11" name="Speech Bubble: Rectangle with Corners Rounded 7"/>
+            <p:cNvSpPr/>
+            <p:nvPr/>
+          </p:nvSpPr>
+          <p:spPr>
+            <a:xfrm>
+              <a:off x="9277" y="7883"/>
+              <a:ext cx="9413" cy="575"/>
+            </a:xfrm>
+            <a:prstGeom prst="wedgeRoundRectCallout">
+              <a:avLst>
+                <a:gd name="adj1" fmla="val -52736"/>
+                <a:gd name="adj2" fmla="val -6666"/>
+                <a:gd name="adj3" fmla="val 16667"/>
+              </a:avLst>
+            </a:prstGeom>
+            <a:noFill/>
+          </p:spPr>
+          <p:style>
+            <a:lnRef idx="2">
+              <a:schemeClr val="accent1">
+                <a:shade val="50000"/>
+              </a:schemeClr>
+            </a:lnRef>
+            <a:fillRef idx="1">
+              <a:schemeClr val="accent1"/>
+            </a:fillRef>
+            <a:effectRef idx="0">
+              <a:schemeClr val="accent1"/>
+            </a:effectRef>
+            <a:fontRef idx="minor">
+              <a:schemeClr val="lt1"/>
+            </a:fontRef>
+          </p:style>
+          <p:txBody>
+            <a:bodyPr rtlCol="0" anchor="ctr"/>
+            <a:lstStyle>
+              <a:defPPr>
+                <a:defRPr lang="en-US"/>
+              </a:defPPr>
+              <a:lvl1pPr marL="0" algn="l" defTabSz="914400" rtl="0" eaLnBrk="1" latinLnBrk="0" hangingPunct="1">
+                <a:defRPr sz="1800" kern="1200">
+                  <a:solidFill>
+                    <a:schemeClr val="lt1"/>
+                  </a:solidFill>
+                  <a:latin typeface="+mn-lt"/>
+                  <a:ea typeface="+mn-ea"/>
+                  <a:cs typeface="+mn-cs"/>
+                </a:defRPr>
+              </a:lvl1pPr>
+              <a:lvl2pPr marL="457200" algn="l" defTabSz="914400" rtl="0" eaLnBrk="1" latinLnBrk="0" hangingPunct="1">
+                <a:defRPr sz="1800" kern="1200">
+                  <a:solidFill>
+                    <a:schemeClr val="lt1"/>
+                  </a:solidFill>
+                  <a:latin typeface="+mn-lt"/>
+                  <a:ea typeface="+mn-ea"/>
+                  <a:cs typeface="+mn-cs"/>
+                </a:defRPr>
+              </a:lvl2pPr>
+              <a:lvl3pPr marL="914400" algn="l" defTabSz="914400" rtl="0" eaLnBrk="1" latinLnBrk="0" hangingPunct="1">
+                <a:defRPr sz="1800" kern="1200">
+                  <a:solidFill>
+                    <a:schemeClr val="lt1"/>
+                  </a:solidFill>
+                  <a:latin typeface="+mn-lt"/>
+                  <a:ea typeface="+mn-ea"/>
+                  <a:cs typeface="+mn-cs"/>
+                </a:defRPr>
+              </a:lvl3pPr>
+              <a:lvl4pPr marL="1371600" algn="l" defTabSz="914400" rtl="0" eaLnBrk="1" latinLnBrk="0" hangingPunct="1">
+                <a:defRPr sz="1800" kern="1200">
+                  <a:solidFill>
+                    <a:schemeClr val="lt1"/>
+                  </a:solidFill>
+                  <a:latin typeface="+mn-lt"/>
+                  <a:ea typeface="+mn-ea"/>
+                  <a:cs typeface="+mn-cs"/>
+                </a:defRPr>
+              </a:lvl4pPr>
+              <a:lvl5pPr marL="1828800" algn="l" defTabSz="914400" rtl="0" eaLnBrk="1" latinLnBrk="0" hangingPunct="1">
+                <a:defRPr sz="1800" kern="1200">
+                  <a:solidFill>
+                    <a:schemeClr val="lt1"/>
+                  </a:solidFill>
+                  <a:latin typeface="+mn-lt"/>
+                  <a:ea typeface="+mn-ea"/>
+                  <a:cs typeface="+mn-cs"/>
+                </a:defRPr>
+              </a:lvl5pPr>
+              <a:lvl6pPr marL="2286000" algn="l" defTabSz="914400" rtl="0" eaLnBrk="1" latinLnBrk="0" hangingPunct="1">
+                <a:defRPr sz="1800" kern="1200">
+                  <a:solidFill>
+                    <a:schemeClr val="lt1"/>
+                  </a:solidFill>
+                  <a:latin typeface="+mn-lt"/>
+                  <a:ea typeface="+mn-ea"/>
+                  <a:cs typeface="+mn-cs"/>
+                </a:defRPr>
+              </a:lvl6pPr>
+              <a:lvl7pPr marL="2743200" algn="l" defTabSz="914400" rtl="0" eaLnBrk="1" latinLnBrk="0" hangingPunct="1">
+                <a:defRPr sz="1800" kern="1200">
+                  <a:solidFill>
+                    <a:schemeClr val="lt1"/>
+                  </a:solidFill>
+                  <a:latin typeface="+mn-lt"/>
+                  <a:ea typeface="+mn-ea"/>
+                  <a:cs typeface="+mn-cs"/>
+                </a:defRPr>
+              </a:lvl7pPr>
+              <a:lvl8pPr marL="3200400" algn="l" defTabSz="914400" rtl="0" eaLnBrk="1" latinLnBrk="0" hangingPunct="1">
+                <a:defRPr sz="1800" kern="1200">
+                  <a:solidFill>
+                    <a:schemeClr val="lt1"/>
+                  </a:solidFill>
+                  <a:latin typeface="+mn-lt"/>
+                  <a:ea typeface="+mn-ea"/>
+                  <a:cs typeface="+mn-cs"/>
+                </a:defRPr>
+              </a:lvl8pPr>
+              <a:lvl9pPr marL="3657600" algn="l" defTabSz="914400" rtl="0" eaLnBrk="1" latinLnBrk="0" hangingPunct="1">
+                <a:defRPr sz="1800" kern="1200">
+                  <a:solidFill>
+                    <a:schemeClr val="lt1"/>
+                  </a:solidFill>
+                  <a:latin typeface="+mn-lt"/>
+                  <a:ea typeface="+mn-ea"/>
+                  <a:cs typeface="+mn-cs"/>
+                </a:defRPr>
+              </a:lvl9pPr>
+            </a:lstStyle>
+            <a:p>
+              <a:pPr algn="ctr"/>
+              <a:r>
+                <a:rPr lang="en-US" sz="2400" dirty="0">
+                  <a:solidFill>
+                    <a:schemeClr val="tx1"/>
+                  </a:solidFill>
+                </a:rPr>
+                <a:t>Flights from Cairo to Seattle Today</a:t>
+              </a:r>
+              <a:endParaRPr lang="en-US" sz="2400" dirty="0">
+                <a:solidFill>
+                  <a:schemeClr val="tx1"/>
+                </a:solidFill>
+              </a:endParaRPr>
+            </a:p>
+          </p:txBody>
+        </p:sp>
+        <p:sp>
+          <p:nvSpPr>
+            <p:cNvPr id="12" name="TextBox 8"/>
+            <p:cNvSpPr txBox="1"/>
+            <p:nvPr/>
+          </p:nvSpPr>
+          <p:spPr>
+            <a:xfrm>
+              <a:off x="11434" y="8945"/>
+              <a:ext cx="1430" cy="434"/>
+            </a:xfrm>
+            <a:prstGeom prst="rect">
+              <a:avLst/>
+            </a:prstGeom>
+            <a:noFill/>
+          </p:spPr>
+          <p:txBody>
+            <a:bodyPr wrap="square" rtlCol="0">
+              <a:spAutoFit/>
+            </a:bodyPr>
+            <a:lstStyle>
+              <a:defPPr>
+                <a:defRPr lang="en-US"/>
+              </a:defPPr>
+              <a:lvl1pPr marL="0" algn="l" defTabSz="914400" rtl="0" eaLnBrk="1" latinLnBrk="0" hangingPunct="1">
+                <a:defRPr sz="1800" kern="1200">
+                  <a:solidFill>
+                    <a:schemeClr val="tx1"/>
+                  </a:solidFill>
+                  <a:latin typeface="+mn-lt"/>
+                  <a:ea typeface="+mn-ea"/>
+                  <a:cs typeface="+mn-cs"/>
+                </a:defRPr>
+              </a:lvl1pPr>
+              <a:lvl2pPr marL="457200" algn="l" defTabSz="914400" rtl="0" eaLnBrk="1" latinLnBrk="0" hangingPunct="1">
+                <a:defRPr sz="1800" kern="1200">
+                  <a:solidFill>
+                    <a:schemeClr val="tx1"/>
+                  </a:solidFill>
+                  <a:latin typeface="+mn-lt"/>
+                  <a:ea typeface="+mn-ea"/>
+                  <a:cs typeface="+mn-cs"/>
+                </a:defRPr>
+              </a:lvl2pPr>
+              <a:lvl3pPr marL="914400" algn="l" defTabSz="914400" rtl="0" eaLnBrk="1" latinLnBrk="0" hangingPunct="1">
+                <a:defRPr sz="1800" kern="1200">
+                  <a:solidFill>
+                    <a:schemeClr val="tx1"/>
+                  </a:solidFill>
+                  <a:latin typeface="+mn-lt"/>
+                  <a:ea typeface="+mn-ea"/>
+                  <a:cs typeface="+mn-cs"/>
+                </a:defRPr>
+              </a:lvl3pPr>
+              <a:lvl4pPr marL="1371600" algn="l" defTabSz="914400" rtl="0" eaLnBrk="1" latinLnBrk="0" hangingPunct="1">
+                <a:defRPr sz="1800" kern="1200">
+                  <a:solidFill>
+                    <a:schemeClr val="tx1"/>
+                  </a:solidFill>
+                  <a:latin typeface="+mn-lt"/>
+                  <a:ea typeface="+mn-ea"/>
+                  <a:cs typeface="+mn-cs"/>
+                </a:defRPr>
+              </a:lvl4pPr>
+              <a:lvl5pPr marL="1828800" algn="l" defTabSz="914400" rtl="0" eaLnBrk="1" latinLnBrk="0" hangingPunct="1">
+                <a:defRPr sz="1800" kern="1200">
+                  <a:solidFill>
+                    <a:schemeClr val="tx1"/>
+                  </a:solidFill>
+                  <a:latin typeface="+mn-lt"/>
+                  <a:ea typeface="+mn-ea"/>
+                  <a:cs typeface="+mn-cs"/>
+                </a:defRPr>
+              </a:lvl5pPr>
+              <a:lvl6pPr marL="2286000" algn="l" defTabSz="914400" rtl="0" eaLnBrk="1" latinLnBrk="0" hangingPunct="1">
+                <a:defRPr sz="1800" kern="1200">
+                  <a:solidFill>
+                    <a:schemeClr val="tx1"/>
+                  </a:solidFill>
+                  <a:latin typeface="+mn-lt"/>
+                  <a:ea typeface="+mn-ea"/>
+                  <a:cs typeface="+mn-cs"/>
+                </a:defRPr>
+              </a:lvl6pPr>
+              <a:lvl7pPr marL="2743200" algn="l" defTabSz="914400" rtl="0" eaLnBrk="1" latinLnBrk="0" hangingPunct="1">
+                <a:defRPr sz="1800" kern="1200">
+                  <a:solidFill>
+                    <a:schemeClr val="tx1"/>
+                  </a:solidFill>
+                  <a:latin typeface="+mn-lt"/>
+                  <a:ea typeface="+mn-ea"/>
+                  <a:cs typeface="+mn-cs"/>
+                </a:defRPr>
+              </a:lvl7pPr>
+              <a:lvl8pPr marL="3200400" algn="l" defTabSz="914400" rtl="0" eaLnBrk="1" latinLnBrk="0" hangingPunct="1">
+                <a:defRPr sz="1800" kern="1200">
+                  <a:solidFill>
+                    <a:schemeClr val="tx1"/>
+                  </a:solidFill>
+                  <a:latin typeface="+mn-lt"/>
+                  <a:ea typeface="+mn-ea"/>
+                  <a:cs typeface="+mn-cs"/>
+                </a:defRPr>
+              </a:lvl8pPr>
+              <a:lvl9pPr marL="3657600" algn="l" defTabSz="914400" rtl="0" eaLnBrk="1" latinLnBrk="0" hangingPunct="1">
+                <a:defRPr sz="1800" kern="1200">
+                  <a:solidFill>
+                    <a:schemeClr val="tx1"/>
+                  </a:solidFill>
+                  <a:latin typeface="+mn-lt"/>
+                  <a:ea typeface="+mn-ea"/>
+                  <a:cs typeface="+mn-cs"/>
+                </a:defRPr>
+              </a:lvl9pPr>
+            </a:lstStyle>
+            <a:p>
+              <a:r>
+                <a:rPr lang="en-US" sz="1200" dirty="0" err="1"/>
+                <a:t>OriginCity</a:t>
+              </a:r>
+              <a:endParaRPr lang="en-US" dirty="0"/>
+            </a:p>
+          </p:txBody>
+        </p:sp>
+        <p:sp>
+          <p:nvSpPr>
+            <p:cNvPr id="13" name="TextBox 9"/>
+            <p:cNvSpPr txBox="1"/>
+            <p:nvPr/>
+          </p:nvSpPr>
+          <p:spPr>
+            <a:xfrm>
+              <a:off x="14106" y="9008"/>
+              <a:ext cx="2086" cy="434"/>
+            </a:xfrm>
+            <a:prstGeom prst="rect">
+              <a:avLst/>
+            </a:prstGeom>
+            <a:noFill/>
+          </p:spPr>
+          <p:txBody>
+            <a:bodyPr wrap="square" rtlCol="0">
+              <a:spAutoFit/>
+            </a:bodyPr>
+            <a:lstStyle>
+              <a:defPPr>
+                <a:defRPr lang="en-US"/>
+              </a:defPPr>
+              <a:lvl1pPr marL="0" algn="l" defTabSz="914400" rtl="0" eaLnBrk="1" latinLnBrk="0" hangingPunct="1">
+                <a:defRPr sz="1800" kern="1200">
+                  <a:solidFill>
+                    <a:schemeClr val="tx1"/>
+                  </a:solidFill>
+                  <a:latin typeface="+mn-lt"/>
+                  <a:ea typeface="+mn-ea"/>
+                  <a:cs typeface="+mn-cs"/>
+                </a:defRPr>
+              </a:lvl1pPr>
+              <a:lvl2pPr marL="457200" algn="l" defTabSz="914400" rtl="0" eaLnBrk="1" latinLnBrk="0" hangingPunct="1">
+                <a:defRPr sz="1800" kern="1200">
+                  <a:solidFill>
+                    <a:schemeClr val="tx1"/>
+                  </a:solidFill>
+                  <a:latin typeface="+mn-lt"/>
+                  <a:ea typeface="+mn-ea"/>
+                  <a:cs typeface="+mn-cs"/>
+                </a:defRPr>
+              </a:lvl2pPr>
+              <a:lvl3pPr marL="914400" algn="l" defTabSz="914400" rtl="0" eaLnBrk="1" latinLnBrk="0" hangingPunct="1">
+                <a:defRPr sz="1800" kern="1200">
+                  <a:solidFill>
+                    <a:schemeClr val="tx1"/>
+                  </a:solidFill>
+                  <a:latin typeface="+mn-lt"/>
+                  <a:ea typeface="+mn-ea"/>
+                  <a:cs typeface="+mn-cs"/>
+                </a:defRPr>
+              </a:lvl3pPr>
+              <a:lvl4pPr marL="1371600" algn="l" defTabSz="914400" rtl="0" eaLnBrk="1" latinLnBrk="0" hangingPunct="1">
+                <a:defRPr sz="1800" kern="1200">
+                  <a:solidFill>
+                    <a:schemeClr val="tx1"/>
+                  </a:solidFill>
+                  <a:latin typeface="+mn-lt"/>
+                  <a:ea typeface="+mn-ea"/>
+                  <a:cs typeface="+mn-cs"/>
+                </a:defRPr>
+              </a:lvl4pPr>
+              <a:lvl5pPr marL="1828800" algn="l" defTabSz="914400" rtl="0" eaLnBrk="1" latinLnBrk="0" hangingPunct="1">
+                <a:defRPr sz="1800" kern="1200">
+                  <a:solidFill>
+                    <a:schemeClr val="tx1"/>
+                  </a:solidFill>
+                  <a:latin typeface="+mn-lt"/>
+                  <a:ea typeface="+mn-ea"/>
+                  <a:cs typeface="+mn-cs"/>
+                </a:defRPr>
+              </a:lvl5pPr>
+              <a:lvl6pPr marL="2286000" algn="l" defTabSz="914400" rtl="0" eaLnBrk="1" latinLnBrk="0" hangingPunct="1">
+                <a:defRPr sz="1800" kern="1200">
+                  <a:solidFill>
+                    <a:schemeClr val="tx1"/>
+                  </a:solidFill>
+                  <a:latin typeface="+mn-lt"/>
+                  <a:ea typeface="+mn-ea"/>
+                  <a:cs typeface="+mn-cs"/>
+                </a:defRPr>
+              </a:lvl6pPr>
+              <a:lvl7pPr marL="2743200" algn="l" defTabSz="914400" rtl="0" eaLnBrk="1" latinLnBrk="0" hangingPunct="1">
+                <a:defRPr sz="1800" kern="1200">
+                  <a:solidFill>
+                    <a:schemeClr val="tx1"/>
+                  </a:solidFill>
+                  <a:latin typeface="+mn-lt"/>
+                  <a:ea typeface="+mn-ea"/>
+                  <a:cs typeface="+mn-cs"/>
+                </a:defRPr>
+              </a:lvl7pPr>
+              <a:lvl8pPr marL="3200400" algn="l" defTabSz="914400" rtl="0" eaLnBrk="1" latinLnBrk="0" hangingPunct="1">
+                <a:defRPr sz="1800" kern="1200">
+                  <a:solidFill>
+                    <a:schemeClr val="tx1"/>
+                  </a:solidFill>
+                  <a:latin typeface="+mn-lt"/>
+                  <a:ea typeface="+mn-ea"/>
+                  <a:cs typeface="+mn-cs"/>
+                </a:defRPr>
+              </a:lvl8pPr>
+              <a:lvl9pPr marL="3657600" algn="l" defTabSz="914400" rtl="0" eaLnBrk="1" latinLnBrk="0" hangingPunct="1">
+                <a:defRPr sz="1800" kern="1200">
+                  <a:solidFill>
+                    <a:schemeClr val="tx1"/>
+                  </a:solidFill>
+                  <a:latin typeface="+mn-lt"/>
+                  <a:ea typeface="+mn-ea"/>
+                  <a:cs typeface="+mn-cs"/>
+                </a:defRPr>
+              </a:lvl9pPr>
+            </a:lstStyle>
+            <a:p>
+              <a:r>
+                <a:rPr lang="en-US" sz="1200" dirty="0" err="1"/>
+                <a:t>DestinationCity</a:t>
+              </a:r>
+              <a:endParaRPr lang="en-US" dirty="0"/>
+            </a:p>
+          </p:txBody>
+        </p:sp>
+        <p:sp>
+          <p:nvSpPr>
+            <p:cNvPr id="14" name="TextBox 10"/>
+            <p:cNvSpPr txBox="1"/>
+            <p:nvPr/>
+          </p:nvSpPr>
+          <p:spPr>
+            <a:xfrm>
+              <a:off x="17567" y="8883"/>
+              <a:ext cx="836" cy="434"/>
+            </a:xfrm>
+            <a:prstGeom prst="rect">
+              <a:avLst/>
+            </a:prstGeom>
+            <a:noFill/>
+          </p:spPr>
+          <p:txBody>
+            <a:bodyPr wrap="square" rtlCol="0">
+              <a:spAutoFit/>
+            </a:bodyPr>
+            <a:lstStyle>
+              <a:defPPr>
+                <a:defRPr lang="en-US"/>
+              </a:defPPr>
+              <a:lvl1pPr marL="0" algn="l" defTabSz="914400" rtl="0" eaLnBrk="1" latinLnBrk="0" hangingPunct="1">
+                <a:defRPr sz="1800" kern="1200">
+                  <a:solidFill>
+                    <a:schemeClr val="tx1"/>
+                  </a:solidFill>
+                  <a:latin typeface="+mn-lt"/>
+                  <a:ea typeface="+mn-ea"/>
+                  <a:cs typeface="+mn-cs"/>
+                </a:defRPr>
+              </a:lvl1pPr>
+              <a:lvl2pPr marL="457200" algn="l" defTabSz="914400" rtl="0" eaLnBrk="1" latinLnBrk="0" hangingPunct="1">
+                <a:defRPr sz="1800" kern="1200">
+                  <a:solidFill>
+                    <a:schemeClr val="tx1"/>
+                  </a:solidFill>
+                  <a:latin typeface="+mn-lt"/>
+                  <a:ea typeface="+mn-ea"/>
+                  <a:cs typeface="+mn-cs"/>
+                </a:defRPr>
+              </a:lvl2pPr>
+              <a:lvl3pPr marL="914400" algn="l" defTabSz="914400" rtl="0" eaLnBrk="1" latinLnBrk="0" hangingPunct="1">
+                <a:defRPr sz="1800" kern="1200">
+                  <a:solidFill>
+                    <a:schemeClr val="tx1"/>
+                  </a:solidFill>
+                  <a:latin typeface="+mn-lt"/>
+                  <a:ea typeface="+mn-ea"/>
+                  <a:cs typeface="+mn-cs"/>
+                </a:defRPr>
+              </a:lvl3pPr>
+              <a:lvl4pPr marL="1371600" algn="l" defTabSz="914400" rtl="0" eaLnBrk="1" latinLnBrk="0" hangingPunct="1">
+                <a:defRPr sz="1800" kern="1200">
+                  <a:solidFill>
+                    <a:schemeClr val="tx1"/>
+                  </a:solidFill>
+                  <a:latin typeface="+mn-lt"/>
+                  <a:ea typeface="+mn-ea"/>
+                  <a:cs typeface="+mn-cs"/>
+                </a:defRPr>
+              </a:lvl4pPr>
+              <a:lvl5pPr marL="1828800" algn="l" defTabSz="914400" rtl="0" eaLnBrk="1" latinLnBrk="0" hangingPunct="1">
+                <a:defRPr sz="1800" kern="1200">
+                  <a:solidFill>
+                    <a:schemeClr val="tx1"/>
+                  </a:solidFill>
+                  <a:latin typeface="+mn-lt"/>
+                  <a:ea typeface="+mn-ea"/>
+                  <a:cs typeface="+mn-cs"/>
+                </a:defRPr>
+              </a:lvl5pPr>
+              <a:lvl6pPr marL="2286000" algn="l" defTabSz="914400" rtl="0" eaLnBrk="1" latinLnBrk="0" hangingPunct="1">
+                <a:defRPr sz="1800" kern="1200">
+                  <a:solidFill>
+                    <a:schemeClr val="tx1"/>
+                  </a:solidFill>
+                  <a:latin typeface="+mn-lt"/>
+                  <a:ea typeface="+mn-ea"/>
+                  <a:cs typeface="+mn-cs"/>
+                </a:defRPr>
+              </a:lvl6pPr>
+              <a:lvl7pPr marL="2743200" algn="l" defTabSz="914400" rtl="0" eaLnBrk="1" latinLnBrk="0" hangingPunct="1">
+                <a:defRPr sz="1800" kern="1200">
+                  <a:solidFill>
+                    <a:schemeClr val="tx1"/>
+                  </a:solidFill>
+                  <a:latin typeface="+mn-lt"/>
+                  <a:ea typeface="+mn-ea"/>
+                  <a:cs typeface="+mn-cs"/>
+                </a:defRPr>
+              </a:lvl7pPr>
+              <a:lvl8pPr marL="3200400" algn="l" defTabSz="914400" rtl="0" eaLnBrk="1" latinLnBrk="0" hangingPunct="1">
+                <a:defRPr sz="1800" kern="1200">
+                  <a:solidFill>
+                    <a:schemeClr val="tx1"/>
+                  </a:solidFill>
+                  <a:latin typeface="+mn-lt"/>
+                  <a:ea typeface="+mn-ea"/>
+                  <a:cs typeface="+mn-cs"/>
+                </a:defRPr>
+              </a:lvl8pPr>
+              <a:lvl9pPr marL="3657600" algn="l" defTabSz="914400" rtl="0" eaLnBrk="1" latinLnBrk="0" hangingPunct="1">
+                <a:defRPr sz="1800" kern="1200">
+                  <a:solidFill>
+                    <a:schemeClr val="tx1"/>
+                  </a:solidFill>
+                  <a:latin typeface="+mn-lt"/>
+                  <a:ea typeface="+mn-ea"/>
+                  <a:cs typeface="+mn-cs"/>
+                </a:defRPr>
+              </a:lvl9pPr>
+            </a:lstStyle>
+            <a:p>
+              <a:r>
+                <a:rPr lang="en-US" sz="1200" dirty="0"/>
+                <a:t>Date</a:t>
+              </a:r>
+              <a:endParaRPr lang="en-US" dirty="0"/>
+            </a:p>
+          </p:txBody>
+        </p:sp>
+        <p:cxnSp>
+          <p:nvCxnSpPr>
+            <p:cNvPr id="15" name="Straight Arrow Connector 14"/>
+            <p:cNvCxnSpPr/>
+            <p:nvPr/>
+          </p:nvCxnSpPr>
+          <p:spPr>
+            <a:xfrm flipV="1">
+              <a:off x="12149" y="8488"/>
+              <a:ext cx="1540" cy="482"/>
+            </a:xfrm>
+            <a:prstGeom prst="straightConnector1">
+              <a:avLst/>
+            </a:prstGeom>
+            <a:ln>
+              <a:tailEnd type="triangle"/>
+            </a:ln>
+          </p:spPr>
+          <p:style>
+            <a:lnRef idx="1">
+              <a:schemeClr val="accent1"/>
+            </a:lnRef>
+            <a:fillRef idx="0">
+              <a:schemeClr val="accent1"/>
+            </a:fillRef>
+            <a:effectRef idx="0">
+              <a:schemeClr val="accent1"/>
+            </a:effectRef>
+            <a:fontRef idx="minor">
+              <a:schemeClr val="tx1"/>
+            </a:fontRef>
+          </p:style>
+        </p:cxnSp>
+        <p:cxnSp>
+          <p:nvCxnSpPr>
+            <p:cNvPr id="16" name="Straight Arrow Connector 15"/>
+            <p:cNvCxnSpPr>
+              <a:stCxn id="13" idx="0"/>
+            </p:cNvCxnSpPr>
+            <p:nvPr/>
+          </p:nvCxnSpPr>
+          <p:spPr>
+            <a:xfrm flipV="1">
+              <a:off x="15149" y="8479"/>
+              <a:ext cx="0" cy="529"/>
+            </a:xfrm>
+            <a:prstGeom prst="straightConnector1">
+              <a:avLst/>
+            </a:prstGeom>
+            <a:ln>
+              <a:tailEnd type="triangle"/>
+            </a:ln>
+          </p:spPr>
+          <p:style>
+            <a:lnRef idx="1">
+              <a:schemeClr val="accent1"/>
+            </a:lnRef>
+            <a:fillRef idx="0">
+              <a:schemeClr val="accent1"/>
+            </a:fillRef>
+            <a:effectRef idx="0">
+              <a:schemeClr val="accent1"/>
+            </a:effectRef>
+            <a:fontRef idx="minor">
+              <a:schemeClr val="tx1"/>
+            </a:fontRef>
+          </p:style>
+        </p:cxnSp>
+        <p:cxnSp>
+          <p:nvCxnSpPr>
+            <p:cNvPr id="18" name="Straight Arrow Connector 17"/>
+            <p:cNvCxnSpPr>
+              <a:stCxn id="14" idx="0"/>
+            </p:cNvCxnSpPr>
+            <p:nvPr/>
+          </p:nvCxnSpPr>
+          <p:spPr>
+            <a:xfrm flipH="1" flipV="1">
+              <a:off x="16541" y="8387"/>
+              <a:ext cx="1444" cy="496"/>
+            </a:xfrm>
+            <a:prstGeom prst="straightConnector1">
+              <a:avLst/>
+            </a:prstGeom>
+            <a:ln>
+              <a:tailEnd type="triangle"/>
+            </a:ln>
+          </p:spPr>
+          <p:style>
+            <a:lnRef idx="1">
+              <a:schemeClr val="accent1"/>
+            </a:lnRef>
+            <a:fillRef idx="0">
+              <a:schemeClr val="accent1"/>
+            </a:fillRef>
+            <a:effectRef idx="0">
+              <a:schemeClr val="accent1"/>
+            </a:effectRef>
+            <a:fontRef idx="minor">
+              <a:schemeClr val="tx1"/>
+            </a:fontRef>
+          </p:style>
+        </p:cxnSp>
+      </p:grpSp>
     </p:spTree>
   </p:cSld>
   <p:clrMapOvr>

--- a/Slide Deck/Conversational AI Build NLU model using LUIS(MLSA).pptx
+++ b/Slide Deck/Conversational AI Build NLU model using LUIS(MLSA).pptx
@@ -12,17 +12,15 @@
     <p:sldId id="258" r:id="rId5"/>
     <p:sldId id="259" r:id="rId6"/>
     <p:sldId id="262" r:id="rId7"/>
-    <p:sldId id="270" r:id="rId8"/>
-    <p:sldId id="263" r:id="rId9"/>
+    <p:sldId id="263" r:id="rId8"/>
+    <p:sldId id="272" r:id="rId9"/>
     <p:sldId id="271" r:id="rId10"/>
-    <p:sldId id="272" r:id="rId11"/>
-    <p:sldId id="273" r:id="rId12"/>
-    <p:sldId id="274" r:id="rId13"/>
-    <p:sldId id="275" r:id="rId14"/>
-    <p:sldId id="276" r:id="rId15"/>
-    <p:sldId id="277" r:id="rId16"/>
-    <p:sldId id="280" r:id="rId17"/>
-    <p:sldId id="281" r:id="rId18"/>
+    <p:sldId id="273" r:id="rId11"/>
+    <p:sldId id="274" r:id="rId12"/>
+    <p:sldId id="275" r:id="rId13"/>
+    <p:sldId id="276" r:id="rId14"/>
+    <p:sldId id="281" r:id="rId15"/>
+    <p:sldId id="282" r:id="rId16"/>
   </p:sldIdLst>
   <p:sldSz cx="12192000" cy="6858000"/>
   <p:notesSz cx="6858000" cy="9144000"/>
@@ -1474,179 +1472,6 @@
 </p:notes>
 </file>
 
-<file path=ppt/notesSlides/notesSlide14.xml><?xml version="1.0" encoding="utf-8"?>
-<p:notes xmlns:a="http://schemas.openxmlformats.org/drawingml/2006/main" xmlns:r="http://schemas.openxmlformats.org/officeDocument/2006/relationships" xmlns:p="http://schemas.openxmlformats.org/presentationml/2006/main">
-  <p:cSld>
-    <p:spTree>
-      <p:nvGrpSpPr>
-        <p:cNvPr id="1" name=""/>
-        <p:cNvGrpSpPr/>
-        <p:nvPr/>
-      </p:nvGrpSpPr>
-      <p:grpSpPr>
-        <a:xfrm>
-          <a:off x="0" y="0"/>
-          <a:ext cx="0" cy="0"/>
-          <a:chOff x="0" y="0"/>
-          <a:chExt cx="0" cy="0"/>
-        </a:xfrm>
-      </p:grpSpPr>
-      <p:sp>
-        <p:nvSpPr>
-          <p:cNvPr id="2" name="Slide Image Placeholder 1"/>
-          <p:cNvSpPr>
-            <a:spLocks noGrp="1" noRot="1" noChangeAspect="1"/>
-          </p:cNvSpPr>
-          <p:nvPr>
-            <p:ph type="sldImg"/>
-          </p:nvPr>
-        </p:nvSpPr>
-        <p:spPr/>
-      </p:sp>
-      <p:sp>
-        <p:nvSpPr>
-          <p:cNvPr id="3" name="Notes Placeholder 2"/>
-          <p:cNvSpPr>
-            <a:spLocks noGrp="1"/>
-          </p:cNvSpPr>
-          <p:nvPr>
-            <p:ph type="body" idx="1"/>
-          </p:nvPr>
-        </p:nvSpPr>
-        <p:spPr/>
-        <p:txBody>
-          <a:bodyPr/>
-          <a:lstStyle/>
-          <a:p>
-            <a:endParaRPr lang="en-US" dirty="0"/>
-          </a:p>
-        </p:txBody>
-      </p:sp>
-      <p:sp>
-        <p:nvSpPr>
-          <p:cNvPr id="4" name="Header Placeholder 3"/>
-          <p:cNvSpPr>
-            <a:spLocks noGrp="1"/>
-          </p:cNvSpPr>
-          <p:nvPr>
-            <p:ph type="hdr" sz="quarter" idx="10"/>
-          </p:nvPr>
-        </p:nvSpPr>
-        <p:spPr/>
-        <p:txBody>
-          <a:bodyPr/>
-          <a:lstStyle/>
-          <a:p>
-            <a:endParaRPr lang="en-US" dirty="0"/>
-          </a:p>
-        </p:txBody>
-      </p:sp>
-      <p:sp>
-        <p:nvSpPr>
-          <p:cNvPr id="5" name="Footer Placeholder 4"/>
-          <p:cNvSpPr>
-            <a:spLocks noGrp="1"/>
-          </p:cNvSpPr>
-          <p:nvPr>
-            <p:ph type="ftr" sz="quarter" idx="11"/>
-          </p:nvPr>
-        </p:nvSpPr>
-        <p:spPr/>
-        <p:txBody>
-          <a:bodyPr/>
-          <a:lstStyle/>
-          <a:p>
-            <a:pPr defTabSz="914400" eaLnBrk="0" hangingPunct="0"/>
-            <a:r>
-              <a:rPr lang="en-US" sz="400" dirty="0">
-                <a:gradFill>
-                  <a:gsLst>
-                    <a:gs pos="0">
-                      <a:prstClr val="black"/>
-                    </a:gs>
-                    <a:gs pos="100000">
-                      <a:prstClr val="black"/>
-                    </a:gs>
-                  </a:gsLst>
-                  <a:lin ang="5400000" scaled="0"/>
-                </a:gradFill>
-                <a:latin typeface="Segoe UI" panose="020B0502040204020203" pitchFamily="34" charset="0"/>
-                <a:ea typeface="Segoe UI" panose="020B0502040204020203" pitchFamily="34" charset="0"/>
-                <a:cs typeface="Segoe UI" panose="020B0502040204020203" pitchFamily="34" charset="0"/>
-              </a:rPr>
-              <a:t>© Microsoft Corporation. All rights reserved. MICROSOFT MAKES NO WARRANTIES, EXPRESS, IMPLIED OR STATUTORY, AS TO THE INFORMATION IN THIS PRESENTATION.</a:t>
-            </a:r>
-            <a:endParaRPr lang="en-US" sz="400" dirty="0">
-              <a:gradFill>
-                <a:gsLst>
-                  <a:gs pos="0">
-                    <a:prstClr val="black"/>
-                  </a:gs>
-                  <a:gs pos="100000">
-                    <a:prstClr val="black"/>
-                  </a:gs>
-                </a:gsLst>
-                <a:lin ang="5400000" scaled="0"/>
-              </a:gradFill>
-              <a:latin typeface="Segoe UI" panose="020B0502040204020203" pitchFamily="34" charset="0"/>
-              <a:ea typeface="Segoe UI" panose="020B0502040204020203" pitchFamily="34" charset="0"/>
-              <a:cs typeface="Segoe UI" panose="020B0502040204020203" pitchFamily="34" charset="0"/>
-            </a:endParaRPr>
-          </a:p>
-        </p:txBody>
-      </p:sp>
-      <p:sp>
-        <p:nvSpPr>
-          <p:cNvPr id="6" name="Date Placeholder 5"/>
-          <p:cNvSpPr>
-            <a:spLocks noGrp="1"/>
-          </p:cNvSpPr>
-          <p:nvPr>
-            <p:ph type="dt" idx="12"/>
-          </p:nvPr>
-        </p:nvSpPr>
-        <p:spPr/>
-        <p:txBody>
-          <a:bodyPr/>
-          <a:lstStyle/>
-          <a:p>
-            <a:fld id="{72E0C910-0166-48E0-B8EF-5071277A02A8}" type="datetime8">
-              <a:rPr lang="en-US" smtClean="0"/>
-            </a:fld>
-            <a:endParaRPr lang="en-US" dirty="0"/>
-          </a:p>
-        </p:txBody>
-      </p:sp>
-      <p:sp>
-        <p:nvSpPr>
-          <p:cNvPr id="7" name="Slide Number Placeholder 6"/>
-          <p:cNvSpPr>
-            <a:spLocks noGrp="1"/>
-          </p:cNvSpPr>
-          <p:nvPr>
-            <p:ph type="sldNum" sz="quarter" idx="13"/>
-          </p:nvPr>
-        </p:nvSpPr>
-        <p:spPr/>
-        <p:txBody>
-          <a:bodyPr/>
-          <a:lstStyle/>
-          <a:p>
-            <a:fld id="{B4008EB6-D09E-4580-8CD6-DDB14511944F}" type="slidenum">
-              <a:rPr lang="en-US" smtClean="0"/>
-            </a:fld>
-            <a:endParaRPr lang="en-US" dirty="0"/>
-          </a:p>
-        </p:txBody>
-      </p:sp>
-    </p:spTree>
-  </p:cSld>
-  <p:clrMapOvr>
-    <a:masterClrMapping/>
-  </p:clrMapOvr>
-</p:notes>
-</file>
-
 <file path=ppt/notesSlides/notesSlide2.xml><?xml version="1.0" encoding="utf-8"?>
 <p:notes xmlns:a="http://schemas.openxmlformats.org/drawingml/2006/main" xmlns:r="http://schemas.openxmlformats.org/officeDocument/2006/relationships" xmlns:p="http://schemas.openxmlformats.org/presentationml/2006/main">
   <p:cSld>
@@ -2383,17 +2208,6 @@
           <a:bodyPr/>
           <a:lstStyle/>
           <a:p>
-            <a:r>
-              <a:rPr lang="en-US" dirty="0"/>
-              <a:t>Utterances-Utterances are pure NLP training. As we discussed before, there are multiple ways to say one single thing.</a:t>
-            </a:r>
-            <a:endParaRPr lang="en-US" dirty="0"/>
-          </a:p>
-          <a:p>
-            <a:r>
-              <a:rPr lang="en-US" dirty="0"/>
-              <a:t>Our bot can tell user where the store is located, but for the NLP application to tell us what is the user’s intent, we first need to give it examples of how the user could ask for it. To do so, we will simply input a range of utterances (sentences) that mean the same thing, « I want to get the store’s location », and tell the NLP application that these utterances mean the user wants to know where is located the store.  After a proper NLP training process, based on your utterances, your NLP application will be able to tell you what the user wants to say.</a:t>
-            </a:r>
             <a:endParaRPr lang="en-US" dirty="0"/>
           </a:p>
         </p:txBody>
@@ -7045,8 +6859,8 @@
         </p:nvSpPr>
         <p:spPr>
           <a:xfrm>
-            <a:off x="588010" y="1697990"/>
-            <a:ext cx="5003800" cy="553720"/>
+            <a:off x="588263" y="411480"/>
+            <a:ext cx="11018520" cy="553998"/>
           </a:xfrm>
         </p:spPr>
         <p:txBody>
@@ -7056,14 +6870,14 @@
           <a:lstStyle/>
           <a:p>
             <a:r>
-              <a:rPr lang="en-US" sz="2800" b="1" dirty="0">
+              <a:rPr lang="en-US" sz="3200" b="1" dirty="0">
                 <a:latin typeface="Calibri" panose="020F0502020204030204" charset="0"/>
                 <a:cs typeface="Calibri" panose="020F0502020204030204" charset="0"/>
                 <a:sym typeface="+mn-ea"/>
               </a:rPr>
-              <a:t>LUIS (Language Understanding)</a:t>
-            </a:r>
-            <a:endParaRPr lang="en-US" sz="2800" b="1" dirty="0">
+              <a:t>What does LUIS Offer?</a:t>
+            </a:r>
+            <a:endParaRPr lang="en-US" sz="3200" b="1" dirty="0">
               <a:latin typeface="Calibri" panose="020F0502020204030204" charset="0"/>
               <a:cs typeface="Calibri" panose="020F0502020204030204" charset="0"/>
               <a:sym typeface="+mn-ea"/>
@@ -7071,228 +6885,9 @@
           </a:p>
         </p:txBody>
       </p:sp>
-      <p:sp>
-        <p:nvSpPr>
-          <p:cNvPr id="2" name="Text Box 1"/>
-          <p:cNvSpPr txBox="1"/>
-          <p:nvPr/>
-        </p:nvSpPr>
-        <p:spPr>
-          <a:xfrm>
-            <a:off x="588645" y="2446020"/>
-            <a:ext cx="5003165" cy="2584450"/>
-          </a:xfrm>
-          <a:prstGeom prst="rect">
-            <a:avLst/>
-          </a:prstGeom>
-          <a:noFill/>
-        </p:spPr>
-        <p:txBody>
-          <a:bodyPr wrap="square" rtlCol="0">
-            <a:spAutoFit/>
-          </a:bodyPr>
-          <a:p>
-            <a:pPr marL="285750" indent="-285750">
-              <a:buFont typeface="Arial" panose="020B0604020202020204" pitchFamily="34" charset="0"/>
-              <a:buChar char="•"/>
-            </a:pPr>
-            <a:r>
-              <a:rPr lang="en-US"/>
-              <a:t>LUIS (Language Understanding)- Cognitive Service, Microsoft.</a:t>
-            </a:r>
-            <a:endParaRPr lang="en-US"/>
-          </a:p>
-          <a:p>
-            <a:pPr marL="285750" indent="-285750">
-              <a:buFont typeface="Arial" panose="020B0604020202020204" pitchFamily="34" charset="0"/>
-              <a:buChar char="•"/>
-            </a:pPr>
-            <a:r>
-              <a:rPr lang="en-US"/>
-              <a:t>LUIS is a cloud-based conversational AI service that applies custom machine-learning intelligence to a user's conversational, natural language text to predict overall meaning, and pull out relevant, detailed information. </a:t>
-            </a:r>
-            <a:endParaRPr lang="en-US"/>
-          </a:p>
-          <a:p>
-            <a:pPr marL="285750" indent="-285750">
-              <a:buFont typeface="Arial" panose="020B0604020202020204" pitchFamily="34" charset="0"/>
-              <a:buChar char="•"/>
-            </a:pPr>
-            <a:r>
-              <a:rPr lang="en-US"/>
-              <a:t>It provides access through its custom portal, APIs and SDK client libraries. </a:t>
-            </a:r>
-            <a:endParaRPr lang="en-US"/>
-          </a:p>
-        </p:txBody>
-      </p:sp>
-      <p:sp>
-        <p:nvSpPr>
-          <p:cNvPr id="3" name="Rectangle 8"/>
-          <p:cNvSpPr/>
-          <p:nvPr/>
-        </p:nvSpPr>
-        <p:spPr bwMode="auto">
-          <a:xfrm>
-            <a:off x="5797518" y="-209"/>
-            <a:ext cx="6394515" cy="6850799"/>
-          </a:xfrm>
-          <a:prstGeom prst="rect">
-            <a:avLst/>
-          </a:prstGeom>
-          <a:solidFill>
-            <a:srgbClr val="5C126B"/>
-          </a:solidFill>
-          <a:ln>
-            <a:noFill/>
-            <a:headEnd type="none" w="med" len="med"/>
-            <a:tailEnd type="none" w="med" len="med"/>
-          </a:ln>
-          <a:effectLst/>
-        </p:spPr>
-        <p:style>
-          <a:lnRef idx="1">
-            <a:schemeClr val="accent2"/>
-          </a:lnRef>
-          <a:fillRef idx="3">
-            <a:schemeClr val="accent2"/>
-          </a:fillRef>
-          <a:effectRef idx="2">
-            <a:schemeClr val="accent2"/>
-          </a:effectRef>
-          <a:fontRef idx="minor">
-            <a:schemeClr val="lt1"/>
-          </a:fontRef>
-        </p:style>
-        <p:txBody>
-          <a:bodyPr rot="0" spcFirstLastPara="0" vertOverflow="overflow" horzOverflow="overflow" vert="horz" wrap="square" lIns="182880" tIns="146304" rIns="182880" bIns="146304" numCol="1" spcCol="0" rtlCol="0" fromWordArt="0" anchor="t" anchorCtr="0" forceAA="0" compatLnSpc="1">
-            <a:noAutofit/>
-          </a:bodyPr>
-          <a:lstStyle>
-            <a:defPPr>
-              <a:defRPr lang="en-US"/>
-            </a:defPPr>
-            <a:lvl1pPr marL="0" algn="l" defTabSz="914400" rtl="0" eaLnBrk="1" latinLnBrk="0" hangingPunct="1">
-              <a:defRPr sz="1800" kern="1200">
-                <a:solidFill>
-                  <a:schemeClr val="lt1"/>
-                </a:solidFill>
-                <a:latin typeface="+mn-lt"/>
-                <a:ea typeface="+mn-ea"/>
-                <a:cs typeface="+mn-cs"/>
-              </a:defRPr>
-            </a:lvl1pPr>
-            <a:lvl2pPr marL="457200" algn="l" defTabSz="914400" rtl="0" eaLnBrk="1" latinLnBrk="0" hangingPunct="1">
-              <a:defRPr sz="1800" kern="1200">
-                <a:solidFill>
-                  <a:schemeClr val="lt1"/>
-                </a:solidFill>
-                <a:latin typeface="+mn-lt"/>
-                <a:ea typeface="+mn-ea"/>
-                <a:cs typeface="+mn-cs"/>
-              </a:defRPr>
-            </a:lvl2pPr>
-            <a:lvl3pPr marL="914400" algn="l" defTabSz="914400" rtl="0" eaLnBrk="1" latinLnBrk="0" hangingPunct="1">
-              <a:defRPr sz="1800" kern="1200">
-                <a:solidFill>
-                  <a:schemeClr val="lt1"/>
-                </a:solidFill>
-                <a:latin typeface="+mn-lt"/>
-                <a:ea typeface="+mn-ea"/>
-                <a:cs typeface="+mn-cs"/>
-              </a:defRPr>
-            </a:lvl3pPr>
-            <a:lvl4pPr marL="1371600" algn="l" defTabSz="914400" rtl="0" eaLnBrk="1" latinLnBrk="0" hangingPunct="1">
-              <a:defRPr sz="1800" kern="1200">
-                <a:solidFill>
-                  <a:schemeClr val="lt1"/>
-                </a:solidFill>
-                <a:latin typeface="+mn-lt"/>
-                <a:ea typeface="+mn-ea"/>
-                <a:cs typeface="+mn-cs"/>
-              </a:defRPr>
-            </a:lvl4pPr>
-            <a:lvl5pPr marL="1828800" algn="l" defTabSz="914400" rtl="0" eaLnBrk="1" latinLnBrk="0" hangingPunct="1">
-              <a:defRPr sz="1800" kern="1200">
-                <a:solidFill>
-                  <a:schemeClr val="lt1"/>
-                </a:solidFill>
-                <a:latin typeface="+mn-lt"/>
-                <a:ea typeface="+mn-ea"/>
-                <a:cs typeface="+mn-cs"/>
-              </a:defRPr>
-            </a:lvl5pPr>
-            <a:lvl6pPr marL="2286000" algn="l" defTabSz="914400" rtl="0" eaLnBrk="1" latinLnBrk="0" hangingPunct="1">
-              <a:defRPr sz="1800" kern="1200">
-                <a:solidFill>
-                  <a:schemeClr val="lt1"/>
-                </a:solidFill>
-                <a:latin typeface="+mn-lt"/>
-                <a:ea typeface="+mn-ea"/>
-                <a:cs typeface="+mn-cs"/>
-              </a:defRPr>
-            </a:lvl6pPr>
-            <a:lvl7pPr marL="2743200" algn="l" defTabSz="914400" rtl="0" eaLnBrk="1" latinLnBrk="0" hangingPunct="1">
-              <a:defRPr sz="1800" kern="1200">
-                <a:solidFill>
-                  <a:schemeClr val="lt1"/>
-                </a:solidFill>
-                <a:latin typeface="+mn-lt"/>
-                <a:ea typeface="+mn-ea"/>
-                <a:cs typeface="+mn-cs"/>
-              </a:defRPr>
-            </a:lvl7pPr>
-            <a:lvl8pPr marL="3200400" algn="l" defTabSz="914400" rtl="0" eaLnBrk="1" latinLnBrk="0" hangingPunct="1">
-              <a:defRPr sz="1800" kern="1200">
-                <a:solidFill>
-                  <a:schemeClr val="lt1"/>
-                </a:solidFill>
-                <a:latin typeface="+mn-lt"/>
-                <a:ea typeface="+mn-ea"/>
-                <a:cs typeface="+mn-cs"/>
-              </a:defRPr>
-            </a:lvl8pPr>
-            <a:lvl9pPr marL="3657600" algn="l" defTabSz="914400" rtl="0" eaLnBrk="1" latinLnBrk="0" hangingPunct="1">
-              <a:defRPr sz="1800" kern="1200">
-                <a:solidFill>
-                  <a:schemeClr val="lt1"/>
-                </a:solidFill>
-                <a:latin typeface="+mn-lt"/>
-                <a:ea typeface="+mn-ea"/>
-                <a:cs typeface="+mn-cs"/>
-              </a:defRPr>
-            </a:lvl9pPr>
-          </a:lstStyle>
-          <a:p>
-            <a:pPr algn="l" defTabSz="932180" fontAlgn="base">
-              <a:spcBef>
-                <a:spcPct val="0"/>
-              </a:spcBef>
-              <a:spcAft>
-                <a:spcPct val="0"/>
-              </a:spcAft>
-            </a:pPr>
-            <a:endParaRPr lang="en-US" sz="2000" err="1">
-              <a:gradFill>
-                <a:gsLst>
-                  <a:gs pos="0">
-                    <a:srgbClr val="FFFFFF"/>
-                  </a:gs>
-                  <a:gs pos="100000">
-                    <a:srgbClr val="FFFFFF"/>
-                  </a:gs>
-                </a:gsLst>
-                <a:lin ang="5400000" scaled="0"/>
-              </a:gradFill>
-              <a:ea typeface="Segoe UI" panose="020B0502040204020203" pitchFamily="34" charset="0"/>
-              <a:cs typeface="Segoe UI" panose="020B0502040204020203" pitchFamily="34" charset="0"/>
-            </a:endParaRPr>
-          </a:p>
-        </p:txBody>
-      </p:sp>
       <p:pic>
         <p:nvPicPr>
-          <p:cNvPr id="11" name="Picture 10" descr="A screenshot of a cell phone&#10;&#10;Description automatically generated"/>
+          <p:cNvPr id="4" name="Picture 3"/>
           <p:cNvPicPr>
             <a:picLocks noChangeAspect="1"/>
           </p:cNvPicPr>
@@ -7306,8 +6901,8 @@
         </p:blipFill>
         <p:spPr>
           <a:xfrm>
-            <a:off x="6589713" y="554990"/>
-            <a:ext cx="4810125" cy="1143000"/>
+            <a:off x="4770755" y="1106170"/>
+            <a:ext cx="2745740" cy="1870075"/>
           </a:xfrm>
           <a:prstGeom prst="rect">
             <a:avLst/>
@@ -7316,29 +6911,229 @@
       </p:pic>
       <p:pic>
         <p:nvPicPr>
-          <p:cNvPr id="7" name="Picture 6" descr="A close up of a logo&#10;&#10;Description automatically generated"/>
+          <p:cNvPr id="5" name="Picture 4"/>
           <p:cNvPicPr>
             <a:picLocks noChangeAspect="1"/>
           </p:cNvPicPr>
           <p:nvPr/>
         </p:nvPicPr>
-        <p:blipFill rotWithShape="1">
+        <p:blipFill>
           <a:blip r:embed="rId2"/>
-          <a:srcRect l="38382"/>
           <a:stretch>
             <a:fillRect/>
           </a:stretch>
         </p:blipFill>
         <p:spPr>
           <a:xfrm>
-            <a:off x="5803900" y="3689350"/>
-            <a:ext cx="6388100" cy="3168015"/>
+            <a:off x="4516120" y="3858895"/>
+            <a:ext cx="4991100" cy="1743075"/>
           </a:xfrm>
           <a:prstGeom prst="rect">
             <a:avLst/>
           </a:prstGeom>
         </p:spPr>
       </p:pic>
+      <p:pic>
+        <p:nvPicPr>
+          <p:cNvPr id="6" name="Picture 5"/>
+          <p:cNvPicPr>
+            <a:picLocks noChangeAspect="1"/>
+          </p:cNvPicPr>
+          <p:nvPr/>
+        </p:nvPicPr>
+        <p:blipFill>
+          <a:blip r:embed="rId3"/>
+          <a:stretch>
+            <a:fillRect/>
+          </a:stretch>
+        </p:blipFill>
+        <p:spPr>
+          <a:xfrm>
+            <a:off x="1038860" y="3145155"/>
+            <a:ext cx="1805305" cy="1796415"/>
+          </a:xfrm>
+          <a:prstGeom prst="rect">
+            <a:avLst/>
+          </a:prstGeom>
+        </p:spPr>
+      </p:pic>
+      <p:sp>
+        <p:nvSpPr>
+          <p:cNvPr id="8" name="Text Box 7"/>
+          <p:cNvSpPr txBox="1"/>
+          <p:nvPr/>
+        </p:nvSpPr>
+        <p:spPr>
+          <a:xfrm>
+            <a:off x="257175" y="2104390"/>
+            <a:ext cx="4467225" cy="645160"/>
+          </a:xfrm>
+          <a:prstGeom prst="rect">
+            <a:avLst/>
+          </a:prstGeom>
+          <a:noFill/>
+        </p:spPr>
+        <p:txBody>
+          <a:bodyPr wrap="square" rtlCol="0">
+            <a:spAutoFit/>
+          </a:bodyPr>
+          <a:p>
+            <a:pPr algn="ctr"/>
+            <a:r>
+              <a:rPr lang="en-US" b="1"/>
+              <a:t>Quickly build a custom language solution</a:t>
+            </a:r>
+            <a:br>
+              <a:rPr lang="en-US" b="1"/>
+            </a:br>
+            <a:r>
+              <a:rPr lang="en-US" b="1"/>
+              <a:t>(Integration)</a:t>
+            </a:r>
+            <a:endParaRPr lang="en-US" b="1"/>
+          </a:p>
+        </p:txBody>
+      </p:sp>
+      <p:sp>
+        <p:nvSpPr>
+          <p:cNvPr id="9" name="Text Box 8"/>
+          <p:cNvSpPr txBox="1"/>
+          <p:nvPr/>
+        </p:nvSpPr>
+        <p:spPr>
+          <a:xfrm>
+            <a:off x="358775" y="5076190"/>
+            <a:ext cx="3165475" cy="368300"/>
+          </a:xfrm>
+          <a:prstGeom prst="rect">
+            <a:avLst/>
+          </a:prstGeom>
+          <a:noFill/>
+        </p:spPr>
+        <p:txBody>
+          <a:bodyPr wrap="square" rtlCol="0">
+            <a:spAutoFit/>
+          </a:bodyPr>
+          <a:p>
+            <a:r>
+              <a:rPr lang="en-US" b="1"/>
+              <a:t>Always learning and improving</a:t>
+            </a:r>
+            <a:endParaRPr lang="en-US" b="1"/>
+          </a:p>
+        </p:txBody>
+      </p:sp>
+      <p:sp>
+        <p:nvSpPr>
+          <p:cNvPr id="10" name="Text Box 9"/>
+          <p:cNvSpPr txBox="1"/>
+          <p:nvPr/>
+        </p:nvSpPr>
+        <p:spPr>
+          <a:xfrm>
+            <a:off x="8237220" y="965200"/>
+            <a:ext cx="3769360" cy="368300"/>
+          </a:xfrm>
+          <a:prstGeom prst="rect">
+            <a:avLst/>
+          </a:prstGeom>
+          <a:noFill/>
+        </p:spPr>
+        <p:txBody>
+          <a:bodyPr wrap="square" rtlCol="0">
+            <a:spAutoFit/>
+          </a:bodyPr>
+          <a:p>
+            <a:r>
+              <a:rPr lang="en-US" b="1"/>
+              <a:t>Enterprise-ready, available worldwide</a:t>
+            </a:r>
+            <a:endParaRPr lang="en-US" b="1"/>
+          </a:p>
+        </p:txBody>
+      </p:sp>
+      <p:pic>
+        <p:nvPicPr>
+          <p:cNvPr id="11" name="Picture 10"/>
+          <p:cNvPicPr>
+            <a:picLocks noChangeAspect="1"/>
+          </p:cNvPicPr>
+          <p:nvPr/>
+        </p:nvPicPr>
+        <p:blipFill>
+          <a:blip r:embed="rId4"/>
+          <a:stretch>
+            <a:fillRect/>
+          </a:stretch>
+        </p:blipFill>
+        <p:spPr>
+          <a:xfrm>
+            <a:off x="9467850" y="1353820"/>
+            <a:ext cx="2138680" cy="1622425"/>
+          </a:xfrm>
+          <a:prstGeom prst="rect">
+            <a:avLst/>
+          </a:prstGeom>
+        </p:spPr>
+      </p:pic>
+      <p:sp>
+        <p:nvSpPr>
+          <p:cNvPr id="12" name="Text Box 11"/>
+          <p:cNvSpPr txBox="1"/>
+          <p:nvPr/>
+        </p:nvSpPr>
+        <p:spPr>
+          <a:xfrm>
+            <a:off x="9627235" y="4330700"/>
+            <a:ext cx="1819910" cy="368300"/>
+          </a:xfrm>
+          <a:prstGeom prst="rect">
+            <a:avLst/>
+          </a:prstGeom>
+          <a:noFill/>
+        </p:spPr>
+        <p:txBody>
+          <a:bodyPr wrap="square" rtlCol="0">
+            <a:spAutoFit/>
+          </a:bodyPr>
+          <a:p>
+            <a:r>
+              <a:rPr lang="en-US" b="1"/>
+              <a:t>Simplicity</a:t>
+            </a:r>
+            <a:endParaRPr lang="en-US" b="1"/>
+          </a:p>
+        </p:txBody>
+      </p:sp>
+      <p:sp>
+        <p:nvSpPr>
+          <p:cNvPr id="13" name="Text Box 12"/>
+          <p:cNvSpPr txBox="1"/>
+          <p:nvPr/>
+        </p:nvSpPr>
+        <p:spPr>
+          <a:xfrm>
+            <a:off x="5063490" y="5444490"/>
+            <a:ext cx="3895725" cy="368300"/>
+          </a:xfrm>
+          <a:prstGeom prst="rect">
+            <a:avLst/>
+          </a:prstGeom>
+          <a:noFill/>
+        </p:spPr>
+        <p:txBody>
+          <a:bodyPr wrap="square" rtlCol="0">
+            <a:spAutoFit/>
+          </a:bodyPr>
+          <a:p>
+            <a:r>
+              <a:rPr lang="en-US" b="1"/>
+              <a:t>Security, Privacy and Compliance</a:t>
+            </a:r>
+            <a:endParaRPr lang="en-US" b="1"/>
+          </a:p>
+        </p:txBody>
+      </p:sp>
     </p:spTree>
   </p:cSld>
   <p:clrMapOvr>
@@ -7388,8 +7183,8 @@
         </p:nvSpPr>
         <p:spPr>
           <a:xfrm>
-            <a:off x="588263" y="849630"/>
-            <a:ext cx="11018520" cy="553998"/>
+            <a:off x="2799715" y="1507490"/>
+            <a:ext cx="6593205" cy="553720"/>
           </a:xfrm>
         </p:spPr>
         <p:txBody>
@@ -7404,7 +7199,7 @@
                 <a:cs typeface="Calibri" panose="020F0502020204030204" charset="0"/>
                 <a:sym typeface="+mn-ea"/>
               </a:rPr>
-              <a:t>What does LUIS Offer?</a:t>
+              <a:t>Application Development life cycle</a:t>
             </a:r>
             <a:endParaRPr lang="en-US" sz="3200" b="1" dirty="0">
               <a:latin typeface="Calibri" panose="020F0502020204030204" charset="0"/>
@@ -7414,87 +7209,35 @@
           </a:p>
         </p:txBody>
       </p:sp>
-      <p:sp>
-        <p:nvSpPr>
-          <p:cNvPr id="2" name="Text Box 1"/>
-          <p:cNvSpPr txBox="1"/>
+      <p:pic>
+        <p:nvPicPr>
+          <p:cNvPr id="3" name="Picture 2"/>
+          <p:cNvPicPr>
+            <a:picLocks noChangeAspect="1"/>
+          </p:cNvPicPr>
           <p:nvPr/>
-        </p:nvSpPr>
+        </p:nvPicPr>
+        <p:blipFill>
+          <a:blip r:embed="rId1"/>
+          <a:stretch>
+            <a:fillRect/>
+          </a:stretch>
+        </p:blipFill>
         <p:spPr>
           <a:xfrm>
-            <a:off x="588010" y="1574800"/>
-            <a:ext cx="8342630" cy="3138170"/>
+            <a:off x="1257300" y="2513965"/>
+            <a:ext cx="9676765" cy="1830070"/>
           </a:xfrm>
           <a:prstGeom prst="rect">
             <a:avLst/>
           </a:prstGeom>
-          <a:noFill/>
+          <a:ln>
+            <a:solidFill>
+              <a:schemeClr val="tx1"/>
+            </a:solidFill>
+          </a:ln>
         </p:spPr>
-        <p:txBody>
-          <a:bodyPr wrap="square" rtlCol="0">
-            <a:spAutoFit/>
-          </a:bodyPr>
-          <a:p>
-            <a:pPr marL="285750" indent="-285750">
-              <a:buFont typeface="Arial" panose="020B0604020202020204" pitchFamily="34" charset="0"/>
-              <a:buChar char="•"/>
-            </a:pPr>
-            <a:r>
-              <a:rPr lang="en-US" b="1"/>
-              <a:t>Simplicity: </a:t>
-            </a:r>
-            <a:r>
-              <a:rPr lang="en-US"/>
-              <a:t>LUIS offloads you from the need of in-house AI expertise or any prior machine learning knowledge. With only a few clicks you can build your own conversational AI application. You can build your custom application by following one of our quickstarts, or you can use one of our prebuilt domain apps.</a:t>
-            </a:r>
-            <a:endParaRPr lang="en-US"/>
-          </a:p>
-          <a:p>
-            <a:pPr marL="285750" indent="-285750">
-              <a:buFont typeface="Arial" panose="020B0604020202020204" pitchFamily="34" charset="0"/>
-              <a:buChar char="•"/>
-            </a:pPr>
-            <a:endParaRPr lang="en-US"/>
-          </a:p>
-          <a:p>
-            <a:pPr marL="285750" indent="-285750">
-              <a:buFont typeface="Arial" panose="020B0604020202020204" pitchFamily="34" charset="0"/>
-              <a:buChar char="•"/>
-            </a:pPr>
-            <a:r>
-              <a:rPr lang="en-US" b="1"/>
-              <a:t>Security, Privacy and Compliance:</a:t>
-            </a:r>
-            <a:r>
-              <a:rPr lang="en-US"/>
-              <a:t> Backed by Azure infrastructure, LUIS offers enterprise-grade security, privacy, and compliance. Your data remains yours; you can delete your data at any time. Your data is encrypted while it’s in storage. </a:t>
-            </a:r>
-            <a:endParaRPr lang="en-US"/>
-          </a:p>
-          <a:p>
-            <a:pPr marL="285750" indent="-285750">
-              <a:buFont typeface="Arial" panose="020B0604020202020204" pitchFamily="34" charset="0"/>
-              <a:buChar char="•"/>
-            </a:pPr>
-            <a:endParaRPr lang="en-US"/>
-          </a:p>
-          <a:p>
-            <a:pPr marL="285750" indent="-285750">
-              <a:buFont typeface="Arial" panose="020B0604020202020204" pitchFamily="34" charset="0"/>
-              <a:buChar char="•"/>
-            </a:pPr>
-            <a:r>
-              <a:rPr lang="en-US" b="1"/>
-              <a:t>Integration:</a:t>
-            </a:r>
-            <a:r>
-              <a:rPr lang="en-US"/>
-              <a:t> Easily integrate your LUIS app with other Microsoft services like Microsoft Bot framework, QnA Maker, and Speech service.</a:t>
-            </a:r>
-            <a:endParaRPr lang="en-US"/>
-          </a:p>
-        </p:txBody>
-      </p:sp>
+      </p:pic>
     </p:spTree>
   </p:cSld>
   <p:clrMapOvr>
@@ -7544,7 +7287,7 @@
         </p:nvSpPr>
         <p:spPr>
           <a:xfrm>
-            <a:off x="588263" y="467995"/>
+            <a:off x="586993" y="3041650"/>
             <a:ext cx="11018520" cy="553998"/>
           </a:xfrm>
         </p:spPr>
@@ -7554,15 +7297,16 @@
           </a:bodyPr>
           <a:lstStyle/>
           <a:p>
-            <a:r>
-              <a:rPr lang="en-US" sz="3200" b="1" dirty="0">
+            <a:pPr algn="ctr"/>
+            <a:r>
+              <a:rPr lang="en-US" sz="2800" b="1">
                 <a:latin typeface="Calibri" panose="020F0502020204030204" charset="0"/>
                 <a:cs typeface="Calibri" panose="020F0502020204030204" charset="0"/>
                 <a:sym typeface="+mn-ea"/>
               </a:rPr>
-              <a:t>Application Development life cycle</a:t>
-            </a:r>
-            <a:endParaRPr lang="en-US" sz="3200" b="1" dirty="0">
+              <a:t>Any Questions?</a:t>
+            </a:r>
+            <a:endParaRPr lang="en-US" sz="2800" b="1" dirty="0">
               <a:latin typeface="Calibri" panose="020F0502020204030204" charset="0"/>
               <a:cs typeface="Calibri" panose="020F0502020204030204" charset="0"/>
               <a:sym typeface="+mn-ea"/>
@@ -7578,8 +7322,8 @@
         </p:nvSpPr>
         <p:spPr>
           <a:xfrm>
-            <a:off x="588010" y="1021715"/>
-            <a:ext cx="7947025" cy="3692525"/>
+            <a:off x="4102735" y="3874135"/>
+            <a:ext cx="3986530" cy="368300"/>
           </a:xfrm>
           <a:prstGeom prst="rect">
             <a:avLst/>
@@ -7591,126 +7335,14 @@
             <a:spAutoFit/>
           </a:bodyPr>
           <a:p>
-            <a:pPr marL="285750" indent="-285750">
-              <a:buFont typeface="Arial" panose="020B0604020202020204" pitchFamily="34" charset="0"/>
-              <a:buChar char="•"/>
-            </a:pPr>
-            <a:r>
-              <a:rPr lang="en-US" b="1"/>
-              <a:t>Plan: </a:t>
-            </a:r>
             <a:r>
               <a:rPr lang="en-US"/>
-              <a:t>Identify the scenarios that users might use your application for. Define the actions and relevant information that needs to be recognized.</a:t>
+              <a:t>https://forms.office.com/r/da35uVH3MJ</a:t>
             </a:r>
             <a:endParaRPr lang="en-US"/>
           </a:p>
-          <a:p>
-            <a:pPr marL="285750" indent="-285750">
-              <a:buFont typeface="Arial" panose="020B0604020202020204" pitchFamily="34" charset="0"/>
-              <a:buChar char="•"/>
-            </a:pPr>
-            <a:r>
-              <a:rPr lang="en-US" b="1"/>
-              <a:t>Build:</a:t>
-            </a:r>
-            <a:r>
-              <a:rPr lang="en-US"/>
-              <a:t> Use your authoring resource to develop your app. Start by defining intents and entities. Then, add training utterances for each intent.</a:t>
-            </a:r>
-            <a:endParaRPr lang="en-US"/>
-          </a:p>
-          <a:p>
-            <a:pPr marL="285750" indent="-285750">
-              <a:buFont typeface="Arial" panose="020B0604020202020204" pitchFamily="34" charset="0"/>
-              <a:buChar char="•"/>
-            </a:pPr>
-            <a:r>
-              <a:rPr lang="en-US" b="1"/>
-              <a:t>Test and Improve:</a:t>
-            </a:r>
-            <a:r>
-              <a:rPr lang="en-US"/>
-              <a:t> Start testing your model with other utterances to get a sense of how the app behaves, and you can decide if any improvement is needed. You can improve your application by following these best practices.</a:t>
-            </a:r>
-            <a:endParaRPr lang="en-US"/>
-          </a:p>
-          <a:p>
-            <a:pPr marL="285750" indent="-285750">
-              <a:buFont typeface="Arial" panose="020B0604020202020204" pitchFamily="34" charset="0"/>
-              <a:buChar char="•"/>
-            </a:pPr>
-            <a:r>
-              <a:rPr lang="en-US" b="1"/>
-              <a:t>Publish:</a:t>
-            </a:r>
-            <a:r>
-              <a:rPr lang="en-US"/>
-              <a:t> Deploy your app for prediction and query the endpoint using your prediction resource. Learn more about authoring and prediction resources here.</a:t>
-            </a:r>
-            <a:endParaRPr lang="en-US"/>
-          </a:p>
-          <a:p>
-            <a:pPr marL="285750" indent="-285750">
-              <a:buFont typeface="Arial" panose="020B0604020202020204" pitchFamily="34" charset="0"/>
-              <a:buChar char="•"/>
-            </a:pPr>
-            <a:r>
-              <a:rPr lang="en-US" b="1"/>
-              <a:t>Connect:</a:t>
-            </a:r>
-            <a:r>
-              <a:rPr lang="en-US"/>
-              <a:t> Connect to other services such as Microsoft Bot framework, QnA Maker, and Speech service.</a:t>
-            </a:r>
-            <a:endParaRPr lang="en-US"/>
-          </a:p>
-          <a:p>
-            <a:pPr marL="285750" indent="-285750">
-              <a:buFont typeface="Arial" panose="020B0604020202020204" pitchFamily="34" charset="0"/>
-              <a:buChar char="•"/>
-            </a:pPr>
-            <a:r>
-              <a:rPr lang="en-US" b="1"/>
-              <a:t>Refine:</a:t>
-            </a:r>
-            <a:r>
-              <a:rPr lang="en-US"/>
-              <a:t> Review endpoint utterances to improve your application with real life examples.</a:t>
-            </a:r>
-            <a:endParaRPr lang="en-US"/>
-          </a:p>
-        </p:txBody>
-      </p:sp>
-      <p:pic>
-        <p:nvPicPr>
-          <p:cNvPr id="3" name="Picture 2"/>
-          <p:cNvPicPr>
-            <a:picLocks noChangeAspect="1"/>
-          </p:cNvPicPr>
-          <p:nvPr/>
-        </p:nvPicPr>
-        <p:blipFill>
-          <a:blip r:embed="rId1"/>
-          <a:stretch>
-            <a:fillRect/>
-          </a:stretch>
-        </p:blipFill>
-        <p:spPr>
-          <a:xfrm>
-            <a:off x="2169160" y="4488815"/>
-            <a:ext cx="7433945" cy="1405890"/>
-          </a:xfrm>
-          <a:prstGeom prst="rect">
-            <a:avLst/>
-          </a:prstGeom>
-          <a:ln>
-            <a:solidFill>
-              <a:schemeClr val="tx1"/>
-            </a:solidFill>
-          </a:ln>
-        </p:spPr>
-      </p:pic>
+        </p:txBody>
+      </p:sp>
     </p:spTree>
   </p:cSld>
   <p:clrMapOvr>
@@ -7760,1324 +7392,6 @@
         </p:nvSpPr>
         <p:spPr>
           <a:xfrm>
-            <a:off x="588263" y="467995"/>
-            <a:ext cx="11018520" cy="553998"/>
-          </a:xfrm>
-        </p:spPr>
-        <p:txBody>
-          <a:bodyPr>
-            <a:noAutofit/>
-          </a:bodyPr>
-          <a:lstStyle/>
-          <a:p>
-            <a:r>
-              <a:rPr lang="en-US" sz="3200" b="1" dirty="0">
-                <a:latin typeface="Calibri" panose="020F0502020204030204" charset="0"/>
-                <a:cs typeface="Calibri" panose="020F0502020204030204" charset="0"/>
-                <a:sym typeface="+mn-ea"/>
-              </a:rPr>
-              <a:t>Application Development Life Cycle</a:t>
-            </a:r>
-            <a:endParaRPr lang="en-US" sz="3200" b="1" dirty="0">
-              <a:latin typeface="Calibri" panose="020F0502020204030204" charset="0"/>
-              <a:cs typeface="Calibri" panose="020F0502020204030204" charset="0"/>
-              <a:sym typeface="+mn-ea"/>
-            </a:endParaRPr>
-          </a:p>
-        </p:txBody>
-      </p:sp>
-      <p:grpSp>
-        <p:nvGrpSpPr>
-          <p:cNvPr id="4" name="Group 3"/>
-          <p:cNvGrpSpPr/>
-          <p:nvPr/>
-        </p:nvGrpSpPr>
-        <p:grpSpPr>
-          <a:xfrm>
-            <a:off x="2879293" y="2388661"/>
-            <a:ext cx="6433415" cy="2080679"/>
-            <a:chOff x="5253908" y="1240105"/>
-            <a:chExt cx="6433415" cy="2080679"/>
-          </a:xfrm>
-        </p:grpSpPr>
-        <p:grpSp>
-          <p:nvGrpSpPr>
-            <p:cNvPr id="8" name="Group 7"/>
-            <p:cNvGrpSpPr/>
-            <p:nvPr/>
-          </p:nvGrpSpPr>
-          <p:grpSpPr>
-            <a:xfrm>
-              <a:off x="9648432" y="1240105"/>
-              <a:ext cx="2038891" cy="1515553"/>
-              <a:chOff x="8755506" y="3695640"/>
-              <a:chExt cx="2038891" cy="1515553"/>
-            </a:xfrm>
-          </p:grpSpPr>
-          <p:sp>
-            <p:nvSpPr>
-              <p:cNvPr id="22" name="TextBox 21"/>
-              <p:cNvSpPr txBox="1"/>
-              <p:nvPr/>
-            </p:nvSpPr>
-            <p:spPr>
-              <a:xfrm>
-                <a:off x="8755506" y="3695640"/>
-                <a:ext cx="2038891" cy="707886"/>
-              </a:xfrm>
-              <a:prstGeom prst="rect">
-                <a:avLst/>
-              </a:prstGeom>
-              <a:noFill/>
-            </p:spPr>
-            <p:txBody>
-              <a:bodyPr wrap="square" rtlCol="0">
-                <a:spAutoFit/>
-              </a:bodyPr>
-              <a:lstStyle>
-                <a:defPPr>
-                  <a:defRPr lang="en-US"/>
-                </a:defPPr>
-                <a:lvl1pPr marL="0" algn="l" defTabSz="914400" rtl="0" eaLnBrk="1" latinLnBrk="0" hangingPunct="1">
-                  <a:defRPr sz="1800" kern="1200">
-                    <a:solidFill>
-                      <a:schemeClr val="tx1"/>
-                    </a:solidFill>
-                    <a:latin typeface="+mn-lt"/>
-                    <a:ea typeface="+mn-ea"/>
-                    <a:cs typeface="+mn-cs"/>
-                  </a:defRPr>
-                </a:lvl1pPr>
-                <a:lvl2pPr marL="457200" algn="l" defTabSz="914400" rtl="0" eaLnBrk="1" latinLnBrk="0" hangingPunct="1">
-                  <a:defRPr sz="1800" kern="1200">
-                    <a:solidFill>
-                      <a:schemeClr val="tx1"/>
-                    </a:solidFill>
-                    <a:latin typeface="+mn-lt"/>
-                    <a:ea typeface="+mn-ea"/>
-                    <a:cs typeface="+mn-cs"/>
-                  </a:defRPr>
-                </a:lvl2pPr>
-                <a:lvl3pPr marL="914400" algn="l" defTabSz="914400" rtl="0" eaLnBrk="1" latinLnBrk="0" hangingPunct="1">
-                  <a:defRPr sz="1800" kern="1200">
-                    <a:solidFill>
-                      <a:schemeClr val="tx1"/>
-                    </a:solidFill>
-                    <a:latin typeface="+mn-lt"/>
-                    <a:ea typeface="+mn-ea"/>
-                    <a:cs typeface="+mn-cs"/>
-                  </a:defRPr>
-                </a:lvl3pPr>
-                <a:lvl4pPr marL="1371600" algn="l" defTabSz="914400" rtl="0" eaLnBrk="1" latinLnBrk="0" hangingPunct="1">
-                  <a:defRPr sz="1800" kern="1200">
-                    <a:solidFill>
-                      <a:schemeClr val="tx1"/>
-                    </a:solidFill>
-                    <a:latin typeface="+mn-lt"/>
-                    <a:ea typeface="+mn-ea"/>
-                    <a:cs typeface="+mn-cs"/>
-                  </a:defRPr>
-                </a:lvl4pPr>
-                <a:lvl5pPr marL="1828800" algn="l" defTabSz="914400" rtl="0" eaLnBrk="1" latinLnBrk="0" hangingPunct="1">
-                  <a:defRPr sz="1800" kern="1200">
-                    <a:solidFill>
-                      <a:schemeClr val="tx1"/>
-                    </a:solidFill>
-                    <a:latin typeface="+mn-lt"/>
-                    <a:ea typeface="+mn-ea"/>
-                    <a:cs typeface="+mn-cs"/>
-                  </a:defRPr>
-                </a:lvl5pPr>
-                <a:lvl6pPr marL="2286000" algn="l" defTabSz="914400" rtl="0" eaLnBrk="1" latinLnBrk="0" hangingPunct="1">
-                  <a:defRPr sz="1800" kern="1200">
-                    <a:solidFill>
-                      <a:schemeClr val="tx1"/>
-                    </a:solidFill>
-                    <a:latin typeface="+mn-lt"/>
-                    <a:ea typeface="+mn-ea"/>
-                    <a:cs typeface="+mn-cs"/>
-                  </a:defRPr>
-                </a:lvl6pPr>
-                <a:lvl7pPr marL="2743200" algn="l" defTabSz="914400" rtl="0" eaLnBrk="1" latinLnBrk="0" hangingPunct="1">
-                  <a:defRPr sz="1800" kern="1200">
-                    <a:solidFill>
-                      <a:schemeClr val="tx1"/>
-                    </a:solidFill>
-                    <a:latin typeface="+mn-lt"/>
-                    <a:ea typeface="+mn-ea"/>
-                    <a:cs typeface="+mn-cs"/>
-                  </a:defRPr>
-                </a:lvl7pPr>
-                <a:lvl8pPr marL="3200400" algn="l" defTabSz="914400" rtl="0" eaLnBrk="1" latinLnBrk="0" hangingPunct="1">
-                  <a:defRPr sz="1800" kern="1200">
-                    <a:solidFill>
-                      <a:schemeClr val="tx1"/>
-                    </a:solidFill>
-                    <a:latin typeface="+mn-lt"/>
-                    <a:ea typeface="+mn-ea"/>
-                    <a:cs typeface="+mn-cs"/>
-                  </a:defRPr>
-                </a:lvl8pPr>
-                <a:lvl9pPr marL="3657600" algn="l" defTabSz="914400" rtl="0" eaLnBrk="1" latinLnBrk="0" hangingPunct="1">
-                  <a:defRPr sz="1800" kern="1200">
-                    <a:solidFill>
-                      <a:schemeClr val="tx1"/>
-                    </a:solidFill>
-                    <a:latin typeface="+mn-lt"/>
-                    <a:ea typeface="+mn-ea"/>
-                    <a:cs typeface="+mn-cs"/>
-                  </a:defRPr>
-                </a:lvl9pPr>
-              </a:lstStyle>
-              <a:p>
-                <a:pPr algn="ctr"/>
-                <a:r>
-                  <a:rPr lang="en-US" i="0"/>
-                  <a:t>Your LUIS Application</a:t>
-                </a:r>
-                <a:endParaRPr lang="en-US" i="0"/>
-              </a:p>
-            </p:txBody>
-          </p:sp>
-          <p:grpSp>
-            <p:nvGrpSpPr>
-              <p:cNvPr id="5" name="Group 4"/>
-              <p:cNvGrpSpPr/>
-              <p:nvPr/>
-            </p:nvGrpSpPr>
-            <p:grpSpPr>
-              <a:xfrm>
-                <a:off x="9298392" y="4464356"/>
-                <a:ext cx="724838" cy="746837"/>
-                <a:chOff x="6614152" y="3027831"/>
-                <a:chExt cx="724838" cy="746837"/>
-              </a:xfrm>
-            </p:grpSpPr>
-            <p:sp>
-              <p:nvSpPr>
-                <p:cNvPr id="13" name="Oval 12"/>
-                <p:cNvSpPr/>
-                <p:nvPr/>
-              </p:nvSpPr>
-              <p:spPr bwMode="auto">
-                <a:xfrm rot="2765178">
-                  <a:off x="6603152" y="3038831"/>
-                  <a:ext cx="746837" cy="724838"/>
-                </a:xfrm>
-                <a:prstGeom prst="ellipse">
-                  <a:avLst/>
-                </a:prstGeom>
-                <a:solidFill>
-                  <a:schemeClr val="bg1"/>
-                </a:solidFill>
-                <a:ln w="19050">
-                  <a:solidFill>
-                    <a:schemeClr val="tx1">
-                      <a:lumMod val="25000"/>
-                      <a:lumOff val="75000"/>
-                    </a:schemeClr>
-                  </a:solidFill>
-                  <a:headEnd type="none" w="med" len="med"/>
-                  <a:tailEnd type="none" w="med" len="med"/>
-                </a:ln>
-                <a:effectLst/>
-              </p:spPr>
-              <p:style>
-                <a:lnRef idx="1">
-                  <a:schemeClr val="accent2"/>
-                </a:lnRef>
-                <a:fillRef idx="3">
-                  <a:schemeClr val="accent2"/>
-                </a:fillRef>
-                <a:effectRef idx="2">
-                  <a:schemeClr val="accent2"/>
-                </a:effectRef>
-                <a:fontRef idx="minor">
-                  <a:schemeClr val="lt1"/>
-                </a:fontRef>
-              </p:style>
-              <p:txBody>
-                <a:bodyPr rot="0" spcFirstLastPara="0" vertOverflow="overflow" horzOverflow="overflow" vert="horz" wrap="square" lIns="179285" tIns="143428" rIns="179285" bIns="143428" numCol="1" spcCol="0" rtlCol="0" fromWordArt="0" anchor="t" anchorCtr="0" forceAA="0" compatLnSpc="1">
-                  <a:noAutofit/>
-                </a:bodyPr>
-                <a:lstStyle>
-                  <a:defPPr>
-                    <a:defRPr lang="en-US"/>
-                  </a:defPPr>
-                  <a:lvl1pPr marL="0" algn="l" defTabSz="914400" rtl="0" eaLnBrk="1" latinLnBrk="0" hangingPunct="1">
-                    <a:defRPr sz="1800" kern="1200">
-                      <a:solidFill>
-                        <a:schemeClr val="lt1"/>
-                      </a:solidFill>
-                      <a:latin typeface="+mn-lt"/>
-                      <a:ea typeface="+mn-ea"/>
-                      <a:cs typeface="+mn-cs"/>
-                    </a:defRPr>
-                  </a:lvl1pPr>
-                  <a:lvl2pPr marL="457200" algn="l" defTabSz="914400" rtl="0" eaLnBrk="1" latinLnBrk="0" hangingPunct="1">
-                    <a:defRPr sz="1800" kern="1200">
-                      <a:solidFill>
-                        <a:schemeClr val="lt1"/>
-                      </a:solidFill>
-                      <a:latin typeface="+mn-lt"/>
-                      <a:ea typeface="+mn-ea"/>
-                      <a:cs typeface="+mn-cs"/>
-                    </a:defRPr>
-                  </a:lvl2pPr>
-                  <a:lvl3pPr marL="914400" algn="l" defTabSz="914400" rtl="0" eaLnBrk="1" latinLnBrk="0" hangingPunct="1">
-                    <a:defRPr sz="1800" kern="1200">
-                      <a:solidFill>
-                        <a:schemeClr val="lt1"/>
-                      </a:solidFill>
-                      <a:latin typeface="+mn-lt"/>
-                      <a:ea typeface="+mn-ea"/>
-                      <a:cs typeface="+mn-cs"/>
-                    </a:defRPr>
-                  </a:lvl3pPr>
-                  <a:lvl4pPr marL="1371600" algn="l" defTabSz="914400" rtl="0" eaLnBrk="1" latinLnBrk="0" hangingPunct="1">
-                    <a:defRPr sz="1800" kern="1200">
-                      <a:solidFill>
-                        <a:schemeClr val="lt1"/>
-                      </a:solidFill>
-                      <a:latin typeface="+mn-lt"/>
-                      <a:ea typeface="+mn-ea"/>
-                      <a:cs typeface="+mn-cs"/>
-                    </a:defRPr>
-                  </a:lvl4pPr>
-                  <a:lvl5pPr marL="1828800" algn="l" defTabSz="914400" rtl="0" eaLnBrk="1" latinLnBrk="0" hangingPunct="1">
-                    <a:defRPr sz="1800" kern="1200">
-                      <a:solidFill>
-                        <a:schemeClr val="lt1"/>
-                      </a:solidFill>
-                      <a:latin typeface="+mn-lt"/>
-                      <a:ea typeface="+mn-ea"/>
-                      <a:cs typeface="+mn-cs"/>
-                    </a:defRPr>
-                  </a:lvl5pPr>
-                  <a:lvl6pPr marL="2286000" algn="l" defTabSz="914400" rtl="0" eaLnBrk="1" latinLnBrk="0" hangingPunct="1">
-                    <a:defRPr sz="1800" kern="1200">
-                      <a:solidFill>
-                        <a:schemeClr val="lt1"/>
-                      </a:solidFill>
-                      <a:latin typeface="+mn-lt"/>
-                      <a:ea typeface="+mn-ea"/>
-                      <a:cs typeface="+mn-cs"/>
-                    </a:defRPr>
-                  </a:lvl6pPr>
-                  <a:lvl7pPr marL="2743200" algn="l" defTabSz="914400" rtl="0" eaLnBrk="1" latinLnBrk="0" hangingPunct="1">
-                    <a:defRPr sz="1800" kern="1200">
-                      <a:solidFill>
-                        <a:schemeClr val="lt1"/>
-                      </a:solidFill>
-                      <a:latin typeface="+mn-lt"/>
-                      <a:ea typeface="+mn-ea"/>
-                      <a:cs typeface="+mn-cs"/>
-                    </a:defRPr>
-                  </a:lvl7pPr>
-                  <a:lvl8pPr marL="3200400" algn="l" defTabSz="914400" rtl="0" eaLnBrk="1" latinLnBrk="0" hangingPunct="1">
-                    <a:defRPr sz="1800" kern="1200">
-                      <a:solidFill>
-                        <a:schemeClr val="lt1"/>
-                      </a:solidFill>
-                      <a:latin typeface="+mn-lt"/>
-                      <a:ea typeface="+mn-ea"/>
-                      <a:cs typeface="+mn-cs"/>
-                    </a:defRPr>
-                  </a:lvl8pPr>
-                  <a:lvl9pPr marL="3657600" algn="l" defTabSz="914400" rtl="0" eaLnBrk="1" latinLnBrk="0" hangingPunct="1">
-                    <a:defRPr sz="1800" kern="1200">
-                      <a:solidFill>
-                        <a:schemeClr val="lt1"/>
-                      </a:solidFill>
-                      <a:latin typeface="+mn-lt"/>
-                      <a:ea typeface="+mn-ea"/>
-                      <a:cs typeface="+mn-cs"/>
-                    </a:defRPr>
-                  </a:lvl9pPr>
-                </a:lstStyle>
-                <a:p>
-                  <a:pPr marL="0" marR="0" lvl="0" indent="0" algn="ctr" defTabSz="914400" rtl="0" eaLnBrk="1" fontAlgn="base" latinLnBrk="0" hangingPunct="1">
-                    <a:lnSpc>
-                      <a:spcPct val="90000"/>
-                    </a:lnSpc>
-                    <a:spcBef>
-                      <a:spcPct val="0"/>
-                    </a:spcBef>
-                    <a:spcAft>
-                      <a:spcPct val="0"/>
-                    </a:spcAft>
-                    <a:buClrTx/>
-                    <a:buSzTx/>
-                    <a:buFontTx/>
-                    <a:buNone/>
-                    <a:defRPr/>
-                  </a:pPr>
-                  <a:endParaRPr kumimoji="0" lang="en-US" sz="2355" b="0" i="0" u="none" strike="noStrike" kern="1200" cap="none" spc="0" normalizeH="0" baseline="0" noProof="0" err="1">
-                    <a:ln>
-                      <a:noFill/>
-                    </a:ln>
-                    <a:gradFill>
-                      <a:gsLst>
-                        <a:gs pos="0">
-                          <a:srgbClr val="FFFFFF"/>
-                        </a:gs>
-                        <a:gs pos="100000">
-                          <a:srgbClr val="FFFFFF"/>
-                        </a:gs>
-                      </a:gsLst>
-                      <a:lin ang="5400000" scaled="0"/>
-                    </a:gradFill>
-                    <a:effectLst/>
-                    <a:uLnTx/>
-                    <a:uFillTx/>
-                    <a:latin typeface="Segoe UI" panose="020B0502040204020203"/>
-                    <a:ea typeface="Segoe UI" panose="020B0502040204020203" pitchFamily="34" charset="0"/>
-                    <a:cs typeface="Segoe UI" panose="020B0502040204020203" pitchFamily="34" charset="0"/>
-                  </a:endParaRPr>
-                </a:p>
-              </p:txBody>
-            </p:sp>
-            <p:pic>
-              <p:nvPicPr>
-                <p:cNvPr id="16" name="Picture 15"/>
-                <p:cNvPicPr>
-                  <a:picLocks noChangeAspect="1"/>
-                </p:cNvPicPr>
-                <p:nvPr/>
-              </p:nvPicPr>
-              <p:blipFill>
-                <a:blip r:embed="rId1"/>
-                <a:stretch>
-                  <a:fillRect/>
-                </a:stretch>
-              </p:blipFill>
-              <p:spPr>
-                <a:xfrm>
-                  <a:off x="6784448" y="3230392"/>
-                  <a:ext cx="396530" cy="349182"/>
-                </a:xfrm>
-                <a:prstGeom prst="rect">
-                  <a:avLst/>
-                </a:prstGeom>
-              </p:spPr>
-            </p:pic>
-          </p:grpSp>
-        </p:grpSp>
-        <p:sp>
-          <p:nvSpPr>
-            <p:cNvPr id="6" name="people_4"/>
-            <p:cNvSpPr>
-              <a:spLocks noChangeAspect="1" noEditPoints="1"/>
-            </p:cNvSpPr>
-            <p:nvPr/>
-          </p:nvSpPr>
-          <p:spPr bwMode="auto">
-            <a:xfrm>
-              <a:off x="6425939" y="2009891"/>
-              <a:ext cx="456932" cy="510842"/>
-            </a:xfrm>
-            <a:custGeom>
-              <a:avLst/>
-              <a:gdLst>
-                <a:gd name="T0" fmla="*/ 48 w 246"/>
-                <a:gd name="T1" fmla="*/ 76 h 275"/>
-                <a:gd name="T2" fmla="*/ 124 w 246"/>
-                <a:gd name="T3" fmla="*/ 0 h 275"/>
-                <a:gd name="T4" fmla="*/ 201 w 246"/>
-                <a:gd name="T5" fmla="*/ 76 h 275"/>
-                <a:gd name="T6" fmla="*/ 124 w 246"/>
-                <a:gd name="T7" fmla="*/ 152 h 275"/>
-                <a:gd name="T8" fmla="*/ 48 w 246"/>
-                <a:gd name="T9" fmla="*/ 76 h 275"/>
-                <a:gd name="T10" fmla="*/ 246 w 246"/>
-                <a:gd name="T11" fmla="*/ 275 h 275"/>
-                <a:gd name="T12" fmla="*/ 123 w 246"/>
-                <a:gd name="T13" fmla="*/ 152 h 275"/>
-                <a:gd name="T14" fmla="*/ 0 w 246"/>
-                <a:gd name="T15" fmla="*/ 275 h 275"/>
-              </a:gdLst>
-              <a:ahLst/>
-              <a:cxnLst>
-                <a:cxn ang="0">
-                  <a:pos x="T0" y="T1"/>
-                </a:cxn>
-                <a:cxn ang="0">
-                  <a:pos x="T2" y="T3"/>
-                </a:cxn>
-                <a:cxn ang="0">
-                  <a:pos x="T4" y="T5"/>
-                </a:cxn>
-                <a:cxn ang="0">
-                  <a:pos x="T6" y="T7"/>
-                </a:cxn>
-                <a:cxn ang="0">
-                  <a:pos x="T8" y="T9"/>
-                </a:cxn>
-                <a:cxn ang="0">
-                  <a:pos x="T10" y="T11"/>
-                </a:cxn>
-                <a:cxn ang="0">
-                  <a:pos x="T12" y="T13"/>
-                </a:cxn>
-                <a:cxn ang="0">
-                  <a:pos x="T14" y="T15"/>
-                </a:cxn>
-              </a:cxnLst>
-              <a:rect l="0" t="0" r="r" b="b"/>
-              <a:pathLst>
-                <a:path w="246" h="275">
-                  <a:moveTo>
-                    <a:pt x="48" y="76"/>
-                  </a:moveTo>
-                  <a:cubicBezTo>
-                    <a:pt x="48" y="34"/>
-                    <a:pt x="82" y="0"/>
-                    <a:pt x="124" y="0"/>
-                  </a:cubicBezTo>
-                  <a:cubicBezTo>
-                    <a:pt x="166" y="0"/>
-                    <a:pt x="201" y="34"/>
-                    <a:pt x="201" y="76"/>
-                  </a:cubicBezTo>
-                  <a:cubicBezTo>
-                    <a:pt x="201" y="118"/>
-                    <a:pt x="166" y="152"/>
-                    <a:pt x="124" y="152"/>
-                  </a:cubicBezTo>
-                  <a:cubicBezTo>
-                    <a:pt x="82" y="152"/>
-                    <a:pt x="48" y="118"/>
-                    <a:pt x="48" y="76"/>
-                  </a:cubicBezTo>
-                  <a:close/>
-                  <a:moveTo>
-                    <a:pt x="246" y="275"/>
-                  </a:moveTo>
-                  <a:cubicBezTo>
-                    <a:pt x="246" y="207"/>
-                    <a:pt x="191" y="152"/>
-                    <a:pt x="123" y="152"/>
-                  </a:cubicBezTo>
-                  <a:cubicBezTo>
-                    <a:pt x="55" y="152"/>
-                    <a:pt x="0" y="207"/>
-                    <a:pt x="0" y="275"/>
-                  </a:cubicBezTo>
-                </a:path>
-              </a:pathLst>
-            </a:custGeom>
-            <a:noFill/>
-            <a:ln w="15875" cap="sq">
-              <a:solidFill>
-                <a:schemeClr val="tx1"/>
-              </a:solidFill>
-              <a:prstDash val="solid"/>
-              <a:miter lim="800000"/>
-            </a:ln>
-            <a:extLst>
-              <a:ext uri="{909E8E84-426E-40DD-AFC4-6F175D3DCCD1}">
-                <a14:hiddenFill xmlns:a14="http://schemas.microsoft.com/office/drawing/2010/main">
-                  <a:solidFill>
-                    <a:srgbClr val="FFFFFF"/>
-                  </a:solidFill>
-                </a14:hiddenFill>
-              </a:ext>
-            </a:extLst>
-          </p:spPr>
-          <p:txBody>
-            <a:bodyPr vert="horz" wrap="square" lIns="91440" tIns="45720" rIns="91440" bIns="45720" numCol="1" anchor="t" anchorCtr="0" compatLnSpc="1"/>
-            <a:lstStyle>
-              <a:defPPr>
-                <a:defRPr lang="en-US"/>
-              </a:defPPr>
-              <a:lvl1pPr marL="0" algn="l" defTabSz="914400" rtl="0" eaLnBrk="1" latinLnBrk="0" hangingPunct="1">
-                <a:defRPr sz="1800" kern="1200">
-                  <a:solidFill>
-                    <a:schemeClr val="tx1"/>
-                  </a:solidFill>
-                  <a:latin typeface="+mn-lt"/>
-                  <a:ea typeface="+mn-ea"/>
-                  <a:cs typeface="+mn-cs"/>
-                </a:defRPr>
-              </a:lvl1pPr>
-              <a:lvl2pPr marL="457200" algn="l" defTabSz="914400" rtl="0" eaLnBrk="1" latinLnBrk="0" hangingPunct="1">
-                <a:defRPr sz="1800" kern="1200">
-                  <a:solidFill>
-                    <a:schemeClr val="tx1"/>
-                  </a:solidFill>
-                  <a:latin typeface="+mn-lt"/>
-                  <a:ea typeface="+mn-ea"/>
-                  <a:cs typeface="+mn-cs"/>
-                </a:defRPr>
-              </a:lvl2pPr>
-              <a:lvl3pPr marL="914400" algn="l" defTabSz="914400" rtl="0" eaLnBrk="1" latinLnBrk="0" hangingPunct="1">
-                <a:defRPr sz="1800" kern="1200">
-                  <a:solidFill>
-                    <a:schemeClr val="tx1"/>
-                  </a:solidFill>
-                  <a:latin typeface="+mn-lt"/>
-                  <a:ea typeface="+mn-ea"/>
-                  <a:cs typeface="+mn-cs"/>
-                </a:defRPr>
-              </a:lvl3pPr>
-              <a:lvl4pPr marL="1371600" algn="l" defTabSz="914400" rtl="0" eaLnBrk="1" latinLnBrk="0" hangingPunct="1">
-                <a:defRPr sz="1800" kern="1200">
-                  <a:solidFill>
-                    <a:schemeClr val="tx1"/>
-                  </a:solidFill>
-                  <a:latin typeface="+mn-lt"/>
-                  <a:ea typeface="+mn-ea"/>
-                  <a:cs typeface="+mn-cs"/>
-                </a:defRPr>
-              </a:lvl4pPr>
-              <a:lvl5pPr marL="1828800" algn="l" defTabSz="914400" rtl="0" eaLnBrk="1" latinLnBrk="0" hangingPunct="1">
-                <a:defRPr sz="1800" kern="1200">
-                  <a:solidFill>
-                    <a:schemeClr val="tx1"/>
-                  </a:solidFill>
-                  <a:latin typeface="+mn-lt"/>
-                  <a:ea typeface="+mn-ea"/>
-                  <a:cs typeface="+mn-cs"/>
-                </a:defRPr>
-              </a:lvl5pPr>
-              <a:lvl6pPr marL="2286000" algn="l" defTabSz="914400" rtl="0" eaLnBrk="1" latinLnBrk="0" hangingPunct="1">
-                <a:defRPr sz="1800" kern="1200">
-                  <a:solidFill>
-                    <a:schemeClr val="tx1"/>
-                  </a:solidFill>
-                  <a:latin typeface="+mn-lt"/>
-                  <a:ea typeface="+mn-ea"/>
-                  <a:cs typeface="+mn-cs"/>
-                </a:defRPr>
-              </a:lvl6pPr>
-              <a:lvl7pPr marL="2743200" algn="l" defTabSz="914400" rtl="0" eaLnBrk="1" latinLnBrk="0" hangingPunct="1">
-                <a:defRPr sz="1800" kern="1200">
-                  <a:solidFill>
-                    <a:schemeClr val="tx1"/>
-                  </a:solidFill>
-                  <a:latin typeface="+mn-lt"/>
-                  <a:ea typeface="+mn-ea"/>
-                  <a:cs typeface="+mn-cs"/>
-                </a:defRPr>
-              </a:lvl7pPr>
-              <a:lvl8pPr marL="3200400" algn="l" defTabSz="914400" rtl="0" eaLnBrk="1" latinLnBrk="0" hangingPunct="1">
-                <a:defRPr sz="1800" kern="1200">
-                  <a:solidFill>
-                    <a:schemeClr val="tx1"/>
-                  </a:solidFill>
-                  <a:latin typeface="+mn-lt"/>
-                  <a:ea typeface="+mn-ea"/>
-                  <a:cs typeface="+mn-cs"/>
-                </a:defRPr>
-              </a:lvl8pPr>
-              <a:lvl9pPr marL="3657600" algn="l" defTabSz="914400" rtl="0" eaLnBrk="1" latinLnBrk="0" hangingPunct="1">
-                <a:defRPr sz="1800" kern="1200">
-                  <a:solidFill>
-                    <a:schemeClr val="tx1"/>
-                  </a:solidFill>
-                  <a:latin typeface="+mn-lt"/>
-                  <a:ea typeface="+mn-ea"/>
-                  <a:cs typeface="+mn-cs"/>
-                </a:defRPr>
-              </a:lvl9pPr>
-            </a:lstStyle>
-            <a:p>
-              <a:endParaRPr lang="en-US"/>
-            </a:p>
-          </p:txBody>
-        </p:sp>
-        <p:pic>
-          <p:nvPicPr>
-            <p:cNvPr id="28" name="Picture 2" descr="Image result for machine learning model icon"/>
-            <p:cNvPicPr>
-              <a:picLocks noChangeAspect="1" noChangeArrowheads="1"/>
-            </p:cNvPicPr>
-            <p:nvPr/>
-          </p:nvPicPr>
-          <p:blipFill>
-            <a:blip r:embed="rId2">
-              <a:extLst>
-                <a:ext uri="{28A0092B-C50C-407E-A947-70E740481C1C}">
-                  <a14:useLocalDpi xmlns:a14="http://schemas.microsoft.com/office/drawing/2010/main" val="0"/>
-                </a:ext>
-              </a:extLst>
-            </a:blip>
-            <a:srcRect/>
-            <a:stretch>
-              <a:fillRect/>
-            </a:stretch>
-          </p:blipFill>
-          <p:spPr bwMode="auto">
-            <a:xfrm>
-              <a:off x="5440863" y="1918490"/>
-              <a:ext cx="979372" cy="788227"/>
-            </a:xfrm>
-            <a:prstGeom prst="rect">
-              <a:avLst/>
-            </a:prstGeom>
-            <a:noFill/>
-            <a:extLst>
-              <a:ext uri="{909E8E84-426E-40DD-AFC4-6F175D3DCCD1}">
-                <a14:hiddenFill xmlns:a14="http://schemas.microsoft.com/office/drawing/2010/main">
-                  <a:solidFill>
-                    <a:srgbClr val="FFFFFF"/>
-                  </a:solidFill>
-                </a14:hiddenFill>
-              </a:ext>
-            </a:extLst>
-          </p:spPr>
-        </p:pic>
-        <p:sp>
-          <p:nvSpPr>
-            <p:cNvPr id="29" name="TextBox 28"/>
-            <p:cNvSpPr txBox="1"/>
-            <p:nvPr/>
-          </p:nvSpPr>
-          <p:spPr>
-            <a:xfrm>
-              <a:off x="5253908" y="1612779"/>
-              <a:ext cx="1570173" cy="400110"/>
-            </a:xfrm>
-            <a:prstGeom prst="rect">
-              <a:avLst/>
-            </a:prstGeom>
-            <a:noFill/>
-          </p:spPr>
-          <p:txBody>
-            <a:bodyPr wrap="none" rtlCol="0">
-              <a:spAutoFit/>
-            </a:bodyPr>
-            <a:lstStyle>
-              <a:defPPr>
-                <a:defRPr lang="en-US"/>
-              </a:defPPr>
-              <a:lvl1pPr marL="0" algn="l" defTabSz="914400" rtl="0" eaLnBrk="1" latinLnBrk="0" hangingPunct="1">
-                <a:defRPr sz="1800" kern="1200">
-                  <a:solidFill>
-                    <a:schemeClr val="tx1"/>
-                  </a:solidFill>
-                  <a:latin typeface="+mn-lt"/>
-                  <a:ea typeface="+mn-ea"/>
-                  <a:cs typeface="+mn-cs"/>
-                </a:defRPr>
-              </a:lvl1pPr>
-              <a:lvl2pPr marL="457200" algn="l" defTabSz="914400" rtl="0" eaLnBrk="1" latinLnBrk="0" hangingPunct="1">
-                <a:defRPr sz="1800" kern="1200">
-                  <a:solidFill>
-                    <a:schemeClr val="tx1"/>
-                  </a:solidFill>
-                  <a:latin typeface="+mn-lt"/>
-                  <a:ea typeface="+mn-ea"/>
-                  <a:cs typeface="+mn-cs"/>
-                </a:defRPr>
-              </a:lvl2pPr>
-              <a:lvl3pPr marL="914400" algn="l" defTabSz="914400" rtl="0" eaLnBrk="1" latinLnBrk="0" hangingPunct="1">
-                <a:defRPr sz="1800" kern="1200">
-                  <a:solidFill>
-                    <a:schemeClr val="tx1"/>
-                  </a:solidFill>
-                  <a:latin typeface="+mn-lt"/>
-                  <a:ea typeface="+mn-ea"/>
-                  <a:cs typeface="+mn-cs"/>
-                </a:defRPr>
-              </a:lvl3pPr>
-              <a:lvl4pPr marL="1371600" algn="l" defTabSz="914400" rtl="0" eaLnBrk="1" latinLnBrk="0" hangingPunct="1">
-                <a:defRPr sz="1800" kern="1200">
-                  <a:solidFill>
-                    <a:schemeClr val="tx1"/>
-                  </a:solidFill>
-                  <a:latin typeface="+mn-lt"/>
-                  <a:ea typeface="+mn-ea"/>
-                  <a:cs typeface="+mn-cs"/>
-                </a:defRPr>
-              </a:lvl4pPr>
-              <a:lvl5pPr marL="1828800" algn="l" defTabSz="914400" rtl="0" eaLnBrk="1" latinLnBrk="0" hangingPunct="1">
-                <a:defRPr sz="1800" kern="1200">
-                  <a:solidFill>
-                    <a:schemeClr val="tx1"/>
-                  </a:solidFill>
-                  <a:latin typeface="+mn-lt"/>
-                  <a:ea typeface="+mn-ea"/>
-                  <a:cs typeface="+mn-cs"/>
-                </a:defRPr>
-              </a:lvl5pPr>
-              <a:lvl6pPr marL="2286000" algn="l" defTabSz="914400" rtl="0" eaLnBrk="1" latinLnBrk="0" hangingPunct="1">
-                <a:defRPr sz="1800" kern="1200">
-                  <a:solidFill>
-                    <a:schemeClr val="tx1"/>
-                  </a:solidFill>
-                  <a:latin typeface="+mn-lt"/>
-                  <a:ea typeface="+mn-ea"/>
-                  <a:cs typeface="+mn-cs"/>
-                </a:defRPr>
-              </a:lvl6pPr>
-              <a:lvl7pPr marL="2743200" algn="l" defTabSz="914400" rtl="0" eaLnBrk="1" latinLnBrk="0" hangingPunct="1">
-                <a:defRPr sz="1800" kern="1200">
-                  <a:solidFill>
-                    <a:schemeClr val="tx1"/>
-                  </a:solidFill>
-                  <a:latin typeface="+mn-lt"/>
-                  <a:ea typeface="+mn-ea"/>
-                  <a:cs typeface="+mn-cs"/>
-                </a:defRPr>
-              </a:lvl7pPr>
-              <a:lvl8pPr marL="3200400" algn="l" defTabSz="914400" rtl="0" eaLnBrk="1" latinLnBrk="0" hangingPunct="1">
-                <a:defRPr sz="1800" kern="1200">
-                  <a:solidFill>
-                    <a:schemeClr val="tx1"/>
-                  </a:solidFill>
-                  <a:latin typeface="+mn-lt"/>
-                  <a:ea typeface="+mn-ea"/>
-                  <a:cs typeface="+mn-cs"/>
-                </a:defRPr>
-              </a:lvl8pPr>
-              <a:lvl9pPr marL="3657600" algn="l" defTabSz="914400" rtl="0" eaLnBrk="1" latinLnBrk="0" hangingPunct="1">
-                <a:defRPr sz="1800" kern="1200">
-                  <a:solidFill>
-                    <a:schemeClr val="tx1"/>
-                  </a:solidFill>
-                  <a:latin typeface="+mn-lt"/>
-                  <a:ea typeface="+mn-ea"/>
-                  <a:cs typeface="+mn-cs"/>
-                </a:defRPr>
-              </a:lvl9pPr>
-            </a:lstStyle>
-            <a:p>
-              <a:r>
-                <a:rPr lang="en-US" i="0" dirty="0"/>
-                <a:t>Your Service</a:t>
-              </a:r>
-              <a:endParaRPr lang="en-US" i="0" dirty="0"/>
-            </a:p>
-          </p:txBody>
-        </p:sp>
-        <p:cxnSp>
-          <p:nvCxnSpPr>
-            <p:cNvPr id="10" name="Straight Arrow Connector 9"/>
-            <p:cNvCxnSpPr/>
-            <p:nvPr/>
-          </p:nvCxnSpPr>
-          <p:spPr>
-            <a:xfrm>
-              <a:off x="7137391" y="2312604"/>
-              <a:ext cx="2815344" cy="0"/>
-            </a:xfrm>
-            <a:prstGeom prst="straightConnector1">
-              <a:avLst/>
-            </a:prstGeom>
-            <a:ln w="28575">
-              <a:tailEnd type="triangle"/>
-            </a:ln>
-          </p:spPr>
-          <p:style>
-            <a:lnRef idx="1">
-              <a:schemeClr val="accent1"/>
-            </a:lnRef>
-            <a:fillRef idx="0">
-              <a:schemeClr val="accent1"/>
-            </a:fillRef>
-            <a:effectRef idx="0">
-              <a:schemeClr val="accent1"/>
-            </a:effectRef>
-            <a:fontRef idx="minor">
-              <a:schemeClr val="tx1"/>
-            </a:fontRef>
-          </p:style>
-        </p:cxnSp>
-        <p:grpSp>
-          <p:nvGrpSpPr>
-            <p:cNvPr id="56" name="Group 55"/>
-            <p:cNvGrpSpPr/>
-            <p:nvPr/>
-          </p:nvGrpSpPr>
-          <p:grpSpPr>
-            <a:xfrm>
-              <a:off x="5890364" y="2728460"/>
-              <a:ext cx="4661897" cy="592324"/>
-              <a:chOff x="5890364" y="2728460"/>
-              <a:chExt cx="4661897" cy="592324"/>
-            </a:xfrm>
-          </p:grpSpPr>
-          <p:cxnSp>
-            <p:nvCxnSpPr>
-              <p:cNvPr id="57" name="Connector: Elbow 56"/>
-              <p:cNvCxnSpPr/>
-              <p:nvPr/>
-            </p:nvCxnSpPr>
-            <p:spPr>
-              <a:xfrm rot="10800000">
-                <a:off x="5890364" y="2728460"/>
-                <a:ext cx="4661897" cy="592323"/>
-              </a:xfrm>
-              <a:prstGeom prst="bentConnector3">
-                <a:avLst>
-                  <a:gd name="adj1" fmla="val 100017"/>
-                </a:avLst>
-              </a:prstGeom>
-              <a:ln w="28575">
-                <a:tailEnd type="triangle"/>
-              </a:ln>
-            </p:spPr>
-            <p:style>
-              <a:lnRef idx="1">
-                <a:schemeClr val="accent1"/>
-              </a:lnRef>
-              <a:fillRef idx="0">
-                <a:schemeClr val="accent1"/>
-              </a:fillRef>
-              <a:effectRef idx="0">
-                <a:schemeClr val="accent1"/>
-              </a:effectRef>
-              <a:fontRef idx="minor">
-                <a:schemeClr val="tx1"/>
-              </a:fontRef>
-            </p:style>
-          </p:cxnSp>
-          <p:cxnSp>
-            <p:nvCxnSpPr>
-              <p:cNvPr id="58" name="Straight Connector 57"/>
-              <p:cNvCxnSpPr/>
-              <p:nvPr/>
-            </p:nvCxnSpPr>
-            <p:spPr>
-              <a:xfrm>
-                <a:off x="10552261" y="2750199"/>
-                <a:ext cx="0" cy="570585"/>
-              </a:xfrm>
-              <a:prstGeom prst="line">
-                <a:avLst/>
-              </a:prstGeom>
-              <a:ln w="28575"/>
-            </p:spPr>
-            <p:style>
-              <a:lnRef idx="1">
-                <a:schemeClr val="accent1"/>
-              </a:lnRef>
-              <a:fillRef idx="0">
-                <a:schemeClr val="accent1"/>
-              </a:fillRef>
-              <a:effectRef idx="0">
-                <a:schemeClr val="accent1"/>
-              </a:effectRef>
-              <a:fontRef idx="minor">
-                <a:schemeClr val="tx1"/>
-              </a:fontRef>
-            </p:style>
-          </p:cxnSp>
-        </p:grpSp>
-      </p:grpSp>
-      <p:sp>
-        <p:nvSpPr>
-          <p:cNvPr id="25" name="Rectangle 24"/>
-          <p:cNvSpPr/>
-          <p:nvPr/>
-        </p:nvSpPr>
-        <p:spPr>
-          <a:xfrm>
-            <a:off x="4364586" y="3010476"/>
-            <a:ext cx="3813349" cy="800219"/>
-          </a:xfrm>
-          <a:prstGeom prst="rect">
-            <a:avLst/>
-          </a:prstGeom>
-        </p:spPr>
-        <p:txBody>
-          <a:bodyPr wrap="square">
-            <a:spAutoFit/>
-          </a:bodyPr>
-          <a:lstStyle>
-            <a:defPPr>
-              <a:defRPr lang="en-US"/>
-            </a:defPPr>
-            <a:lvl1pPr marL="0" algn="l" defTabSz="914400" rtl="0" eaLnBrk="1" latinLnBrk="0" hangingPunct="1">
-              <a:defRPr sz="1800" kern="1200">
-                <a:solidFill>
-                  <a:schemeClr val="tx1"/>
-                </a:solidFill>
-                <a:latin typeface="+mn-lt"/>
-                <a:ea typeface="+mn-ea"/>
-                <a:cs typeface="+mn-cs"/>
-              </a:defRPr>
-            </a:lvl1pPr>
-            <a:lvl2pPr marL="457200" algn="l" defTabSz="914400" rtl="0" eaLnBrk="1" latinLnBrk="0" hangingPunct="1">
-              <a:defRPr sz="1800" kern="1200">
-                <a:solidFill>
-                  <a:schemeClr val="tx1"/>
-                </a:solidFill>
-                <a:latin typeface="+mn-lt"/>
-                <a:ea typeface="+mn-ea"/>
-                <a:cs typeface="+mn-cs"/>
-              </a:defRPr>
-            </a:lvl2pPr>
-            <a:lvl3pPr marL="914400" algn="l" defTabSz="914400" rtl="0" eaLnBrk="1" latinLnBrk="0" hangingPunct="1">
-              <a:defRPr sz="1800" kern="1200">
-                <a:solidFill>
-                  <a:schemeClr val="tx1"/>
-                </a:solidFill>
-                <a:latin typeface="+mn-lt"/>
-                <a:ea typeface="+mn-ea"/>
-                <a:cs typeface="+mn-cs"/>
-              </a:defRPr>
-            </a:lvl3pPr>
-            <a:lvl4pPr marL="1371600" algn="l" defTabSz="914400" rtl="0" eaLnBrk="1" latinLnBrk="0" hangingPunct="1">
-              <a:defRPr sz="1800" kern="1200">
-                <a:solidFill>
-                  <a:schemeClr val="tx1"/>
-                </a:solidFill>
-                <a:latin typeface="+mn-lt"/>
-                <a:ea typeface="+mn-ea"/>
-                <a:cs typeface="+mn-cs"/>
-              </a:defRPr>
-            </a:lvl4pPr>
-            <a:lvl5pPr marL="1828800" algn="l" defTabSz="914400" rtl="0" eaLnBrk="1" latinLnBrk="0" hangingPunct="1">
-              <a:defRPr sz="1800" kern="1200">
-                <a:solidFill>
-                  <a:schemeClr val="tx1"/>
-                </a:solidFill>
-                <a:latin typeface="+mn-lt"/>
-                <a:ea typeface="+mn-ea"/>
-                <a:cs typeface="+mn-cs"/>
-              </a:defRPr>
-            </a:lvl5pPr>
-            <a:lvl6pPr marL="2286000" algn="l" defTabSz="914400" rtl="0" eaLnBrk="1" latinLnBrk="0" hangingPunct="1">
-              <a:defRPr sz="1800" kern="1200">
-                <a:solidFill>
-                  <a:schemeClr val="tx1"/>
-                </a:solidFill>
-                <a:latin typeface="+mn-lt"/>
-                <a:ea typeface="+mn-ea"/>
-                <a:cs typeface="+mn-cs"/>
-              </a:defRPr>
-            </a:lvl6pPr>
-            <a:lvl7pPr marL="2743200" algn="l" defTabSz="914400" rtl="0" eaLnBrk="1" latinLnBrk="0" hangingPunct="1">
-              <a:defRPr sz="1800" kern="1200">
-                <a:solidFill>
-                  <a:schemeClr val="tx1"/>
-                </a:solidFill>
-                <a:latin typeface="+mn-lt"/>
-                <a:ea typeface="+mn-ea"/>
-                <a:cs typeface="+mn-cs"/>
-              </a:defRPr>
-            </a:lvl7pPr>
-            <a:lvl8pPr marL="3200400" algn="l" defTabSz="914400" rtl="0" eaLnBrk="1" latinLnBrk="0" hangingPunct="1">
-              <a:defRPr sz="1800" kern="1200">
-                <a:solidFill>
-                  <a:schemeClr val="tx1"/>
-                </a:solidFill>
-                <a:latin typeface="+mn-lt"/>
-                <a:ea typeface="+mn-ea"/>
-                <a:cs typeface="+mn-cs"/>
-              </a:defRPr>
-            </a:lvl8pPr>
-            <a:lvl9pPr marL="3657600" algn="l" defTabSz="914400" rtl="0" eaLnBrk="1" latinLnBrk="0" hangingPunct="1">
-              <a:defRPr sz="1800" kern="1200">
-                <a:solidFill>
-                  <a:schemeClr val="tx1"/>
-                </a:solidFill>
-                <a:latin typeface="+mn-lt"/>
-                <a:ea typeface="+mn-ea"/>
-                <a:cs typeface="+mn-cs"/>
-              </a:defRPr>
-            </a:lvl9pPr>
-          </a:lstStyle>
-          <a:p>
-            <a:r>
-              <a:rPr lang="en-US" dirty="0">
-                <a:latin typeface="Segoe UI" panose="020B0502040204020203" pitchFamily="34" charset="0"/>
-                <a:cs typeface="Segoe UI" panose="020B0502040204020203" pitchFamily="34" charset="0"/>
-              </a:rPr>
-              <a:t>“Find me a wireless mouse at $30”</a:t>
-            </a:r>
-            <a:endParaRPr lang="en-US" dirty="0">
-              <a:latin typeface="Segoe UI" panose="020B0502040204020203" pitchFamily="34" charset="0"/>
-              <a:cs typeface="Segoe UI" panose="020B0502040204020203" pitchFamily="34" charset="0"/>
-            </a:endParaRPr>
-          </a:p>
-          <a:p>
-            <a:endParaRPr lang="en-US" sz="2800" i="1" dirty="0"/>
-          </a:p>
-        </p:txBody>
-      </p:sp>
-      <p:sp>
-        <p:nvSpPr>
-          <p:cNvPr id="23" name="Rectangle 22"/>
-          <p:cNvSpPr/>
-          <p:nvPr/>
-        </p:nvSpPr>
-        <p:spPr>
-          <a:xfrm>
-            <a:off x="4530101" y="4469408"/>
-            <a:ext cx="3134338" cy="829945"/>
-          </a:xfrm>
-          <a:prstGeom prst="rect">
-            <a:avLst/>
-          </a:prstGeom>
-        </p:spPr>
-        <p:txBody>
-          <a:bodyPr wrap="square">
-            <a:spAutoFit/>
-          </a:bodyPr>
-          <a:lstStyle>
-            <a:defPPr>
-              <a:defRPr lang="en-US"/>
-            </a:defPPr>
-            <a:lvl1pPr marL="0" algn="l" defTabSz="914400" rtl="0" eaLnBrk="1" latinLnBrk="0" hangingPunct="1">
-              <a:defRPr sz="1800" kern="1200">
-                <a:solidFill>
-                  <a:schemeClr val="tx1"/>
-                </a:solidFill>
-                <a:latin typeface="+mn-lt"/>
-                <a:ea typeface="+mn-ea"/>
-                <a:cs typeface="+mn-cs"/>
-              </a:defRPr>
-            </a:lvl1pPr>
-            <a:lvl2pPr marL="457200" algn="l" defTabSz="914400" rtl="0" eaLnBrk="1" latinLnBrk="0" hangingPunct="1">
-              <a:defRPr sz="1800" kern="1200">
-                <a:solidFill>
-                  <a:schemeClr val="tx1"/>
-                </a:solidFill>
-                <a:latin typeface="+mn-lt"/>
-                <a:ea typeface="+mn-ea"/>
-                <a:cs typeface="+mn-cs"/>
-              </a:defRPr>
-            </a:lvl2pPr>
-            <a:lvl3pPr marL="914400" algn="l" defTabSz="914400" rtl="0" eaLnBrk="1" latinLnBrk="0" hangingPunct="1">
-              <a:defRPr sz="1800" kern="1200">
-                <a:solidFill>
-                  <a:schemeClr val="tx1"/>
-                </a:solidFill>
-                <a:latin typeface="+mn-lt"/>
-                <a:ea typeface="+mn-ea"/>
-                <a:cs typeface="+mn-cs"/>
-              </a:defRPr>
-            </a:lvl3pPr>
-            <a:lvl4pPr marL="1371600" algn="l" defTabSz="914400" rtl="0" eaLnBrk="1" latinLnBrk="0" hangingPunct="1">
-              <a:defRPr sz="1800" kern="1200">
-                <a:solidFill>
-                  <a:schemeClr val="tx1"/>
-                </a:solidFill>
-                <a:latin typeface="+mn-lt"/>
-                <a:ea typeface="+mn-ea"/>
-                <a:cs typeface="+mn-cs"/>
-              </a:defRPr>
-            </a:lvl4pPr>
-            <a:lvl5pPr marL="1828800" algn="l" defTabSz="914400" rtl="0" eaLnBrk="1" latinLnBrk="0" hangingPunct="1">
-              <a:defRPr sz="1800" kern="1200">
-                <a:solidFill>
-                  <a:schemeClr val="tx1"/>
-                </a:solidFill>
-                <a:latin typeface="+mn-lt"/>
-                <a:ea typeface="+mn-ea"/>
-                <a:cs typeface="+mn-cs"/>
-              </a:defRPr>
-            </a:lvl5pPr>
-            <a:lvl6pPr marL="2286000" algn="l" defTabSz="914400" rtl="0" eaLnBrk="1" latinLnBrk="0" hangingPunct="1">
-              <a:defRPr sz="1800" kern="1200">
-                <a:solidFill>
-                  <a:schemeClr val="tx1"/>
-                </a:solidFill>
-                <a:latin typeface="+mn-lt"/>
-                <a:ea typeface="+mn-ea"/>
-                <a:cs typeface="+mn-cs"/>
-              </a:defRPr>
-            </a:lvl6pPr>
-            <a:lvl7pPr marL="2743200" algn="l" defTabSz="914400" rtl="0" eaLnBrk="1" latinLnBrk="0" hangingPunct="1">
-              <a:defRPr sz="1800" kern="1200">
-                <a:solidFill>
-                  <a:schemeClr val="tx1"/>
-                </a:solidFill>
-                <a:latin typeface="+mn-lt"/>
-                <a:ea typeface="+mn-ea"/>
-                <a:cs typeface="+mn-cs"/>
-              </a:defRPr>
-            </a:lvl7pPr>
-            <a:lvl8pPr marL="3200400" algn="l" defTabSz="914400" rtl="0" eaLnBrk="1" latinLnBrk="0" hangingPunct="1">
-              <a:defRPr sz="1800" kern="1200">
-                <a:solidFill>
-                  <a:schemeClr val="tx1"/>
-                </a:solidFill>
-                <a:latin typeface="+mn-lt"/>
-                <a:ea typeface="+mn-ea"/>
-                <a:cs typeface="+mn-cs"/>
-              </a:defRPr>
-            </a:lvl8pPr>
-            <a:lvl9pPr marL="3657600" algn="l" defTabSz="914400" rtl="0" eaLnBrk="1" latinLnBrk="0" hangingPunct="1">
-              <a:defRPr sz="1800" kern="1200">
-                <a:solidFill>
-                  <a:schemeClr val="tx1"/>
-                </a:solidFill>
-                <a:latin typeface="+mn-lt"/>
-                <a:ea typeface="+mn-ea"/>
-                <a:cs typeface="+mn-cs"/>
-              </a:defRPr>
-            </a:lvl9pPr>
-          </a:lstStyle>
-          <a:p>
-            <a:r>
-              <a:rPr lang="en-US" sz="1600" i="1" dirty="0">
-                <a:latin typeface="Segoe UI" panose="020B0502040204020203" pitchFamily="34" charset="0"/>
-                <a:cs typeface="Segoe UI" panose="020B0502040204020203" pitchFamily="34" charset="0"/>
-              </a:rPr>
-              <a:t>Intent -&gt; Find an item</a:t>
-            </a:r>
-            <a:endParaRPr lang="en-US" sz="1600" i="1" dirty="0">
-              <a:latin typeface="Segoe UI" panose="020B0502040204020203" pitchFamily="34" charset="0"/>
-              <a:cs typeface="Segoe UI" panose="020B0502040204020203" pitchFamily="34" charset="0"/>
-            </a:endParaRPr>
-          </a:p>
-          <a:p>
-            <a:r>
-              <a:rPr lang="en-US" sz="1600" i="1" dirty="0">
-                <a:latin typeface="Segoe UI" panose="020B0502040204020203" pitchFamily="34" charset="0"/>
-                <a:cs typeface="Segoe UI" panose="020B0502040204020203" pitchFamily="34" charset="0"/>
-              </a:rPr>
-              <a:t>Item -&gt; wireless mouse</a:t>
-            </a:r>
-            <a:endParaRPr lang="en-US" sz="1600" i="1" dirty="0">
-              <a:latin typeface="Segoe UI" panose="020B0502040204020203" pitchFamily="34" charset="0"/>
-              <a:cs typeface="Segoe UI" panose="020B0502040204020203" pitchFamily="34" charset="0"/>
-            </a:endParaRPr>
-          </a:p>
-          <a:p>
-            <a:r>
-              <a:rPr lang="en-US" sz="1600" i="1" dirty="0">
-                <a:latin typeface="Segoe UI" panose="020B0502040204020203" pitchFamily="34" charset="0"/>
-                <a:cs typeface="Segoe UI" panose="020B0502040204020203" pitchFamily="34" charset="0"/>
-              </a:rPr>
-              <a:t>Money -&gt; $30</a:t>
-            </a:r>
-            <a:endParaRPr lang="en-US" sz="1600" i="1" dirty="0">
-              <a:latin typeface="Segoe UI" panose="020B0502040204020203" pitchFamily="34" charset="0"/>
-              <a:cs typeface="Segoe UI" panose="020B0502040204020203" pitchFamily="34" charset="0"/>
-            </a:endParaRPr>
-          </a:p>
-        </p:txBody>
-      </p:sp>
-    </p:spTree>
-  </p:cSld>
-  <p:clrMapOvr>
-    <a:masterClrMapping/>
-  </p:clrMapOvr>
-  <mc:AlternateContent xmlns:mc="http://schemas.openxmlformats.org/markup-compatibility/2006">
-    <mc:Choice xmlns:p14="http://schemas.microsoft.com/office/powerpoint/2010/main" Requires="p14">
-      <p:transition spd="med" p14:dur="700">
-        <p:fade/>
-      </p:transition>
-    </mc:Choice>
-    <mc:Fallback>
-      <p:transition spd="med">
-        <p:fade/>
-      </p:transition>
-    </mc:Fallback>
-  </mc:AlternateContent>
-</p:sld>
-</file>
-
-<file path=ppt/slides/slide14.xml><?xml version="1.0" encoding="utf-8"?>
-<p:sld xmlns:a="http://schemas.openxmlformats.org/drawingml/2006/main" xmlns:r="http://schemas.openxmlformats.org/officeDocument/2006/relationships" xmlns:p="http://schemas.openxmlformats.org/presentationml/2006/main">
-  <p:cSld>
-    <p:spTree>
-      <p:nvGrpSpPr>
-        <p:cNvPr id="1" name=""/>
-        <p:cNvGrpSpPr/>
-        <p:nvPr/>
-      </p:nvGrpSpPr>
-      <p:grpSpPr>
-        <a:xfrm>
-          <a:off x="0" y="0"/>
-          <a:ext cx="0" cy="0"/>
-          <a:chOff x="0" y="0"/>
-          <a:chExt cx="0" cy="0"/>
-        </a:xfrm>
-      </p:grpSpPr>
-      <p:sp>
-        <p:nvSpPr>
-          <p:cNvPr id="17" name="Title 16"/>
-          <p:cNvSpPr>
-            <a:spLocks noGrp="1"/>
-          </p:cNvSpPr>
-          <p:nvPr>
-            <p:ph type="title"/>
-          </p:nvPr>
-        </p:nvSpPr>
-        <p:spPr>
-          <a:xfrm>
-            <a:off x="586993" y="3041650"/>
-            <a:ext cx="11018520" cy="553998"/>
-          </a:xfrm>
-        </p:spPr>
-        <p:txBody>
-          <a:bodyPr>
-            <a:noAutofit/>
-          </a:bodyPr>
-          <a:lstStyle/>
-          <a:p>
-            <a:pPr algn="ctr"/>
-            <a:r>
-              <a:rPr lang="en-US" sz="2800" b="1">
-                <a:latin typeface="Calibri" panose="020F0502020204030204" charset="0"/>
-                <a:cs typeface="Calibri" panose="020F0502020204030204" charset="0"/>
-                <a:sym typeface="+mn-ea"/>
-              </a:rPr>
-              <a:t>Now We’re ready to build a NLU model using LUIS!!</a:t>
-            </a:r>
-            <a:endParaRPr lang="en-US" sz="2800" b="1" dirty="0">
-              <a:latin typeface="Calibri" panose="020F0502020204030204" charset="0"/>
-              <a:cs typeface="Calibri" panose="020F0502020204030204" charset="0"/>
-              <a:sym typeface="+mn-ea"/>
-            </a:endParaRPr>
-          </a:p>
-        </p:txBody>
-      </p:sp>
-    </p:spTree>
-  </p:cSld>
-  <p:clrMapOvr>
-    <a:masterClrMapping/>
-  </p:clrMapOvr>
-  <mc:AlternateContent xmlns:mc="http://schemas.openxmlformats.org/markup-compatibility/2006">
-    <mc:Choice xmlns:p14="http://schemas.microsoft.com/office/powerpoint/2010/main" Requires="p14">
-      <p:transition spd="med" p14:dur="700">
-        <p:fade/>
-      </p:transition>
-    </mc:Choice>
-    <mc:Fallback>
-      <p:transition spd="med">
-        <p:fade/>
-      </p:transition>
-    </mc:Fallback>
-  </mc:AlternateContent>
-</p:sld>
-</file>
-
-<file path=ppt/slides/slide15.xml><?xml version="1.0" encoding="utf-8"?>
-<p:sld xmlns:a="http://schemas.openxmlformats.org/drawingml/2006/main" xmlns:r="http://schemas.openxmlformats.org/officeDocument/2006/relationships" xmlns:p="http://schemas.openxmlformats.org/presentationml/2006/main">
-  <p:cSld>
-    <p:spTree>
-      <p:nvGrpSpPr>
-        <p:cNvPr id="1" name=""/>
-        <p:cNvGrpSpPr/>
-        <p:nvPr/>
-      </p:nvGrpSpPr>
-      <p:grpSpPr>
-        <a:xfrm>
-          <a:off x="0" y="0"/>
-          <a:ext cx="0" cy="0"/>
-          <a:chOff x="0" y="0"/>
-          <a:chExt cx="0" cy="0"/>
-        </a:xfrm>
-      </p:grpSpPr>
-      <p:sp>
-        <p:nvSpPr>
-          <p:cNvPr id="17" name="Title 16"/>
-          <p:cNvSpPr>
-            <a:spLocks noGrp="1"/>
-          </p:cNvSpPr>
-          <p:nvPr>
-            <p:ph type="title"/>
-          </p:nvPr>
-        </p:nvSpPr>
-        <p:spPr>
-          <a:xfrm>
             <a:off x="586993" y="3041650"/>
             <a:ext cx="11018520" cy="553998"/>
           </a:xfrm>
@@ -9286,7 +7600,7 @@
             </a:pPr>
             <a:r>
               <a:rPr lang="en-US"/>
-              <a:t>Computer Science Undergrad at ASET, Noida.</a:t>
+              <a:t>Computer Science Undergrad at Amity University, Noida.</a:t>
             </a:r>
             <a:endParaRPr lang="en-US"/>
           </a:p>
@@ -9511,7 +7825,7 @@
                 <a:cs typeface="Calibri" panose="020F0502020204030204" charset="0"/>
                 <a:sym typeface="+mn-ea"/>
               </a:rPr>
-              <a:t>Language Understanding</a:t>
+              <a:t>Language Understanding Intelligent Service</a:t>
             </a:r>
             <a:r>
               <a:rPr lang="en-US" sz="2000"/>
@@ -9915,37 +8229,219 @@
           <a:chExt cx="0" cy="0"/>
         </a:xfrm>
       </p:grpSpPr>
+      <p:sp>
+        <p:nvSpPr>
+          <p:cNvPr id="17" name="Title 16"/>
+          <p:cNvSpPr>
+            <a:spLocks noGrp="1"/>
+          </p:cNvSpPr>
+          <p:nvPr>
+            <p:ph type="title"/>
+          </p:nvPr>
+        </p:nvSpPr>
+        <p:spPr>
+          <a:xfrm>
+            <a:off x="588263" y="637540"/>
+            <a:ext cx="11018520" cy="553998"/>
+          </a:xfrm>
+        </p:spPr>
+        <p:txBody>
+          <a:bodyPr>
+            <a:noAutofit/>
+          </a:bodyPr>
+          <a:lstStyle/>
+          <a:p>
+            <a:r>
+              <a:rPr lang="en-US" sz="3600" b="1" dirty="0">
+                <a:latin typeface="Calibri" panose="020F0502020204030204" charset="0"/>
+                <a:cs typeface="Calibri" panose="020F0502020204030204" charset="0"/>
+                <a:sym typeface="+mn-ea"/>
+              </a:rPr>
+              <a:t>What is Natural Language Understanding (NLU)?</a:t>
+            </a:r>
+            <a:endParaRPr lang="en-US" sz="3600" b="1" dirty="0">
+              <a:latin typeface="Calibri" panose="020F0502020204030204" charset="0"/>
+              <a:cs typeface="Calibri" panose="020F0502020204030204" charset="0"/>
+            </a:endParaRPr>
+          </a:p>
+        </p:txBody>
+      </p:sp>
+      <p:sp>
+        <p:nvSpPr>
+          <p:cNvPr id="3" name="Text Box 2"/>
+          <p:cNvSpPr txBox="1"/>
+          <p:nvPr/>
+        </p:nvSpPr>
+        <p:spPr>
+          <a:xfrm>
+            <a:off x="588010" y="1285875"/>
+            <a:ext cx="11353800" cy="2245360"/>
+          </a:xfrm>
+          <a:prstGeom prst="rect">
+            <a:avLst/>
+          </a:prstGeom>
+          <a:noFill/>
+        </p:spPr>
+        <p:txBody>
+          <a:bodyPr wrap="square" rtlCol="0">
+            <a:spAutoFit/>
+          </a:bodyPr>
+          <a:p>
+            <a:pPr marL="342900" indent="-342900" defTabSz="914400">
+              <a:buClr>
+                <a:srgbClr val="02B6F1"/>
+              </a:buClr>
+              <a:buSzPct val="75000"/>
+              <a:buFont typeface="Arial" panose="020B0604020202020204" pitchFamily="34" charset="0"/>
+              <a:buChar char="•"/>
+              <a:defRPr/>
+            </a:pPr>
+            <a:r>
+              <a:rPr lang="en-US" sz="2000" dirty="0">
+                <a:sym typeface="+mn-ea"/>
+              </a:rPr>
+              <a:t>NLU directly enables Human-Computer Interaction (HCI) in the form of </a:t>
+            </a:r>
+            <a:r>
+              <a:rPr lang="en-US" sz="2000" b="1" dirty="0">
+                <a:sym typeface="+mn-ea"/>
+              </a:rPr>
+              <a:t>dialogues/conversations</a:t>
+            </a:r>
+            <a:r>
+              <a:rPr lang="en-US" sz="2000" dirty="0">
+                <a:sym typeface="+mn-ea"/>
+              </a:rPr>
+              <a:t>. </a:t>
+            </a:r>
+            <a:endParaRPr lang="en-US" sz="2000" dirty="0">
+              <a:sym typeface="+mn-ea"/>
+            </a:endParaRPr>
+          </a:p>
+          <a:p>
+            <a:pPr indent="0" defTabSz="914400">
+              <a:buClr>
+                <a:srgbClr val="02B6F1"/>
+              </a:buClr>
+              <a:buSzPct val="75000"/>
+              <a:buFont typeface="Arial" panose="020B0604020202020204" pitchFamily="34" charset="0"/>
+              <a:buNone/>
+              <a:defRPr/>
+            </a:pPr>
+            <a:endParaRPr lang="en-US" sz="2000" dirty="0">
+              <a:sym typeface="+mn-ea"/>
+            </a:endParaRPr>
+          </a:p>
+          <a:p>
+            <a:pPr marL="342900" indent="-342900" defTabSz="914400">
+              <a:buClr>
+                <a:srgbClr val="02B6F1"/>
+              </a:buClr>
+              <a:buSzPct val="75000"/>
+              <a:buFont typeface="Arial" panose="020B0604020202020204" pitchFamily="34" charset="0"/>
+              <a:buChar char="•"/>
+              <a:defRPr/>
+            </a:pPr>
+            <a:r>
+              <a:rPr lang="en-US" sz="2000" dirty="0">
+                <a:sym typeface="+mn-ea"/>
+              </a:rPr>
+              <a:t>NLU is tasked with communicating with untrained individuals and understanding their </a:t>
+            </a:r>
+            <a:r>
+              <a:rPr lang="en-US" sz="2000" b="1" i="1" dirty="0">
+                <a:sym typeface="+mn-ea"/>
+              </a:rPr>
+              <a:t>intent</a:t>
+            </a:r>
+            <a:r>
+              <a:rPr lang="en-US" sz="2000" dirty="0">
+                <a:sym typeface="+mn-ea"/>
+              </a:rPr>
+              <a:t>, and </a:t>
+            </a:r>
+            <a:r>
+              <a:rPr lang="en-US" sz="2000" b="1" i="1" dirty="0">
+                <a:sym typeface="+mn-ea"/>
+              </a:rPr>
+              <a:t>entities</a:t>
+            </a:r>
+            <a:r>
+              <a:rPr lang="en-US" sz="2000" dirty="0">
+                <a:sym typeface="+mn-ea"/>
+              </a:rPr>
+              <a:t> meaning that NLU goes beyond understanding words and interprets meaning. </a:t>
+            </a:r>
+            <a:endParaRPr lang="en-US" sz="2000" dirty="0">
+              <a:sym typeface="+mn-ea"/>
+            </a:endParaRPr>
+          </a:p>
+          <a:p>
+            <a:pPr indent="0" defTabSz="914400">
+              <a:buClr>
+                <a:srgbClr val="02B6F1"/>
+              </a:buClr>
+              <a:buSzPct val="75000"/>
+              <a:buFont typeface="Arial" panose="020B0604020202020204" pitchFamily="34" charset="0"/>
+              <a:buNone/>
+              <a:defRPr/>
+            </a:pPr>
+            <a:endParaRPr lang="en-US" sz="2000" dirty="0">
+              <a:sym typeface="+mn-ea"/>
+            </a:endParaRPr>
+          </a:p>
+          <a:p>
+            <a:pPr marL="342900" indent="-342900" defTabSz="914400">
+              <a:buClr>
+                <a:srgbClr val="02B6F1"/>
+              </a:buClr>
+              <a:buSzPct val="75000"/>
+              <a:buFont typeface="Arial" panose="020B0604020202020204" pitchFamily="34" charset="0"/>
+              <a:buChar char="•"/>
+              <a:defRPr/>
+            </a:pPr>
+            <a:r>
+              <a:rPr lang="en-US" sz="2000" dirty="0">
+                <a:sym typeface="+mn-ea"/>
+              </a:rPr>
+              <a:t>NLU should be programmed with the ability to understand meaning despite common human errors like mispronunciations or transposed letters or words.</a:t>
+            </a:r>
+            <a:endParaRPr lang="en-US" sz="2000"/>
+          </a:p>
+        </p:txBody>
+      </p:sp>
       <p:pic>
         <p:nvPicPr>
-          <p:cNvPr id="4" name="Picture 4">
-            <a:hlinkClick r:id="" action="ppaction://media"/>
-          </p:cNvPr>
+          <p:cNvPr id="6" name="Content Placeholder 5"/>
           <p:cNvPicPr>
-            <a:picLocks noRot="1" noChangeAspect="1"/>
+            <a:picLocks noChangeAspect="1"/>
           </p:cNvPicPr>
           <p:nvPr>
-            <a:videoFile r:link="rId1"/>
-            <p:extLst>
-              <p:ext uri="{DAA4B4D4-6D71-4841-9C94-3DE7FCFB9230}">
-                <p14:media xmlns:p14="http://schemas.microsoft.com/office/powerpoint/2010/main" r:link="rId2"/>
-              </p:ext>
-            </p:extLst>
+            <p:ph idx="1"/>
           </p:nvPr>
         </p:nvPicPr>
         <p:blipFill>
-          <a:blip r:embed="rId3"/>
+          <a:blip r:embed="rId1"/>
+          <a:srcRect l="3607" t="6353" r="3906" b="7373"/>
           <a:stretch>
             <a:fillRect/>
           </a:stretch>
         </p:blipFill>
         <p:spPr>
           <a:xfrm>
-            <a:off x="1" y="-13478"/>
-            <a:ext cx="12191999" cy="6870579"/>
+            <a:off x="8225155" y="3409950"/>
+            <a:ext cx="2533650" cy="2364105"/>
           </a:xfrm>
-          <a:prstGeom prst="rect">
+          <a:prstGeom prst="ellipse">
             <a:avLst/>
           </a:prstGeom>
+          <a:ln w="104775">
+            <a:solidFill>
+              <a:schemeClr val="bg2">
+                <a:lumMod val="50000"/>
+              </a:schemeClr>
+            </a:solidFill>
+          </a:ln>
         </p:spPr>
       </p:pic>
     </p:spTree>
@@ -9953,6 +8449,18 @@
   <p:clrMapOvr>
     <a:masterClrMapping/>
   </p:clrMapOvr>
+  <mc:AlternateContent xmlns:mc="http://schemas.openxmlformats.org/markup-compatibility/2006">
+    <mc:Choice xmlns:p14="http://schemas.microsoft.com/office/powerpoint/2010/main" Requires="p14">
+      <p:transition spd="med" p14:dur="700">
+        <p:fade/>
+      </p:transition>
+    </mc:Choice>
+    <mc:Fallback>
+      <p:transition spd="med">
+        <p:fade/>
+      </p:transition>
+    </mc:Fallback>
+  </mc:AlternateContent>
 </p:sld>
 </file>
 
@@ -9996,30 +8504,31 @@
           <a:lstStyle/>
           <a:p>
             <a:r>
-              <a:rPr lang="en-US" sz="3600" b="1" dirty="0">
+              <a:rPr lang="en-US" sz="3200" b="1" dirty="0">
                 <a:latin typeface="Calibri" panose="020F0502020204030204" charset="0"/>
                 <a:cs typeface="Calibri" panose="020F0502020204030204" charset="0"/>
                 <a:sym typeface="+mn-ea"/>
               </a:rPr>
-              <a:t>What is Natural Language Understanding (NLU)?</a:t>
-            </a:r>
-            <a:endParaRPr lang="en-US" sz="3600" b="1" dirty="0">
+              <a:t>Intents: What does the user want to say?</a:t>
+            </a:r>
+            <a:endParaRPr lang="en-US" sz="3200" b="1" dirty="0">
               <a:latin typeface="Calibri" panose="020F0502020204030204" charset="0"/>
               <a:cs typeface="Calibri" panose="020F0502020204030204" charset="0"/>
+              <a:sym typeface="+mn-ea"/>
             </a:endParaRPr>
           </a:p>
         </p:txBody>
       </p:sp>
       <p:sp>
         <p:nvSpPr>
-          <p:cNvPr id="3" name="Text Box 2"/>
+          <p:cNvPr id="2" name="Text Box 1"/>
           <p:cNvSpPr txBox="1"/>
           <p:nvPr/>
         </p:nvSpPr>
         <p:spPr>
           <a:xfrm>
-            <a:off x="588010" y="1801495"/>
-            <a:ext cx="11353800" cy="2861310"/>
+            <a:off x="588010" y="1403350"/>
+            <a:ext cx="8342630" cy="922020"/>
           </a:xfrm>
           <a:prstGeom prst="rect">
             <a:avLst/>
@@ -10031,166 +8540,81 @@
             <a:spAutoFit/>
           </a:bodyPr>
           <a:p>
-            <a:pPr marL="342900" indent="-342900" defTabSz="914400">
-              <a:buClr>
-                <a:srgbClr val="02B6F1"/>
-              </a:buClr>
-              <a:buSzPct val="75000"/>
+            <a:pPr marL="285750" indent="-285750">
               <a:buFont typeface="Arial" panose="020B0604020202020204" pitchFamily="34" charset="0"/>
               <a:buChar char="•"/>
-              <a:defRPr/>
             </a:pPr>
             <a:r>
-              <a:rPr lang="en-US" sz="2000" dirty="0">
+              <a:rPr lang="en-US"/>
+              <a:t>An intent represents a task or action the user wants to perform. It is a purpose or goal expressed in a user's utterance. </a:t>
+            </a:r>
+            <a:endParaRPr lang="en-US"/>
+          </a:p>
+          <a:p>
+            <a:pPr marL="285750" indent="-285750">
+              <a:buFont typeface="Arial" panose="020B0604020202020204" pitchFamily="34" charset="0"/>
+              <a:buChar char="•"/>
+            </a:pPr>
+            <a:r>
+              <a:rPr lang="en-US" dirty="0">
                 <a:sym typeface="+mn-ea"/>
               </a:rPr>
-              <a:t>NLU directly enables Human-Computer Interaction (HCI) in the form of </a:t>
-            </a:r>
-            <a:r>
-              <a:rPr lang="en-US" sz="2000" b="1" dirty="0">
-                <a:sym typeface="+mn-ea"/>
-              </a:rPr>
-              <a:t>dialogues/conversations</a:t>
-            </a:r>
-            <a:r>
-              <a:rPr lang="en-US" sz="2000" dirty="0">
-                <a:sym typeface="+mn-ea"/>
-              </a:rPr>
-              <a:t>. </a:t>
-            </a:r>
-            <a:endParaRPr lang="en-US" sz="2000" dirty="0">
-              <a:sym typeface="+mn-ea"/>
-            </a:endParaRPr>
-          </a:p>
-          <a:p>
-            <a:pPr indent="0" defTabSz="914400">
-              <a:buClr>
-                <a:srgbClr val="02B6F1"/>
-              </a:buClr>
-              <a:buSzPct val="75000"/>
-              <a:buFont typeface="Arial" panose="020B0604020202020204" pitchFamily="34" charset="0"/>
-              <a:buNone/>
-              <a:defRPr/>
-            </a:pPr>
-            <a:r>
-              <a:rPr lang="en-US" sz="2000" dirty="0">
-                <a:sym typeface="+mn-ea"/>
-              </a:rPr>
-              <a:t>      - Enables computers to understand commands without the formalized syntax of computer languages </a:t>
-            </a:r>
-            <a:endParaRPr lang="en-US" sz="2000" dirty="0">
-              <a:sym typeface="+mn-ea"/>
-            </a:endParaRPr>
-          </a:p>
-          <a:p>
-            <a:pPr indent="0" defTabSz="914400">
-              <a:buClr>
-                <a:srgbClr val="02B6F1"/>
-              </a:buClr>
-              <a:buSzPct val="75000"/>
-              <a:buFont typeface="Arial" panose="020B0604020202020204" pitchFamily="34" charset="0"/>
-              <a:buNone/>
-              <a:defRPr/>
-            </a:pPr>
-            <a:r>
-              <a:rPr lang="en-US" sz="2000" dirty="0">
-                <a:sym typeface="+mn-ea"/>
-              </a:rPr>
-              <a:t>      - Enables computers to communicate back to humans in their own languages.</a:t>
-            </a:r>
-            <a:endParaRPr lang="en-US" sz="2000" dirty="0">
-              <a:sym typeface="+mn-ea"/>
-            </a:endParaRPr>
-          </a:p>
-          <a:p>
-            <a:pPr indent="0" defTabSz="914400">
-              <a:buClr>
-                <a:srgbClr val="02B6F1"/>
-              </a:buClr>
-              <a:buSzPct val="75000"/>
-              <a:buFont typeface="Arial" panose="020B0604020202020204" pitchFamily="34" charset="0"/>
-              <a:buNone/>
-              <a:defRPr/>
-            </a:pPr>
-            <a:endParaRPr lang="en-US" sz="2000" dirty="0">
-              <a:sym typeface="+mn-ea"/>
-            </a:endParaRPr>
-          </a:p>
-          <a:p>
-            <a:pPr marL="342900" indent="-342900" defTabSz="914400">
-              <a:buClr>
-                <a:srgbClr val="02B6F1"/>
-              </a:buClr>
-              <a:buSzPct val="75000"/>
-              <a:buFont typeface="Arial" panose="020B0604020202020204" pitchFamily="34" charset="0"/>
-              <a:buChar char="•"/>
-              <a:defRPr/>
-            </a:pPr>
-            <a:r>
-              <a:rPr lang="en-US" sz="2000" dirty="0">
-                <a:sym typeface="+mn-ea"/>
-              </a:rPr>
-              <a:t>NLU is tasked with communicating with untrained individuals and understanding their </a:t>
-            </a:r>
-            <a:r>
-              <a:rPr lang="en-US" sz="2000" b="1" i="1" dirty="0">
-                <a:sym typeface="+mn-ea"/>
-              </a:rPr>
-              <a:t>intent</a:t>
-            </a:r>
-            <a:r>
-              <a:rPr lang="en-US" sz="2000" dirty="0">
-                <a:sym typeface="+mn-ea"/>
-              </a:rPr>
-              <a:t>, and </a:t>
-            </a:r>
-            <a:r>
-              <a:rPr lang="en-US" sz="2000" b="1" i="1" dirty="0">
-                <a:sym typeface="+mn-ea"/>
-              </a:rPr>
-              <a:t>entities</a:t>
-            </a:r>
-            <a:r>
-              <a:rPr lang="en-US" sz="2000" dirty="0">
-                <a:sym typeface="+mn-ea"/>
-              </a:rPr>
-              <a:t> meaning that NLU goes beyond understanding words and interprets meaning. </a:t>
-            </a:r>
-            <a:endParaRPr lang="en-US" sz="2000" dirty="0">
-              <a:sym typeface="+mn-ea"/>
-            </a:endParaRPr>
-          </a:p>
-          <a:p>
-            <a:pPr indent="0" defTabSz="914400">
-              <a:buClr>
-                <a:srgbClr val="02B6F1"/>
-              </a:buClr>
-              <a:buSzPct val="75000"/>
-              <a:buFont typeface="Arial" panose="020B0604020202020204" pitchFamily="34" charset="0"/>
-              <a:buNone/>
-              <a:defRPr/>
-            </a:pPr>
-            <a:endParaRPr lang="en-US" sz="2000" dirty="0">
-              <a:sym typeface="+mn-ea"/>
-            </a:endParaRPr>
-          </a:p>
-          <a:p>
-            <a:pPr marL="342900" indent="-342900" defTabSz="914400">
-              <a:buClr>
-                <a:srgbClr val="02B6F1"/>
-              </a:buClr>
-              <a:buSzPct val="75000"/>
-              <a:buFont typeface="Arial" panose="020B0604020202020204" pitchFamily="34" charset="0"/>
-              <a:buChar char="•"/>
-              <a:defRPr/>
-            </a:pPr>
-            <a:r>
-              <a:rPr lang="en-US" sz="2000" dirty="0">
-                <a:sym typeface="+mn-ea"/>
-              </a:rPr>
-              <a:t>NLU should be programmed with the ability to understand meaning despite common human errors like mispronunciations or transposed letters or words.</a:t>
-            </a:r>
-            <a:endParaRPr lang="en-US" sz="2000"/>
+              <a:t>E.g. book a flight, request a vacation, place an order, delete an email, pay a bill etc.</a:t>
+            </a:r>
+            <a:endParaRPr lang="en-US"/>
+          </a:p>
+        </p:txBody>
+      </p:sp>
+      <p:pic>
+        <p:nvPicPr>
+          <p:cNvPr id="3" name="Picture 2"/>
+          <p:cNvPicPr>
+            <a:picLocks noChangeAspect="1"/>
+          </p:cNvPicPr>
+          <p:nvPr/>
+        </p:nvPicPr>
+        <p:blipFill>
+          <a:blip r:embed="rId1"/>
+          <a:stretch>
+            <a:fillRect/>
+          </a:stretch>
+        </p:blipFill>
+        <p:spPr>
+          <a:xfrm>
+            <a:off x="937895" y="2540000"/>
+            <a:ext cx="6772275" cy="3257550"/>
+          </a:xfrm>
+          <a:prstGeom prst="rect">
+            <a:avLst/>
+          </a:prstGeom>
+        </p:spPr>
+      </p:pic>
+      <p:sp>
+        <p:nvSpPr>
+          <p:cNvPr id="4" name="Text Box 3"/>
+          <p:cNvSpPr txBox="1"/>
+          <p:nvPr/>
+        </p:nvSpPr>
+        <p:spPr>
+          <a:xfrm>
+            <a:off x="8437880" y="3520440"/>
+            <a:ext cx="2971800" cy="645160"/>
+          </a:xfrm>
+          <a:prstGeom prst="rect">
+            <a:avLst/>
+          </a:prstGeom>
+          <a:noFill/>
+        </p:spPr>
+        <p:txBody>
+          <a:bodyPr wrap="square" rtlCol="0">
+            <a:spAutoFit/>
+          </a:bodyPr>
+          <a:p>
+            <a:r>
+              <a:rPr lang="en-US" b="1" i="1"/>
+              <a:t>Intents -&gt; Actions users want to take in your application</a:t>
+            </a:r>
+            <a:endParaRPr lang="en-US" b="1" i="1"/>
           </a:p>
         </p:txBody>
       </p:sp>
@@ -10419,180 +8843,6 @@
 </file>
 
 <file path=ppt/slides/slide8.xml><?xml version="1.0" encoding="utf-8"?>
-<p:sld xmlns:a="http://schemas.openxmlformats.org/drawingml/2006/main" xmlns:r="http://schemas.openxmlformats.org/officeDocument/2006/relationships" xmlns:p="http://schemas.openxmlformats.org/presentationml/2006/main">
-  <p:cSld>
-    <p:spTree>
-      <p:nvGrpSpPr>
-        <p:cNvPr id="1" name=""/>
-        <p:cNvGrpSpPr/>
-        <p:nvPr/>
-      </p:nvGrpSpPr>
-      <p:grpSpPr>
-        <a:xfrm>
-          <a:off x="0" y="0"/>
-          <a:ext cx="0" cy="0"/>
-          <a:chOff x="0" y="0"/>
-          <a:chExt cx="0" cy="0"/>
-        </a:xfrm>
-      </p:grpSpPr>
-      <p:sp>
-        <p:nvSpPr>
-          <p:cNvPr id="17" name="Title 16"/>
-          <p:cNvSpPr>
-            <a:spLocks noGrp="1"/>
-          </p:cNvSpPr>
-          <p:nvPr>
-            <p:ph type="title"/>
-          </p:nvPr>
-        </p:nvSpPr>
-        <p:spPr>
-          <a:xfrm>
-            <a:off x="588263" y="849630"/>
-            <a:ext cx="11018520" cy="553998"/>
-          </a:xfrm>
-        </p:spPr>
-        <p:txBody>
-          <a:bodyPr>
-            <a:noAutofit/>
-          </a:bodyPr>
-          <a:lstStyle/>
-          <a:p>
-            <a:r>
-              <a:rPr lang="en-US" sz="3200" b="1" dirty="0">
-                <a:latin typeface="Calibri" panose="020F0502020204030204" charset="0"/>
-                <a:cs typeface="Calibri" panose="020F0502020204030204" charset="0"/>
-                <a:sym typeface="+mn-ea"/>
-              </a:rPr>
-              <a:t>Intents: What does the user want to say?</a:t>
-            </a:r>
-            <a:endParaRPr lang="en-US" sz="3200" b="1" dirty="0">
-              <a:latin typeface="Calibri" panose="020F0502020204030204" charset="0"/>
-              <a:cs typeface="Calibri" panose="020F0502020204030204" charset="0"/>
-              <a:sym typeface="+mn-ea"/>
-            </a:endParaRPr>
-          </a:p>
-        </p:txBody>
-      </p:sp>
-      <p:sp>
-        <p:nvSpPr>
-          <p:cNvPr id="2" name="Text Box 1"/>
-          <p:cNvSpPr txBox="1"/>
-          <p:nvPr/>
-        </p:nvSpPr>
-        <p:spPr>
-          <a:xfrm>
-            <a:off x="588010" y="1403350"/>
-            <a:ext cx="8342630" cy="922020"/>
-          </a:xfrm>
-          <a:prstGeom prst="rect">
-            <a:avLst/>
-          </a:prstGeom>
-          <a:noFill/>
-        </p:spPr>
-        <p:txBody>
-          <a:bodyPr wrap="square" rtlCol="0">
-            <a:spAutoFit/>
-          </a:bodyPr>
-          <a:p>
-            <a:pPr marL="285750" indent="-285750">
-              <a:buFont typeface="Arial" panose="020B0604020202020204" pitchFamily="34" charset="0"/>
-              <a:buChar char="•"/>
-            </a:pPr>
-            <a:r>
-              <a:rPr lang="en-US"/>
-              <a:t>An intent represents a task or action the user wants to perform. It is a purpose or goal expressed in a user's utterance. </a:t>
-            </a:r>
-            <a:endParaRPr lang="en-US"/>
-          </a:p>
-          <a:p>
-            <a:pPr marL="285750" indent="-285750">
-              <a:buFont typeface="Arial" panose="020B0604020202020204" pitchFamily="34" charset="0"/>
-              <a:buChar char="•"/>
-            </a:pPr>
-            <a:r>
-              <a:rPr lang="en-US" dirty="0">
-                <a:sym typeface="+mn-ea"/>
-              </a:rPr>
-              <a:t>E.g. greeting, confirmation, request a vacation, place an order, delete an email etc.</a:t>
-            </a:r>
-            <a:endParaRPr lang="en-US"/>
-          </a:p>
-        </p:txBody>
-      </p:sp>
-      <p:pic>
-        <p:nvPicPr>
-          <p:cNvPr id="3" name="Picture 2"/>
-          <p:cNvPicPr>
-            <a:picLocks noChangeAspect="1"/>
-          </p:cNvPicPr>
-          <p:nvPr/>
-        </p:nvPicPr>
-        <p:blipFill>
-          <a:blip r:embed="rId1"/>
-          <a:stretch>
-            <a:fillRect/>
-          </a:stretch>
-        </p:blipFill>
-        <p:spPr>
-          <a:xfrm>
-            <a:off x="937895" y="2540000"/>
-            <a:ext cx="6772275" cy="3257550"/>
-          </a:xfrm>
-          <a:prstGeom prst="rect">
-            <a:avLst/>
-          </a:prstGeom>
-        </p:spPr>
-      </p:pic>
-      <p:sp>
-        <p:nvSpPr>
-          <p:cNvPr id="4" name="Text Box 3"/>
-          <p:cNvSpPr txBox="1"/>
-          <p:nvPr/>
-        </p:nvSpPr>
-        <p:spPr>
-          <a:xfrm>
-            <a:off x="8437880" y="3520440"/>
-            <a:ext cx="2971800" cy="645160"/>
-          </a:xfrm>
-          <a:prstGeom prst="rect">
-            <a:avLst/>
-          </a:prstGeom>
-          <a:noFill/>
-        </p:spPr>
-        <p:txBody>
-          <a:bodyPr wrap="square" rtlCol="0">
-            <a:spAutoFit/>
-          </a:bodyPr>
-          <a:p>
-            <a:r>
-              <a:rPr lang="en-US" b="1" i="1"/>
-              <a:t>Intents -&gt; Actions users want to take in your application</a:t>
-            </a:r>
-            <a:endParaRPr lang="en-US" b="1" i="1"/>
-          </a:p>
-        </p:txBody>
-      </p:sp>
-    </p:spTree>
-  </p:cSld>
-  <p:clrMapOvr>
-    <a:masterClrMapping/>
-  </p:clrMapOvr>
-  <mc:AlternateContent xmlns:mc="http://schemas.openxmlformats.org/markup-compatibility/2006">
-    <mc:Choice xmlns:p14="http://schemas.microsoft.com/office/powerpoint/2010/main" Requires="p14">
-      <p:transition spd="med" p14:dur="700">
-        <p:fade/>
-      </p:transition>
-    </mc:Choice>
-    <mc:Fallback>
-      <p:transition spd="med">
-        <p:fade/>
-      </p:transition>
-    </mc:Fallback>
-  </mc:AlternateContent>
-</p:sld>
-</file>
-
-<file path=ppt/slides/slide9.xml><?xml version="1.0" encoding="utf-8"?>
 <p:sld xmlns:a="http://schemas.openxmlformats.org/drawingml/2006/main" xmlns:r="http://schemas.openxmlformats.org/officeDocument/2006/relationships" xmlns:p="http://schemas.openxmlformats.org/presentationml/2006/main">
   <p:cSld>
     <p:spTree>
@@ -10776,9 +9026,9 @@
         <p:grpSpPr>
           <a:xfrm>
             <a:off x="5391150" y="5005705"/>
-            <a:ext cx="6477000" cy="989965"/>
+            <a:ext cx="6685915" cy="989965"/>
             <a:chOff x="8490" y="7883"/>
-            <a:chExt cx="10200" cy="1559"/>
+            <a:chExt cx="10529" cy="1559"/>
           </a:xfrm>
         </p:grpSpPr>
         <p:sp>
@@ -11184,7 +9434,7 @@
                     <a:schemeClr val="tx1"/>
                   </a:solidFill>
                 </a:rPr>
-                <a:t>Flights from Cairo to Seattle Today</a:t>
+                <a:t>Find me flights from Cairo to Seattle today</a:t>
               </a:r>
               <a:endParaRPr lang="en-US" sz="2400" dirty="0">
                 <a:solidFill>
@@ -11202,7 +9452,7 @@
           </p:nvSpPr>
           <p:spPr>
             <a:xfrm>
-              <a:off x="11434" y="8945"/>
+              <a:off x="12072" y="8945"/>
               <a:ext cx="1430" cy="434"/>
             </a:xfrm>
             <a:prstGeom prst="rect">
@@ -11326,7 +9576,7 @@
           </p:nvSpPr>
           <p:spPr>
             <a:xfrm>
-              <a:off x="14106" y="9008"/>
+              <a:off x="14832" y="9008"/>
               <a:ext cx="2086" cy="434"/>
             </a:xfrm>
             <a:prstGeom prst="rect">
@@ -11450,7 +9700,7 @@
           </p:nvSpPr>
           <p:spPr>
             <a:xfrm>
-              <a:off x="17567" y="8883"/>
+              <a:off x="18183" y="8883"/>
               <a:ext cx="836" cy="434"/>
             </a:xfrm>
             <a:prstGeom prst="rect">
@@ -11574,7 +9824,7 @@
           </p:nvCxnSpPr>
           <p:spPr>
             <a:xfrm flipV="1">
-              <a:off x="12149" y="8488"/>
+              <a:off x="12567" y="8488"/>
               <a:ext cx="1540" cy="482"/>
             </a:xfrm>
             <a:prstGeom prst="straightConnector1">
@@ -11609,7 +9859,7 @@
           </p:nvCxnSpPr>
           <p:spPr>
             <a:xfrm flipV="1">
-              <a:off x="15149" y="8479"/>
+              <a:off x="15875" y="8479"/>
               <a:ext cx="0" cy="529"/>
             </a:xfrm>
             <a:prstGeom prst="straightConnector1">
@@ -11644,7 +9894,7 @@
           </p:nvCxnSpPr>
           <p:spPr>
             <a:xfrm flipH="1" flipV="1">
-              <a:off x="16541" y="8387"/>
+              <a:off x="17157" y="8387"/>
               <a:ext cx="1444" cy="496"/>
             </a:xfrm>
             <a:prstGeom prst="straightConnector1">
@@ -11670,6 +9920,349 @@
           </p:style>
         </p:cxnSp>
       </p:grpSp>
+    </p:spTree>
+  </p:cSld>
+  <p:clrMapOvr>
+    <a:masterClrMapping/>
+  </p:clrMapOvr>
+  <mc:AlternateContent xmlns:mc="http://schemas.openxmlformats.org/markup-compatibility/2006">
+    <mc:Choice xmlns:p14="http://schemas.microsoft.com/office/powerpoint/2010/main" Requires="p14">
+      <p:transition spd="med" p14:dur="700">
+        <p:fade/>
+      </p:transition>
+    </mc:Choice>
+    <mc:Fallback>
+      <p:transition spd="med">
+        <p:fade/>
+      </p:transition>
+    </mc:Fallback>
+  </mc:AlternateContent>
+</p:sld>
+</file>
+
+<file path=ppt/slides/slide9.xml><?xml version="1.0" encoding="utf-8"?>
+<p:sld xmlns:a="http://schemas.openxmlformats.org/drawingml/2006/main" xmlns:r="http://schemas.openxmlformats.org/officeDocument/2006/relationships" xmlns:p="http://schemas.openxmlformats.org/presentationml/2006/main">
+  <p:cSld>
+    <p:spTree>
+      <p:nvGrpSpPr>
+        <p:cNvPr id="1" name=""/>
+        <p:cNvGrpSpPr/>
+        <p:nvPr/>
+      </p:nvGrpSpPr>
+      <p:grpSpPr>
+        <a:xfrm>
+          <a:off x="0" y="0"/>
+          <a:ext cx="0" cy="0"/>
+          <a:chOff x="0" y="0"/>
+          <a:chExt cx="0" cy="0"/>
+        </a:xfrm>
+      </p:grpSpPr>
+      <p:sp>
+        <p:nvSpPr>
+          <p:cNvPr id="17" name="Title 16"/>
+          <p:cNvSpPr>
+            <a:spLocks noGrp="1"/>
+          </p:cNvSpPr>
+          <p:nvPr>
+            <p:ph type="title"/>
+          </p:nvPr>
+        </p:nvSpPr>
+        <p:spPr>
+          <a:xfrm>
+            <a:off x="588010" y="1697990"/>
+            <a:ext cx="5003800" cy="553720"/>
+          </a:xfrm>
+        </p:spPr>
+        <p:txBody>
+          <a:bodyPr>
+            <a:noAutofit/>
+          </a:bodyPr>
+          <a:lstStyle/>
+          <a:p>
+            <a:r>
+              <a:rPr lang="en-US" sz="2800" b="1" dirty="0">
+                <a:latin typeface="Calibri" panose="020F0502020204030204" charset="0"/>
+                <a:cs typeface="Calibri" panose="020F0502020204030204" charset="0"/>
+                <a:sym typeface="+mn-ea"/>
+              </a:rPr>
+              <a:t>LUIS (Language Understanding Intelligent Service)</a:t>
+            </a:r>
+            <a:endParaRPr lang="en-US" sz="2800" b="1" dirty="0">
+              <a:latin typeface="Calibri" panose="020F0502020204030204" charset="0"/>
+              <a:cs typeface="Calibri" panose="020F0502020204030204" charset="0"/>
+              <a:sym typeface="+mn-ea"/>
+            </a:endParaRPr>
+          </a:p>
+        </p:txBody>
+      </p:sp>
+      <p:sp>
+        <p:nvSpPr>
+          <p:cNvPr id="2" name="Text Box 1"/>
+          <p:cNvSpPr txBox="1"/>
+          <p:nvPr/>
+        </p:nvSpPr>
+        <p:spPr>
+          <a:xfrm>
+            <a:off x="588645" y="2446020"/>
+            <a:ext cx="5003165" cy="2584450"/>
+          </a:xfrm>
+          <a:prstGeom prst="rect">
+            <a:avLst/>
+          </a:prstGeom>
+          <a:noFill/>
+        </p:spPr>
+        <p:txBody>
+          <a:bodyPr wrap="square" rtlCol="0">
+            <a:spAutoFit/>
+          </a:bodyPr>
+          <a:p>
+            <a:pPr marL="285750" indent="-285750">
+              <a:buFont typeface="Arial" panose="020B0604020202020204" pitchFamily="34" charset="0"/>
+              <a:buChar char="•"/>
+            </a:pPr>
+            <a:r>
+              <a:rPr lang="en-US"/>
+              <a:t>LUIS (Language Understanding)- Cognitive Service, Microsoft.</a:t>
+            </a:r>
+            <a:endParaRPr lang="en-US"/>
+          </a:p>
+          <a:p>
+            <a:pPr marL="285750" indent="-285750">
+              <a:buFont typeface="Arial" panose="020B0604020202020204" pitchFamily="34" charset="0"/>
+              <a:buChar char="•"/>
+            </a:pPr>
+            <a:r>
+              <a:rPr lang="en-US"/>
+              <a:t>LUIS is a cloud-based conversational AI service that applies custom machine-learning intelligence to a user's conversational, natural language text to predict overall meaning, and pull out relevant, detailed information. </a:t>
+            </a:r>
+            <a:endParaRPr lang="en-US"/>
+          </a:p>
+          <a:p>
+            <a:pPr marL="285750" indent="-285750">
+              <a:buFont typeface="Arial" panose="020B0604020202020204" pitchFamily="34" charset="0"/>
+              <a:buChar char="•"/>
+            </a:pPr>
+            <a:r>
+              <a:rPr lang="en-US"/>
+              <a:t>It provides access through its custom portal, APIs and SDK client libraries. </a:t>
+            </a:r>
+            <a:endParaRPr lang="en-US"/>
+          </a:p>
+        </p:txBody>
+      </p:sp>
+      <p:sp>
+        <p:nvSpPr>
+          <p:cNvPr id="3" name="Rectangle 8"/>
+          <p:cNvSpPr/>
+          <p:nvPr/>
+        </p:nvSpPr>
+        <p:spPr bwMode="auto">
+          <a:xfrm>
+            <a:off x="5797518" y="-209"/>
+            <a:ext cx="6394515" cy="6850799"/>
+          </a:xfrm>
+          <a:prstGeom prst="rect">
+            <a:avLst/>
+          </a:prstGeom>
+          <a:solidFill>
+            <a:srgbClr val="5C126B"/>
+          </a:solidFill>
+          <a:ln>
+            <a:noFill/>
+            <a:headEnd type="none" w="med" len="med"/>
+            <a:tailEnd type="none" w="med" len="med"/>
+          </a:ln>
+          <a:effectLst/>
+        </p:spPr>
+        <p:style>
+          <a:lnRef idx="1">
+            <a:schemeClr val="accent2"/>
+          </a:lnRef>
+          <a:fillRef idx="3">
+            <a:schemeClr val="accent2"/>
+          </a:fillRef>
+          <a:effectRef idx="2">
+            <a:schemeClr val="accent2"/>
+          </a:effectRef>
+          <a:fontRef idx="minor">
+            <a:schemeClr val="lt1"/>
+          </a:fontRef>
+        </p:style>
+        <p:txBody>
+          <a:bodyPr rot="0" spcFirstLastPara="0" vertOverflow="overflow" horzOverflow="overflow" vert="horz" wrap="square" lIns="182880" tIns="146304" rIns="182880" bIns="146304" numCol="1" spcCol="0" rtlCol="0" fromWordArt="0" anchor="t" anchorCtr="0" forceAA="0" compatLnSpc="1">
+            <a:noAutofit/>
+          </a:bodyPr>
+          <a:lstStyle>
+            <a:defPPr>
+              <a:defRPr lang="en-US"/>
+            </a:defPPr>
+            <a:lvl1pPr marL="0" algn="l" defTabSz="914400" rtl="0" eaLnBrk="1" latinLnBrk="0" hangingPunct="1">
+              <a:defRPr sz="1800" kern="1200">
+                <a:solidFill>
+                  <a:schemeClr val="lt1"/>
+                </a:solidFill>
+                <a:latin typeface="+mn-lt"/>
+                <a:ea typeface="+mn-ea"/>
+                <a:cs typeface="+mn-cs"/>
+              </a:defRPr>
+            </a:lvl1pPr>
+            <a:lvl2pPr marL="457200" algn="l" defTabSz="914400" rtl="0" eaLnBrk="1" latinLnBrk="0" hangingPunct="1">
+              <a:defRPr sz="1800" kern="1200">
+                <a:solidFill>
+                  <a:schemeClr val="lt1"/>
+                </a:solidFill>
+                <a:latin typeface="+mn-lt"/>
+                <a:ea typeface="+mn-ea"/>
+                <a:cs typeface="+mn-cs"/>
+              </a:defRPr>
+            </a:lvl2pPr>
+            <a:lvl3pPr marL="914400" algn="l" defTabSz="914400" rtl="0" eaLnBrk="1" latinLnBrk="0" hangingPunct="1">
+              <a:defRPr sz="1800" kern="1200">
+                <a:solidFill>
+                  <a:schemeClr val="lt1"/>
+                </a:solidFill>
+                <a:latin typeface="+mn-lt"/>
+                <a:ea typeface="+mn-ea"/>
+                <a:cs typeface="+mn-cs"/>
+              </a:defRPr>
+            </a:lvl3pPr>
+            <a:lvl4pPr marL="1371600" algn="l" defTabSz="914400" rtl="0" eaLnBrk="1" latinLnBrk="0" hangingPunct="1">
+              <a:defRPr sz="1800" kern="1200">
+                <a:solidFill>
+                  <a:schemeClr val="lt1"/>
+                </a:solidFill>
+                <a:latin typeface="+mn-lt"/>
+                <a:ea typeface="+mn-ea"/>
+                <a:cs typeface="+mn-cs"/>
+              </a:defRPr>
+            </a:lvl4pPr>
+            <a:lvl5pPr marL="1828800" algn="l" defTabSz="914400" rtl="0" eaLnBrk="1" latinLnBrk="0" hangingPunct="1">
+              <a:defRPr sz="1800" kern="1200">
+                <a:solidFill>
+                  <a:schemeClr val="lt1"/>
+                </a:solidFill>
+                <a:latin typeface="+mn-lt"/>
+                <a:ea typeface="+mn-ea"/>
+                <a:cs typeface="+mn-cs"/>
+              </a:defRPr>
+            </a:lvl5pPr>
+            <a:lvl6pPr marL="2286000" algn="l" defTabSz="914400" rtl="0" eaLnBrk="1" latinLnBrk="0" hangingPunct="1">
+              <a:defRPr sz="1800" kern="1200">
+                <a:solidFill>
+                  <a:schemeClr val="lt1"/>
+                </a:solidFill>
+                <a:latin typeface="+mn-lt"/>
+                <a:ea typeface="+mn-ea"/>
+                <a:cs typeface="+mn-cs"/>
+              </a:defRPr>
+            </a:lvl6pPr>
+            <a:lvl7pPr marL="2743200" algn="l" defTabSz="914400" rtl="0" eaLnBrk="1" latinLnBrk="0" hangingPunct="1">
+              <a:defRPr sz="1800" kern="1200">
+                <a:solidFill>
+                  <a:schemeClr val="lt1"/>
+                </a:solidFill>
+                <a:latin typeface="+mn-lt"/>
+                <a:ea typeface="+mn-ea"/>
+                <a:cs typeface="+mn-cs"/>
+              </a:defRPr>
+            </a:lvl7pPr>
+            <a:lvl8pPr marL="3200400" algn="l" defTabSz="914400" rtl="0" eaLnBrk="1" latinLnBrk="0" hangingPunct="1">
+              <a:defRPr sz="1800" kern="1200">
+                <a:solidFill>
+                  <a:schemeClr val="lt1"/>
+                </a:solidFill>
+                <a:latin typeface="+mn-lt"/>
+                <a:ea typeface="+mn-ea"/>
+                <a:cs typeface="+mn-cs"/>
+              </a:defRPr>
+            </a:lvl8pPr>
+            <a:lvl9pPr marL="3657600" algn="l" defTabSz="914400" rtl="0" eaLnBrk="1" latinLnBrk="0" hangingPunct="1">
+              <a:defRPr sz="1800" kern="1200">
+                <a:solidFill>
+                  <a:schemeClr val="lt1"/>
+                </a:solidFill>
+                <a:latin typeface="+mn-lt"/>
+                <a:ea typeface="+mn-ea"/>
+                <a:cs typeface="+mn-cs"/>
+              </a:defRPr>
+            </a:lvl9pPr>
+          </a:lstStyle>
+          <a:p>
+            <a:pPr algn="l" defTabSz="932180" fontAlgn="base">
+              <a:spcBef>
+                <a:spcPct val="0"/>
+              </a:spcBef>
+              <a:spcAft>
+                <a:spcPct val="0"/>
+              </a:spcAft>
+            </a:pPr>
+            <a:endParaRPr lang="en-US" sz="2000" err="1">
+              <a:gradFill>
+                <a:gsLst>
+                  <a:gs pos="0">
+                    <a:srgbClr val="FFFFFF"/>
+                  </a:gs>
+                  <a:gs pos="100000">
+                    <a:srgbClr val="FFFFFF"/>
+                  </a:gs>
+                </a:gsLst>
+                <a:lin ang="5400000" scaled="0"/>
+              </a:gradFill>
+              <a:ea typeface="Segoe UI" panose="020B0502040204020203" pitchFamily="34" charset="0"/>
+              <a:cs typeface="Segoe UI" panose="020B0502040204020203" pitchFamily="34" charset="0"/>
+            </a:endParaRPr>
+          </a:p>
+        </p:txBody>
+      </p:sp>
+      <p:pic>
+        <p:nvPicPr>
+          <p:cNvPr id="11" name="Picture 10" descr="A screenshot of a cell phone&#10;&#10;Description automatically generated"/>
+          <p:cNvPicPr>
+            <a:picLocks noChangeAspect="1"/>
+          </p:cNvPicPr>
+          <p:nvPr/>
+        </p:nvPicPr>
+        <p:blipFill>
+          <a:blip r:embed="rId1"/>
+          <a:stretch>
+            <a:fillRect/>
+          </a:stretch>
+        </p:blipFill>
+        <p:spPr>
+          <a:xfrm>
+            <a:off x="6589713" y="554990"/>
+            <a:ext cx="4810125" cy="1143000"/>
+          </a:xfrm>
+          <a:prstGeom prst="rect">
+            <a:avLst/>
+          </a:prstGeom>
+        </p:spPr>
+      </p:pic>
+      <p:pic>
+        <p:nvPicPr>
+          <p:cNvPr id="7" name="Picture 6" descr="A close up of a logo&#10;&#10;Description automatically generated"/>
+          <p:cNvPicPr>
+            <a:picLocks noChangeAspect="1"/>
+          </p:cNvPicPr>
+          <p:nvPr/>
+        </p:nvPicPr>
+        <p:blipFill rotWithShape="1">
+          <a:blip r:embed="rId2"/>
+          <a:srcRect l="38382"/>
+          <a:stretch>
+            <a:fillRect/>
+          </a:stretch>
+        </p:blipFill>
+        <p:spPr>
+          <a:xfrm>
+            <a:off x="5803900" y="3689350"/>
+            <a:ext cx="6388100" cy="3168015"/>
+          </a:xfrm>
+          <a:prstGeom prst="rect">
+            <a:avLst/>
+          </a:prstGeom>
+        </p:spPr>
+      </p:pic>
     </p:spTree>
   </p:cSld>
   <p:clrMapOvr>
